--- a/Documentation/Day2Progress.pptx
+++ b/Documentation/Day2Progress.pptx
@@ -1,44 +1,44 @@
 
 <file path=ppt/presentation.xml><?xml version="1.0" encoding="utf-8"?>
-<p:presentation xmlns:a="http://schemas.openxmlformats.org/drawingml/2006/main" xmlns:r="http://schemas.openxmlformats.org/officeDocument/2006/relationships" xmlns:mc="http://schemas.openxmlformats.org/markup-compatibility/2006" xmlns:mv="urn:schemas-microsoft-com:mac:vml" xmlns:p="http://schemas.openxmlformats.org/presentationml/2006/main" xmlns:c="http://schemas.openxmlformats.org/drawingml/2006/chart" xmlns:dgm="http://schemas.openxmlformats.org/drawingml/2006/diagram" xmlns:o="urn:schemas-microsoft-com:office:office" xmlns:v="urn:schemas-microsoft-com:vml" xmlns:pvml="urn:schemas-microsoft-com:office:powerpoint" xmlns:com="http://schemas.openxmlformats.org/drawingml/2006/compatibility" xmlns:p14="http://schemas.microsoft.com/office/powerpoint/2010/main" xmlns:p15="http://schemas.microsoft.com/office/powerpoint/2012/main" autoCompressPictures="0" embedTrueTypeFonts="1" strictFirstAndLastChars="0" saveSubsetFonts="1">
+<p:presentation xmlns:a="http://schemas.openxmlformats.org/drawingml/2006/main" xmlns:r="http://schemas.openxmlformats.org/officeDocument/2006/relationships" xmlns:p="http://schemas.openxmlformats.org/presentationml/2006/main" strictFirstAndLastChars="0" embedTrueTypeFonts="1" saveSubsetFonts="1" autoCompressPictures="0">
   <p:sldMasterIdLst>
-    <p:sldMasterId id="2147483659" r:id="rId4"/>
+    <p:sldMasterId id="2147483659" r:id="rId1"/>
   </p:sldMasterIdLst>
   <p:notesMasterIdLst>
     <p:notesMasterId r:id="rId5"/>
   </p:notesMasterIdLst>
   <p:sldIdLst>
-    <p:sldId id="256" r:id="rId6"/>
-    <p:sldId id="257" r:id="rId7"/>
-    <p:sldId id="258" r:id="rId8"/>
+    <p:sldId id="256" r:id="rId2"/>
+    <p:sldId id="257" r:id="rId3"/>
+    <p:sldId id="259" r:id="rId4"/>
   </p:sldIdLst>
-  <p:sldSz cy="5143500" cx="9144000"/>
+  <p:sldSz cx="9144000" cy="5143500" type="screen16x9"/>
   <p:notesSz cx="6858000" cy="9144000"/>
   <p:embeddedFontLst>
     <p:embeddedFont>
-      <p:font typeface="Montserrat"/>
-      <p:regular r:id="rId9"/>
-      <p:bold r:id="rId10"/>
-      <p:italic r:id="rId11"/>
-      <p:boldItalic r:id="rId12"/>
+      <p:font typeface="Lato" panose="020B0604020202020204" charset="0"/>
+      <p:regular r:id="rId6"/>
+      <p:bold r:id="rId7"/>
+      <p:italic r:id="rId8"/>
+      <p:boldItalic r:id="rId9"/>
     </p:embeddedFont>
     <p:embeddedFont>
-      <p:font typeface="Lato"/>
-      <p:regular r:id="rId13"/>
-      <p:bold r:id="rId14"/>
-      <p:italic r:id="rId15"/>
-      <p:boldItalic r:id="rId16"/>
+      <p:font typeface="Montserrat" panose="020B0604020202020204" charset="0"/>
+      <p:regular r:id="rId10"/>
+      <p:bold r:id="rId11"/>
+      <p:italic r:id="rId12"/>
+      <p:boldItalic r:id="rId13"/>
     </p:embeddedFont>
     <p:embeddedFont>
-      <p:font typeface="Spectral"/>
-      <p:regular r:id="rId17"/>
-      <p:bold r:id="rId18"/>
-      <p:italic r:id="rId19"/>
-      <p:boldItalic r:id="rId20"/>
+      <p:font typeface="Spectral" panose="020B0604020202020204" charset="0"/>
+      <p:regular r:id="rId14"/>
+      <p:bold r:id="rId15"/>
+      <p:italic r:id="rId16"/>
+      <p:boldItalic r:id="rId17"/>
     </p:embeddedFont>
   </p:embeddedFontLst>
   <p:defaultTextStyle>
-    <a:defPPr lvl="0" marR="0" rtl="0" algn="l">
+    <a:defPPr marR="0" lvl="0" algn="l" rtl="0">
       <a:lnSpc>
         <a:spcPct val="100000"/>
       </a:lnSpc>
@@ -49,7 +49,7 @@
         <a:spcPts val="0"/>
       </a:spcAft>
     </a:defPPr>
-    <a:lvl1pPr lvl="0" marR="0" rtl="0" algn="l">
+    <a:lvl1pPr marR="0" lvl="0" algn="l" rtl="0">
       <a:lnSpc>
         <a:spcPct val="100000"/>
       </a:lnSpc>
@@ -63,7 +63,7 @@
         <a:srgbClr val="000000"/>
       </a:buClr>
       <a:buFont typeface="Arial"/>
-      <a:defRPr b="0" i="0" sz="1400" u="none" cap="none" strike="noStrike">
+      <a:defRPr sz="1400" b="0" i="0" u="none" strike="noStrike" cap="none">
         <a:solidFill>
           <a:srgbClr val="000000"/>
         </a:solidFill>
@@ -73,7 +73,7 @@
         <a:sym typeface="Arial"/>
       </a:defRPr>
     </a:lvl1pPr>
-    <a:lvl2pPr lvl="1" marR="0" rtl="0" algn="l">
+    <a:lvl2pPr marR="0" lvl="1" algn="l" rtl="0">
       <a:lnSpc>
         <a:spcPct val="100000"/>
       </a:lnSpc>
@@ -87,7 +87,7 @@
         <a:srgbClr val="000000"/>
       </a:buClr>
       <a:buFont typeface="Arial"/>
-      <a:defRPr b="0" i="0" sz="1400" u="none" cap="none" strike="noStrike">
+      <a:defRPr sz="1400" b="0" i="0" u="none" strike="noStrike" cap="none">
         <a:solidFill>
           <a:srgbClr val="000000"/>
         </a:solidFill>
@@ -97,7 +97,7 @@
         <a:sym typeface="Arial"/>
       </a:defRPr>
     </a:lvl2pPr>
-    <a:lvl3pPr lvl="2" marR="0" rtl="0" algn="l">
+    <a:lvl3pPr marR="0" lvl="2" algn="l" rtl="0">
       <a:lnSpc>
         <a:spcPct val="100000"/>
       </a:lnSpc>
@@ -111,7 +111,7 @@
         <a:srgbClr val="000000"/>
       </a:buClr>
       <a:buFont typeface="Arial"/>
-      <a:defRPr b="0" i="0" sz="1400" u="none" cap="none" strike="noStrike">
+      <a:defRPr sz="1400" b="0" i="0" u="none" strike="noStrike" cap="none">
         <a:solidFill>
           <a:srgbClr val="000000"/>
         </a:solidFill>
@@ -121,7 +121,7 @@
         <a:sym typeface="Arial"/>
       </a:defRPr>
     </a:lvl3pPr>
-    <a:lvl4pPr lvl="3" marR="0" rtl="0" algn="l">
+    <a:lvl4pPr marR="0" lvl="3" algn="l" rtl="0">
       <a:lnSpc>
         <a:spcPct val="100000"/>
       </a:lnSpc>
@@ -135,7 +135,7 @@
         <a:srgbClr val="000000"/>
       </a:buClr>
       <a:buFont typeface="Arial"/>
-      <a:defRPr b="0" i="0" sz="1400" u="none" cap="none" strike="noStrike">
+      <a:defRPr sz="1400" b="0" i="0" u="none" strike="noStrike" cap="none">
         <a:solidFill>
           <a:srgbClr val="000000"/>
         </a:solidFill>
@@ -145,7 +145,7 @@
         <a:sym typeface="Arial"/>
       </a:defRPr>
     </a:lvl4pPr>
-    <a:lvl5pPr lvl="4" marR="0" rtl="0" algn="l">
+    <a:lvl5pPr marR="0" lvl="4" algn="l" rtl="0">
       <a:lnSpc>
         <a:spcPct val="100000"/>
       </a:lnSpc>
@@ -159,7 +159,7 @@
         <a:srgbClr val="000000"/>
       </a:buClr>
       <a:buFont typeface="Arial"/>
-      <a:defRPr b="0" i="0" sz="1400" u="none" cap="none" strike="noStrike">
+      <a:defRPr sz="1400" b="0" i="0" u="none" strike="noStrike" cap="none">
         <a:solidFill>
           <a:srgbClr val="000000"/>
         </a:solidFill>
@@ -169,7 +169,7 @@
         <a:sym typeface="Arial"/>
       </a:defRPr>
     </a:lvl5pPr>
-    <a:lvl6pPr lvl="5" marR="0" rtl="0" algn="l">
+    <a:lvl6pPr marR="0" lvl="5" algn="l" rtl="0">
       <a:lnSpc>
         <a:spcPct val="100000"/>
       </a:lnSpc>
@@ -183,7 +183,7 @@
         <a:srgbClr val="000000"/>
       </a:buClr>
       <a:buFont typeface="Arial"/>
-      <a:defRPr b="0" i="0" sz="1400" u="none" cap="none" strike="noStrike">
+      <a:defRPr sz="1400" b="0" i="0" u="none" strike="noStrike" cap="none">
         <a:solidFill>
           <a:srgbClr val="000000"/>
         </a:solidFill>
@@ -193,7 +193,7 @@
         <a:sym typeface="Arial"/>
       </a:defRPr>
     </a:lvl6pPr>
-    <a:lvl7pPr lvl="6" marR="0" rtl="0" algn="l">
+    <a:lvl7pPr marR="0" lvl="6" algn="l" rtl="0">
       <a:lnSpc>
         <a:spcPct val="100000"/>
       </a:lnSpc>
@@ -207,7 +207,7 @@
         <a:srgbClr val="000000"/>
       </a:buClr>
       <a:buFont typeface="Arial"/>
-      <a:defRPr b="0" i="0" sz="1400" u="none" cap="none" strike="noStrike">
+      <a:defRPr sz="1400" b="0" i="0" u="none" strike="noStrike" cap="none">
         <a:solidFill>
           <a:srgbClr val="000000"/>
         </a:solidFill>
@@ -217,7 +217,7 @@
         <a:sym typeface="Arial"/>
       </a:defRPr>
     </a:lvl7pPr>
-    <a:lvl8pPr lvl="7" marR="0" rtl="0" algn="l">
+    <a:lvl8pPr marR="0" lvl="7" algn="l" rtl="0">
       <a:lnSpc>
         <a:spcPct val="100000"/>
       </a:lnSpc>
@@ -231,7 +231,7 @@
         <a:srgbClr val="000000"/>
       </a:buClr>
       <a:buFont typeface="Arial"/>
-      <a:defRPr b="0" i="0" sz="1400" u="none" cap="none" strike="noStrike">
+      <a:defRPr sz="1400" b="0" i="0" u="none" strike="noStrike" cap="none">
         <a:solidFill>
           <a:srgbClr val="000000"/>
         </a:solidFill>
@@ -241,7 +241,7 @@
         <a:sym typeface="Arial"/>
       </a:defRPr>
     </a:lvl8pPr>
-    <a:lvl9pPr lvl="8" marR="0" rtl="0" algn="l">
+    <a:lvl9pPr marR="0" lvl="8" algn="l" rtl="0">
       <a:lnSpc>
         <a:spcPct val="100000"/>
       </a:lnSpc>
@@ -255,7 +255,7 @@
         <a:srgbClr val="000000"/>
       </a:buClr>
       <a:buFont typeface="Arial"/>
-      <a:defRPr b="0" i="0" sz="1400" u="none" cap="none" strike="noStrike">
+      <a:defRPr sz="1400" b="0" i="0" u="none" strike="noStrike" cap="none">
         <a:solidFill>
           <a:srgbClr val="000000"/>
         </a:solidFill>
@@ -268,7 +268,7 @@
   </p:defaultTextStyle>
   <p:extLst>
     <p:ext uri="{EFAFB233-063F-42B5-8137-9DF3F51BA10A}">
-      <p15:sldGuideLst>
+      <p15:sldGuideLst xmlns:p15="http://schemas.microsoft.com/office/powerpoint/2012/main">
         <p15:guide id="1" orient="horz" pos="1620">
           <p15:clr>
             <a:srgbClr val="A4A3A4"/>
@@ -286,11 +286,16 @@
 </file>
 
 <file path=ppt/notesMasters/notesMaster1.xml><?xml version="1.0" encoding="utf-8"?>
-<p:notesMaster xmlns:a="http://schemas.openxmlformats.org/drawingml/2006/main" xmlns:r="http://schemas.openxmlformats.org/officeDocument/2006/relationships" xmlns:mc="http://schemas.openxmlformats.org/markup-compatibility/2006" xmlns:mv="urn:schemas-microsoft-com:mac:vml" xmlns:p="http://schemas.openxmlformats.org/presentationml/2006/main" xmlns:c="http://schemas.openxmlformats.org/drawingml/2006/chart" xmlns:dgm="http://schemas.openxmlformats.org/drawingml/2006/diagram" xmlns:o="urn:schemas-microsoft-com:office:office" xmlns:v="urn:schemas-microsoft-com:vml" xmlns:pvml="urn:schemas-microsoft-com:office:powerpoint" xmlns:com="http://schemas.openxmlformats.org/drawingml/2006/compatibility" xmlns:p14="http://schemas.microsoft.com/office/powerpoint/2010/main" xmlns:p15="http://schemas.microsoft.com/office/powerpoint/2012/main">
+<p:notesMaster xmlns:a="http://schemas.openxmlformats.org/drawingml/2006/main" xmlns:r="http://schemas.openxmlformats.org/officeDocument/2006/relationships" xmlns:p="http://schemas.openxmlformats.org/presentationml/2006/main">
   <p:cSld>
+    <p:bg>
+      <p:bgRef idx="1001">
+        <a:schemeClr val="bg1"/>
+      </p:bgRef>
+    </p:bg>
     <p:spTree>
       <p:nvGrpSpPr>
-        <p:cNvPr id="2" name="Shape 2"/>
+        <p:cNvPr id="1" name="Shape 2"/>
         <p:cNvGrpSpPr/>
         <p:nvPr/>
       </p:nvGrpSpPr>
@@ -305,9 +310,11 @@
       <p:sp>
         <p:nvSpPr>
           <p:cNvPr id="3" name="Google Shape;3;n"/>
-          <p:cNvSpPr/>
+          <p:cNvSpPr>
+            <a:spLocks noGrp="1" noRot="1" noChangeAspect="1"/>
+          </p:cNvSpPr>
           <p:nvPr>
-            <p:ph idx="2" type="sldImg"/>
+            <p:ph type="sldImg" idx="2"/>
           </p:nvPr>
         </p:nvSpPr>
         <p:spPr>
@@ -316,9 +323,13 @@
             <a:ext cx="6096075" cy="3429000"/>
           </a:xfrm>
           <a:custGeom>
-            <a:rect b="b" l="l" r="r" t="t"/>
+            <a:avLst/>
+            <a:gdLst/>
+            <a:ahLst/>
+            <a:cxnLst/>
+            <a:rect l="l" t="t" r="r" b="b"/>
             <a:pathLst>
-              <a:path extrusionOk="0" h="120000" w="120000">
+              <a:path w="120000" h="120000" extrusionOk="0">
                 <a:moveTo>
                   <a:pt x="0" y="0"/>
                 </a:moveTo>
@@ -336,23 +347,25 @@
             </a:pathLst>
           </a:custGeom>
           <a:noFill/>
-          <a:ln cap="flat" cmpd="sng" w="9525">
+          <a:ln w="9525" cap="flat" cmpd="sng">
             <a:solidFill>
               <a:srgbClr val="000000"/>
             </a:solidFill>
             <a:prstDash val="solid"/>
             <a:round/>
-            <a:headEnd len="sm" w="sm" type="none"/>
-            <a:tailEnd len="sm" w="sm" type="none"/>
+            <a:headEnd type="none" w="sm" len="sm"/>
+            <a:tailEnd type="none" w="sm" len="sm"/>
           </a:ln>
         </p:spPr>
       </p:sp>
       <p:sp>
         <p:nvSpPr>
           <p:cNvPr id="4" name="Google Shape;4;n"/>
-          <p:cNvSpPr txBox="1"/>
+          <p:cNvSpPr txBox="1">
+            <a:spLocks noGrp="1"/>
+          </p:cNvSpPr>
           <p:nvPr>
-            <p:ph idx="1" type="body"/>
+            <p:ph type="body" idx="1"/>
           </p:nvPr>
         </p:nvSpPr>
         <p:spPr>
@@ -369,11 +382,11 @@
           </a:ln>
         </p:spPr>
         <p:txBody>
-          <a:bodyPr anchorCtr="0" anchor="t" bIns="91425" lIns="91425" spcFirstLastPara="1" rIns="91425" wrap="square" tIns="91425">
+          <a:bodyPr spcFirstLastPara="1" wrap="square" lIns="91425" tIns="91425" rIns="91425" bIns="91425" anchor="t" anchorCtr="0">
             <a:noAutofit/>
           </a:bodyPr>
           <a:lstStyle>
-            <a:lvl1pPr indent="-298450" lvl="0" marL="457200">
+            <a:lvl1pPr marL="457200" lvl="0" indent="-298450">
               <a:spcBef>
                 <a:spcPts val="0"/>
               </a:spcBef>
@@ -384,7 +397,7 @@
               <a:buChar char="●"/>
               <a:defRPr sz="1100"/>
             </a:lvl1pPr>
-            <a:lvl2pPr indent="-298450" lvl="1" marL="914400">
+            <a:lvl2pPr marL="914400" lvl="1" indent="-298450">
               <a:spcBef>
                 <a:spcPts val="0"/>
               </a:spcBef>
@@ -395,7 +408,7 @@
               <a:buChar char="○"/>
               <a:defRPr sz="1100"/>
             </a:lvl2pPr>
-            <a:lvl3pPr indent="-298450" lvl="2" marL="1371600">
+            <a:lvl3pPr marL="1371600" lvl="2" indent="-298450">
               <a:spcBef>
                 <a:spcPts val="0"/>
               </a:spcBef>
@@ -406,7 +419,7 @@
               <a:buChar char="■"/>
               <a:defRPr sz="1100"/>
             </a:lvl3pPr>
-            <a:lvl4pPr indent="-298450" lvl="3" marL="1828800">
+            <a:lvl4pPr marL="1828800" lvl="3" indent="-298450">
               <a:spcBef>
                 <a:spcPts val="0"/>
               </a:spcBef>
@@ -417,7 +430,7 @@
               <a:buChar char="●"/>
               <a:defRPr sz="1100"/>
             </a:lvl4pPr>
-            <a:lvl5pPr indent="-298450" lvl="4" marL="2286000">
+            <a:lvl5pPr marL="2286000" lvl="4" indent="-298450">
               <a:spcBef>
                 <a:spcPts val="0"/>
               </a:spcBef>
@@ -428,7 +441,7 @@
               <a:buChar char="○"/>
               <a:defRPr sz="1100"/>
             </a:lvl5pPr>
-            <a:lvl6pPr indent="-298450" lvl="5" marL="2743200">
+            <a:lvl6pPr marL="2743200" lvl="5" indent="-298450">
               <a:spcBef>
                 <a:spcPts val="0"/>
               </a:spcBef>
@@ -439,7 +452,7 @@
               <a:buChar char="■"/>
               <a:defRPr sz="1100"/>
             </a:lvl6pPr>
-            <a:lvl7pPr indent="-298450" lvl="6" marL="3200400">
+            <a:lvl7pPr marL="3200400" lvl="6" indent="-298450">
               <a:spcBef>
                 <a:spcPts val="0"/>
               </a:spcBef>
@@ -450,7 +463,7 @@
               <a:buChar char="●"/>
               <a:defRPr sz="1100"/>
             </a:lvl7pPr>
-            <a:lvl8pPr indent="-298450" lvl="7" marL="3657600">
+            <a:lvl8pPr marL="3657600" lvl="7" indent="-298450">
               <a:spcBef>
                 <a:spcPts val="0"/>
               </a:spcBef>
@@ -461,7 +474,7 @@
               <a:buChar char="○"/>
               <a:defRPr sz="1100"/>
             </a:lvl8pPr>
-            <a:lvl9pPr indent="-298450" lvl="8" marL="4114800">
+            <a:lvl9pPr marL="4114800" lvl="8" indent="-298450">
               <a:spcBef>
                 <a:spcPts val="0"/>
               </a:spcBef>
@@ -473,14 +486,16 @@
               <a:defRPr sz="1100"/>
             </a:lvl9pPr>
           </a:lstStyle>
-          <a:p/>
+          <a:p>
+            <a:endParaRPr/>
+          </a:p>
         </p:txBody>
       </p:sp>
     </p:spTree>
   </p:cSld>
-  <p:clrMap accent1="accent1" accent2="accent2" accent3="accent3" accent4="accent4" accent5="accent5" accent6="accent6" bg1="lt1" bg2="dk2" tx1="dk1" tx2="lt2" folHlink="folHlink" hlink="hlink"/>
+  <p:clrMap bg1="lt1" tx1="dk1" bg2="dk2" tx2="lt2" accent1="accent1" accent2="accent2" accent3="accent3" accent4="accent4" accent5="accent5" accent6="accent6" hlink="hlink" folHlink="folHlink"/>
   <p:notesStyle>
-    <a:defPPr lvl="0" marR="0" rtl="0" algn="l">
+    <a:defPPr marR="0" lvl="0" algn="l" rtl="0">
       <a:lnSpc>
         <a:spcPct val="100000"/>
       </a:lnSpc>
@@ -491,7 +506,7 @@
         <a:spcPts val="0"/>
       </a:spcAft>
     </a:defPPr>
-    <a:lvl1pPr lvl="0" marR="0" rtl="0" algn="l">
+    <a:lvl1pPr marR="0" lvl="0" algn="l" rtl="0">
       <a:lnSpc>
         <a:spcPct val="100000"/>
       </a:lnSpc>
@@ -505,7 +520,7 @@
         <a:srgbClr val="000000"/>
       </a:buClr>
       <a:buFont typeface="Arial"/>
-      <a:defRPr b="0" i="0" sz="1400" u="none" cap="none" strike="noStrike">
+      <a:defRPr sz="1400" b="0" i="0" u="none" strike="noStrike" cap="none">
         <a:solidFill>
           <a:srgbClr val="000000"/>
         </a:solidFill>
@@ -515,7 +530,7 @@
         <a:sym typeface="Arial"/>
       </a:defRPr>
     </a:lvl1pPr>
-    <a:lvl2pPr lvl="1" marR="0" rtl="0" algn="l">
+    <a:lvl2pPr marR="0" lvl="1" algn="l" rtl="0">
       <a:lnSpc>
         <a:spcPct val="100000"/>
       </a:lnSpc>
@@ -529,7 +544,7 @@
         <a:srgbClr val="000000"/>
       </a:buClr>
       <a:buFont typeface="Arial"/>
-      <a:defRPr b="0" i="0" sz="1400" u="none" cap="none" strike="noStrike">
+      <a:defRPr sz="1400" b="0" i="0" u="none" strike="noStrike" cap="none">
         <a:solidFill>
           <a:srgbClr val="000000"/>
         </a:solidFill>
@@ -539,7 +554,7 @@
         <a:sym typeface="Arial"/>
       </a:defRPr>
     </a:lvl2pPr>
-    <a:lvl3pPr lvl="2" marR="0" rtl="0" algn="l">
+    <a:lvl3pPr marR="0" lvl="2" algn="l" rtl="0">
       <a:lnSpc>
         <a:spcPct val="100000"/>
       </a:lnSpc>
@@ -553,7 +568,7 @@
         <a:srgbClr val="000000"/>
       </a:buClr>
       <a:buFont typeface="Arial"/>
-      <a:defRPr b="0" i="0" sz="1400" u="none" cap="none" strike="noStrike">
+      <a:defRPr sz="1400" b="0" i="0" u="none" strike="noStrike" cap="none">
         <a:solidFill>
           <a:srgbClr val="000000"/>
         </a:solidFill>
@@ -563,7 +578,7 @@
         <a:sym typeface="Arial"/>
       </a:defRPr>
     </a:lvl3pPr>
-    <a:lvl4pPr lvl="3" marR="0" rtl="0" algn="l">
+    <a:lvl4pPr marR="0" lvl="3" algn="l" rtl="0">
       <a:lnSpc>
         <a:spcPct val="100000"/>
       </a:lnSpc>
@@ -577,7 +592,7 @@
         <a:srgbClr val="000000"/>
       </a:buClr>
       <a:buFont typeface="Arial"/>
-      <a:defRPr b="0" i="0" sz="1400" u="none" cap="none" strike="noStrike">
+      <a:defRPr sz="1400" b="0" i="0" u="none" strike="noStrike" cap="none">
         <a:solidFill>
           <a:srgbClr val="000000"/>
         </a:solidFill>
@@ -587,7 +602,7 @@
         <a:sym typeface="Arial"/>
       </a:defRPr>
     </a:lvl4pPr>
-    <a:lvl5pPr lvl="4" marR="0" rtl="0" algn="l">
+    <a:lvl5pPr marR="0" lvl="4" algn="l" rtl="0">
       <a:lnSpc>
         <a:spcPct val="100000"/>
       </a:lnSpc>
@@ -601,7 +616,7 @@
         <a:srgbClr val="000000"/>
       </a:buClr>
       <a:buFont typeface="Arial"/>
-      <a:defRPr b="0" i="0" sz="1400" u="none" cap="none" strike="noStrike">
+      <a:defRPr sz="1400" b="0" i="0" u="none" strike="noStrike" cap="none">
         <a:solidFill>
           <a:srgbClr val="000000"/>
         </a:solidFill>
@@ -611,7 +626,7 @@
         <a:sym typeface="Arial"/>
       </a:defRPr>
     </a:lvl5pPr>
-    <a:lvl6pPr lvl="5" marR="0" rtl="0" algn="l">
+    <a:lvl6pPr marR="0" lvl="5" algn="l" rtl="0">
       <a:lnSpc>
         <a:spcPct val="100000"/>
       </a:lnSpc>
@@ -625,7 +640,7 @@
         <a:srgbClr val="000000"/>
       </a:buClr>
       <a:buFont typeface="Arial"/>
-      <a:defRPr b="0" i="0" sz="1400" u="none" cap="none" strike="noStrike">
+      <a:defRPr sz="1400" b="0" i="0" u="none" strike="noStrike" cap="none">
         <a:solidFill>
           <a:srgbClr val="000000"/>
         </a:solidFill>
@@ -635,7 +650,7 @@
         <a:sym typeface="Arial"/>
       </a:defRPr>
     </a:lvl6pPr>
-    <a:lvl7pPr lvl="6" marR="0" rtl="0" algn="l">
+    <a:lvl7pPr marR="0" lvl="6" algn="l" rtl="0">
       <a:lnSpc>
         <a:spcPct val="100000"/>
       </a:lnSpc>
@@ -649,7 +664,7 @@
         <a:srgbClr val="000000"/>
       </a:buClr>
       <a:buFont typeface="Arial"/>
-      <a:defRPr b="0" i="0" sz="1400" u="none" cap="none" strike="noStrike">
+      <a:defRPr sz="1400" b="0" i="0" u="none" strike="noStrike" cap="none">
         <a:solidFill>
           <a:srgbClr val="000000"/>
         </a:solidFill>
@@ -659,7 +674,7 @@
         <a:sym typeface="Arial"/>
       </a:defRPr>
     </a:lvl7pPr>
-    <a:lvl8pPr lvl="7" marR="0" rtl="0" algn="l">
+    <a:lvl8pPr marR="0" lvl="7" algn="l" rtl="0">
       <a:lnSpc>
         <a:spcPct val="100000"/>
       </a:lnSpc>
@@ -673,7 +688,7 @@
         <a:srgbClr val="000000"/>
       </a:buClr>
       <a:buFont typeface="Arial"/>
-      <a:defRPr b="0" i="0" sz="1400" u="none" cap="none" strike="noStrike">
+      <a:defRPr sz="1400" b="0" i="0" u="none" strike="noStrike" cap="none">
         <a:solidFill>
           <a:srgbClr val="000000"/>
         </a:solidFill>
@@ -683,7 +698,7 @@
         <a:sym typeface="Arial"/>
       </a:defRPr>
     </a:lvl8pPr>
-    <a:lvl9pPr lvl="8" marR="0" rtl="0" algn="l">
+    <a:lvl9pPr marR="0" lvl="8" algn="l" rtl="0">
       <a:lnSpc>
         <a:spcPct val="100000"/>
       </a:lnSpc>
@@ -697,7 +712,7 @@
         <a:srgbClr val="000000"/>
       </a:buClr>
       <a:buFont typeface="Arial"/>
-      <a:defRPr b="0" i="0" sz="1400" u="none" cap="none" strike="noStrike">
+      <a:defRPr sz="1400" b="0" i="0" u="none" strike="noStrike" cap="none">
         <a:solidFill>
           <a:srgbClr val="000000"/>
         </a:solidFill>
@@ -712,11 +727,11 @@
 </file>
 
 <file path=ppt/notesSlides/notesSlide1.xml><?xml version="1.0" encoding="utf-8"?>
-<p:notes xmlns:a="http://schemas.openxmlformats.org/drawingml/2006/main" xmlns:r="http://schemas.openxmlformats.org/officeDocument/2006/relationships" xmlns:mc="http://schemas.openxmlformats.org/markup-compatibility/2006" xmlns:mv="urn:schemas-microsoft-com:mac:vml" xmlns:p="http://schemas.openxmlformats.org/presentationml/2006/main" xmlns:c="http://schemas.openxmlformats.org/drawingml/2006/chart" xmlns:dgm="http://schemas.openxmlformats.org/drawingml/2006/diagram" xmlns:o="urn:schemas-microsoft-com:office:office" xmlns:v="urn:schemas-microsoft-com:vml" xmlns:pvml="urn:schemas-microsoft-com:office:powerpoint" xmlns:com="http://schemas.openxmlformats.org/drawingml/2006/compatibility" xmlns:p14="http://schemas.microsoft.com/office/powerpoint/2010/main" xmlns:p15="http://schemas.microsoft.com/office/powerpoint/2012/main" showMasterPhAnim="0" showMasterSp="0">
+<p:notes xmlns:a="http://schemas.openxmlformats.org/drawingml/2006/main" xmlns:r="http://schemas.openxmlformats.org/officeDocument/2006/relationships" xmlns:p="http://schemas.openxmlformats.org/presentationml/2006/main" showMasterSp="0" showMasterPhAnim="0">
   <p:cSld>
     <p:spTree>
       <p:nvGrpSpPr>
-        <p:cNvPr id="130" name="Shape 130"/>
+        <p:cNvPr id="1" name="Shape 130"/>
         <p:cNvGrpSpPr/>
         <p:nvPr/>
       </p:nvGrpSpPr>
@@ -731,20 +746,26 @@
       <p:sp>
         <p:nvSpPr>
           <p:cNvPr id="131" name="Google Shape;131;p:notes"/>
-          <p:cNvSpPr/>
+          <p:cNvSpPr>
+            <a:spLocks noGrp="1" noRot="1" noChangeAspect="1"/>
+          </p:cNvSpPr>
           <p:nvPr>
-            <p:ph idx="2" type="sldImg"/>
+            <p:ph type="sldImg" idx="2"/>
           </p:nvPr>
         </p:nvSpPr>
         <p:spPr>
           <a:xfrm>
-            <a:off x="381300" y="685800"/>
-            <a:ext cx="6096075" cy="3429000"/>
+            <a:off x="381000" y="685800"/>
+            <a:ext cx="6096000" cy="3429000"/>
           </a:xfrm>
           <a:custGeom>
-            <a:rect b="b" l="l" r="r" t="t"/>
+            <a:avLst/>
+            <a:gdLst/>
+            <a:ahLst/>
+            <a:cxnLst/>
+            <a:rect l="l" t="t" r="r" b="b"/>
             <a:pathLst>
-              <a:path extrusionOk="0" h="120000" w="120000">
+              <a:path w="120000" h="120000" extrusionOk="0">
                 <a:moveTo>
                   <a:pt x="0" y="0"/>
                 </a:moveTo>
@@ -766,9 +787,11 @@
       <p:sp>
         <p:nvSpPr>
           <p:cNvPr id="132" name="Google Shape;132;p:notes"/>
-          <p:cNvSpPr txBox="1"/>
+          <p:cNvSpPr txBox="1">
+            <a:spLocks noGrp="1"/>
+          </p:cNvSpPr>
           <p:nvPr>
-            <p:ph idx="1" type="body"/>
+            <p:ph type="body" idx="1"/>
           </p:nvPr>
         </p:nvSpPr>
         <p:spPr>
@@ -781,12 +804,12 @@
           </a:prstGeom>
         </p:spPr>
         <p:txBody>
-          <a:bodyPr anchorCtr="0" anchor="t" bIns="91425" lIns="91425" spcFirstLastPara="1" rIns="91425" wrap="square" tIns="91425">
+          <a:bodyPr spcFirstLastPara="1" wrap="square" lIns="91425" tIns="91425" rIns="91425" bIns="91425" anchor="t" anchorCtr="0">
             <a:noAutofit/>
           </a:bodyPr>
           <a:lstStyle/>
           <a:p>
-            <a:pPr indent="0" lvl="0" marL="0" rtl="0" algn="l">
+            <a:pPr marL="0" lvl="0" indent="0" algn="l" rtl="0">
               <a:spcBef>
                 <a:spcPts val="0"/>
               </a:spcBef>
@@ -795,9 +818,6 @@
               </a:spcAft>
               <a:buNone/>
             </a:pPr>
-            <a:r>
-              <a:t/>
-            </a:r>
             <a:endParaRPr/>
           </a:p>
         </p:txBody>
@@ -811,11 +831,11 @@
 </file>
 
 <file path=ppt/notesSlides/notesSlide2.xml><?xml version="1.0" encoding="utf-8"?>
-<p:notes xmlns:a="http://schemas.openxmlformats.org/drawingml/2006/main" xmlns:r="http://schemas.openxmlformats.org/officeDocument/2006/relationships" xmlns:mc="http://schemas.openxmlformats.org/markup-compatibility/2006" xmlns:mv="urn:schemas-microsoft-com:mac:vml" xmlns:p="http://schemas.openxmlformats.org/presentationml/2006/main" xmlns:c="http://schemas.openxmlformats.org/drawingml/2006/chart" xmlns:dgm="http://schemas.openxmlformats.org/drawingml/2006/diagram" xmlns:o="urn:schemas-microsoft-com:office:office" xmlns:v="urn:schemas-microsoft-com:vml" xmlns:pvml="urn:schemas-microsoft-com:office:powerpoint" xmlns:com="http://schemas.openxmlformats.org/drawingml/2006/compatibility" xmlns:p14="http://schemas.microsoft.com/office/powerpoint/2010/main" xmlns:p15="http://schemas.microsoft.com/office/powerpoint/2012/main" showMasterPhAnim="0" showMasterSp="0">
+<p:notes xmlns:a="http://schemas.openxmlformats.org/drawingml/2006/main" xmlns:r="http://schemas.openxmlformats.org/officeDocument/2006/relationships" xmlns:p="http://schemas.openxmlformats.org/presentationml/2006/main" showMasterSp="0" showMasterPhAnim="0">
   <p:cSld>
     <p:spTree>
       <p:nvGrpSpPr>
-        <p:cNvPr id="135" name="Shape 135"/>
+        <p:cNvPr id="1" name="Shape 135"/>
         <p:cNvGrpSpPr/>
         <p:nvPr/>
       </p:nvGrpSpPr>
@@ -830,20 +850,26 @@
       <p:sp>
         <p:nvSpPr>
           <p:cNvPr id="136" name="Google Shape;136;g5f4b6cc65d_0_0:notes"/>
-          <p:cNvSpPr/>
+          <p:cNvSpPr>
+            <a:spLocks noGrp="1" noRot="1" noChangeAspect="1"/>
+          </p:cNvSpPr>
           <p:nvPr>
-            <p:ph idx="2" type="sldImg"/>
+            <p:ph type="sldImg" idx="2"/>
           </p:nvPr>
         </p:nvSpPr>
         <p:spPr>
           <a:xfrm>
-            <a:off x="381300" y="685800"/>
+            <a:off x="381000" y="685800"/>
             <a:ext cx="6096000" cy="3429000"/>
           </a:xfrm>
           <a:custGeom>
-            <a:rect b="b" l="l" r="r" t="t"/>
+            <a:avLst/>
+            <a:gdLst/>
+            <a:ahLst/>
+            <a:cxnLst/>
+            <a:rect l="l" t="t" r="r" b="b"/>
             <a:pathLst>
-              <a:path extrusionOk="0" h="120000" w="120000">
+              <a:path w="120000" h="120000" extrusionOk="0">
                 <a:moveTo>
                   <a:pt x="0" y="0"/>
                 </a:moveTo>
@@ -865,9 +891,11 @@
       <p:sp>
         <p:nvSpPr>
           <p:cNvPr id="137" name="Google Shape;137;g5f4b6cc65d_0_0:notes"/>
-          <p:cNvSpPr txBox="1"/>
+          <p:cNvSpPr txBox="1">
+            <a:spLocks noGrp="1"/>
+          </p:cNvSpPr>
           <p:nvPr>
-            <p:ph idx="1" type="body"/>
+            <p:ph type="body" idx="1"/>
           </p:nvPr>
         </p:nvSpPr>
         <p:spPr>
@@ -880,12 +908,12 @@
           </a:prstGeom>
         </p:spPr>
         <p:txBody>
-          <a:bodyPr anchorCtr="0" anchor="t" bIns="91425" lIns="91425" spcFirstLastPara="1" rIns="91425" wrap="square" tIns="91425">
+          <a:bodyPr spcFirstLastPara="1" wrap="square" lIns="91425" tIns="91425" rIns="91425" bIns="91425" anchor="t" anchorCtr="0">
             <a:noAutofit/>
           </a:bodyPr>
           <a:lstStyle/>
           <a:p>
-            <a:pPr indent="0" lvl="0" marL="0" rtl="0" algn="l">
+            <a:pPr marL="0" lvl="0" indent="0" algn="l" rtl="0">
               <a:spcBef>
                 <a:spcPts val="0"/>
               </a:spcBef>
@@ -894,9 +922,6 @@
               </a:spcAft>
               <a:buNone/>
             </a:pPr>
-            <a:r>
-              <a:t/>
-            </a:r>
             <a:endParaRPr/>
           </a:p>
         </p:txBody>
@@ -910,11 +935,11 @@
 </file>
 
 <file path=ppt/notesSlides/notesSlide3.xml><?xml version="1.0" encoding="utf-8"?>
-<p:notes xmlns:a="http://schemas.openxmlformats.org/drawingml/2006/main" xmlns:r="http://schemas.openxmlformats.org/officeDocument/2006/relationships" xmlns:mc="http://schemas.openxmlformats.org/markup-compatibility/2006" xmlns:mv="urn:schemas-microsoft-com:mac:vml" xmlns:p="http://schemas.openxmlformats.org/presentationml/2006/main" xmlns:c="http://schemas.openxmlformats.org/drawingml/2006/chart" xmlns:dgm="http://schemas.openxmlformats.org/drawingml/2006/diagram" xmlns:o="urn:schemas-microsoft-com:office:office" xmlns:v="urn:schemas-microsoft-com:vml" xmlns:pvml="urn:schemas-microsoft-com:office:powerpoint" xmlns:com="http://schemas.openxmlformats.org/drawingml/2006/compatibility" xmlns:p14="http://schemas.microsoft.com/office/powerpoint/2010/main" xmlns:p15="http://schemas.microsoft.com/office/powerpoint/2012/main" showMasterPhAnim="0" showMasterSp="0">
+<p:notes xmlns:a="http://schemas.openxmlformats.org/drawingml/2006/main" xmlns:r="http://schemas.openxmlformats.org/officeDocument/2006/relationships" xmlns:p="http://schemas.openxmlformats.org/presentationml/2006/main" showMasterSp="0" showMasterPhAnim="0">
   <p:cSld>
     <p:spTree>
       <p:nvGrpSpPr>
-        <p:cNvPr id="142" name="Shape 142"/>
+        <p:cNvPr id="1" name="Shape 135"/>
         <p:cNvGrpSpPr/>
         <p:nvPr/>
       </p:nvGrpSpPr>
@@ -928,21 +953,27 @@
       </p:grpSpPr>
       <p:sp>
         <p:nvSpPr>
-          <p:cNvPr id="143" name="Google Shape;143;g5f4b6cc65d_0_5:notes"/>
-          <p:cNvSpPr/>
+          <p:cNvPr id="136" name="Google Shape;136;g5f4b6cc65d_0_0:notes"/>
+          <p:cNvSpPr>
+            <a:spLocks noGrp="1" noRot="1" noChangeAspect="1"/>
+          </p:cNvSpPr>
           <p:nvPr>
-            <p:ph idx="2" type="sldImg"/>
+            <p:ph type="sldImg" idx="2"/>
           </p:nvPr>
         </p:nvSpPr>
         <p:spPr>
           <a:xfrm>
-            <a:off x="381300" y="685800"/>
+            <a:off x="381000" y="685800"/>
             <a:ext cx="6096000" cy="3429000"/>
           </a:xfrm>
           <a:custGeom>
-            <a:rect b="b" l="l" r="r" t="t"/>
+            <a:avLst/>
+            <a:gdLst/>
+            <a:ahLst/>
+            <a:cxnLst/>
+            <a:rect l="l" t="t" r="r" b="b"/>
             <a:pathLst>
-              <a:path extrusionOk="0" h="120000" w="120000">
+              <a:path w="120000" h="120000" extrusionOk="0">
                 <a:moveTo>
                   <a:pt x="0" y="0"/>
                 </a:moveTo>
@@ -963,10 +994,12 @@
       </p:sp>
       <p:sp>
         <p:nvSpPr>
-          <p:cNvPr id="144" name="Google Shape;144;g5f4b6cc65d_0_5:notes"/>
-          <p:cNvSpPr txBox="1"/>
+          <p:cNvPr id="137" name="Google Shape;137;g5f4b6cc65d_0_0:notes"/>
+          <p:cNvSpPr txBox="1">
+            <a:spLocks noGrp="1"/>
+          </p:cNvSpPr>
           <p:nvPr>
-            <p:ph idx="1" type="body"/>
+            <p:ph type="body" idx="1"/>
           </p:nvPr>
         </p:nvSpPr>
         <p:spPr>
@@ -979,12 +1012,12 @@
           </a:prstGeom>
         </p:spPr>
         <p:txBody>
-          <a:bodyPr anchorCtr="0" anchor="t" bIns="91425" lIns="91425" spcFirstLastPara="1" rIns="91425" wrap="square" tIns="91425">
+          <a:bodyPr spcFirstLastPara="1" wrap="square" lIns="91425" tIns="91425" rIns="91425" bIns="91425" anchor="t" anchorCtr="0">
             <a:noAutofit/>
           </a:bodyPr>
           <a:lstStyle/>
           <a:p>
-            <a:pPr indent="0" lvl="0" marL="0" rtl="0" algn="l">
+            <a:pPr marL="0" lvl="0" indent="0" algn="l" rtl="0">
               <a:spcBef>
                 <a:spcPts val="0"/>
               </a:spcBef>
@@ -993,14 +1026,16 @@
               </a:spcAft>
               <a:buNone/>
             </a:pPr>
-            <a:r>
-              <a:t/>
-            </a:r>
             <a:endParaRPr/>
           </a:p>
         </p:txBody>
       </p:sp>
     </p:spTree>
+    <p:extLst>
+      <p:ext uri="{BB962C8B-B14F-4D97-AF65-F5344CB8AC3E}">
+        <p14:creationId xmlns:p14="http://schemas.microsoft.com/office/powerpoint/2010/main" val="1406381081"/>
+      </p:ext>
+    </p:extLst>
   </p:cSld>
   <p:clrMapOvr>
     <a:masterClrMapping/>
@@ -1009,11 +1044,11 @@
 </file>
 
 <file path=ppt/slideLayouts/slideLayout1.xml><?xml version="1.0" encoding="utf-8"?>
-<p:sldLayout xmlns:a="http://schemas.openxmlformats.org/drawingml/2006/main" xmlns:r="http://schemas.openxmlformats.org/officeDocument/2006/relationships" xmlns:mc="http://schemas.openxmlformats.org/markup-compatibility/2006" xmlns:mv="urn:schemas-microsoft-com:mac:vml" xmlns:p="http://schemas.openxmlformats.org/presentationml/2006/main" xmlns:c="http://schemas.openxmlformats.org/drawingml/2006/chart" xmlns:dgm="http://schemas.openxmlformats.org/drawingml/2006/diagram" xmlns:o="urn:schemas-microsoft-com:office:office" xmlns:v="urn:schemas-microsoft-com:vml" xmlns:pvml="urn:schemas-microsoft-com:office:powerpoint" xmlns:com="http://schemas.openxmlformats.org/drawingml/2006/compatibility" xmlns:p14="http://schemas.microsoft.com/office/powerpoint/2010/main" xmlns:p15="http://schemas.microsoft.com/office/powerpoint/2012/main" matchingName="Title slide" type="title">
+<p:sldLayout xmlns:a="http://schemas.openxmlformats.org/drawingml/2006/main" xmlns:r="http://schemas.openxmlformats.org/officeDocument/2006/relationships" xmlns:p="http://schemas.openxmlformats.org/presentationml/2006/main" matchingName="Title slide" type="title">
   <p:cSld name="TITLE">
     <p:spTree>
       <p:nvGrpSpPr>
-        <p:cNvPr id="9" name="Shape 9"/>
+        <p:cNvPr id="1" name="Shape 9"/>
         <p:cNvGrpSpPr/>
         <p:nvPr/>
       </p:nvGrpSpPr>
@@ -1038,7 +1073,7 @@
           </a:xfrm>
           <a:prstGeom prst="diagStripe">
             <a:avLst>
-              <a:gd fmla="val 0" name="adj"/>
+              <a:gd name="adj" fmla="val 0"/>
             </a:avLst>
           </a:prstGeom>
           <a:solidFill>
@@ -1051,12 +1086,12 @@
           </a:ln>
         </p:spPr>
         <p:txBody>
-          <a:bodyPr anchorCtr="0" anchor="ctr" bIns="91425" lIns="91425" spcFirstLastPara="1" rIns="91425" wrap="square" tIns="91425">
+          <a:bodyPr spcFirstLastPara="1" wrap="square" lIns="91425" tIns="91425" rIns="91425" bIns="91425" anchor="ctr" anchorCtr="0">
             <a:noAutofit/>
           </a:bodyPr>
           <a:lstStyle/>
           <a:p>
-            <a:pPr indent="0" lvl="0" marL="0" rtl="0" algn="l">
+            <a:pPr marL="0" lvl="0" indent="0" algn="l" rtl="0">
               <a:spcBef>
                 <a:spcPts val="0"/>
               </a:spcBef>
@@ -1065,9 +1100,6 @@
               </a:spcAft>
               <a:buNone/>
             </a:pPr>
-            <a:r>
-              <a:t/>
-            </a:r>
             <a:endParaRPr/>
           </a:p>
         </p:txBody>
@@ -1099,7 +1131,7 @@
             </a:xfrm>
             <a:prstGeom prst="diagStripe">
               <a:avLst>
-                <a:gd fmla="val 50000" name="adj"/>
+                <a:gd name="adj" fmla="val 50000"/>
               </a:avLst>
             </a:prstGeom>
             <a:solidFill>
@@ -1112,12 +1144,12 @@
             </a:ln>
           </p:spPr>
           <p:txBody>
-            <a:bodyPr anchorCtr="0" anchor="ctr" bIns="91425" lIns="91425" spcFirstLastPara="1" rIns="91425" wrap="square" tIns="91425">
+            <a:bodyPr spcFirstLastPara="1" wrap="square" lIns="91425" tIns="91425" rIns="91425" bIns="91425" anchor="ctr" anchorCtr="0">
               <a:noAutofit/>
             </a:bodyPr>
             <a:lstStyle/>
             <a:p>
-              <a:pPr indent="0" lvl="0" marL="0" rtl="0" algn="l">
+              <a:pPr marL="0" lvl="0" indent="0" algn="l" rtl="0">
                 <a:spcBef>
                   <a:spcPts val="0"/>
                 </a:spcBef>
@@ -1126,9 +1158,6 @@
                 </a:spcAft>
                 <a:buNone/>
               </a:pPr>
-              <a:r>
-                <a:t/>
-              </a:r>
               <a:endParaRPr/>
             </a:p>
           </p:txBody>
@@ -1146,7 +1175,7 @@
             </a:xfrm>
             <a:prstGeom prst="diagStripe">
               <a:avLst>
-                <a:gd fmla="val 58774" name="adj"/>
+                <a:gd name="adj" fmla="val 58774"/>
               </a:avLst>
             </a:prstGeom>
             <a:solidFill>
@@ -1159,12 +1188,12 @@
             </a:ln>
           </p:spPr>
           <p:txBody>
-            <a:bodyPr anchorCtr="0" anchor="ctr" bIns="91425" lIns="91425" spcFirstLastPara="1" rIns="91425" wrap="square" tIns="91425">
+            <a:bodyPr spcFirstLastPara="1" wrap="square" lIns="91425" tIns="91425" rIns="91425" bIns="91425" anchor="ctr" anchorCtr="0">
               <a:noAutofit/>
             </a:bodyPr>
             <a:lstStyle/>
             <a:p>
-              <a:pPr indent="0" lvl="0" marL="0" rtl="0" algn="l">
+              <a:pPr marL="0" lvl="0" indent="0" algn="l" rtl="0">
                 <a:spcBef>
                   <a:spcPts val="0"/>
                 </a:spcBef>
@@ -1173,9 +1202,6 @@
                 </a:spcAft>
                 <a:buNone/>
               </a:pPr>
-              <a:r>
-                <a:t/>
-              </a:r>
               <a:endParaRPr/>
             </a:p>
           </p:txBody>
@@ -1193,7 +1219,7 @@
             </a:xfrm>
             <a:prstGeom prst="diagStripe">
               <a:avLst>
-                <a:gd fmla="val 50000" name="adj"/>
+                <a:gd name="adj" fmla="val 50000"/>
               </a:avLst>
             </a:prstGeom>
             <a:solidFill>
@@ -1204,12 +1230,12 @@
             </a:ln>
           </p:spPr>
           <p:txBody>
-            <a:bodyPr anchorCtr="0" anchor="ctr" bIns="91425" lIns="91425" spcFirstLastPara="1" rIns="91425" wrap="square" tIns="91425">
+            <a:bodyPr spcFirstLastPara="1" wrap="square" lIns="91425" tIns="91425" rIns="91425" bIns="91425" anchor="ctr" anchorCtr="0">
               <a:noAutofit/>
             </a:bodyPr>
             <a:lstStyle/>
             <a:p>
-              <a:pPr indent="0" lvl="0" marL="0" rtl="0" algn="l">
+              <a:pPr marL="0" lvl="0" indent="0" algn="l" rtl="0">
                 <a:spcBef>
                   <a:spcPts val="0"/>
                 </a:spcBef>
@@ -1218,9 +1244,6 @@
                 </a:spcAft>
                 <a:buNone/>
               </a:pPr>
-              <a:r>
-                <a:t/>
-              </a:r>
               <a:endParaRPr/>
             </a:p>
           </p:txBody>
@@ -1238,7 +1261,7 @@
             </a:xfrm>
             <a:prstGeom prst="diagStripe">
               <a:avLst>
-                <a:gd fmla="val 50000" name="adj"/>
+                <a:gd name="adj" fmla="val 50000"/>
               </a:avLst>
             </a:prstGeom>
             <a:solidFill>
@@ -1249,12 +1272,12 @@
             </a:ln>
           </p:spPr>
           <p:txBody>
-            <a:bodyPr anchorCtr="0" anchor="ctr" bIns="91425" lIns="91425" spcFirstLastPara="1" rIns="91425" wrap="square" tIns="91425">
+            <a:bodyPr spcFirstLastPara="1" wrap="square" lIns="91425" tIns="91425" rIns="91425" bIns="91425" anchor="ctr" anchorCtr="0">
               <a:noAutofit/>
             </a:bodyPr>
             <a:lstStyle/>
             <a:p>
-              <a:pPr indent="0" lvl="0" marL="0" rtl="0" algn="l">
+              <a:pPr marL="0" lvl="0" indent="0" algn="l" rtl="0">
                 <a:spcBef>
                   <a:spcPts val="0"/>
                 </a:spcBef>
@@ -1263,9 +1286,6 @@
                 </a:spcAft>
                 <a:buNone/>
               </a:pPr>
-              <a:r>
-                <a:t/>
-              </a:r>
               <a:endParaRPr/>
             </a:p>
           </p:txBody>
@@ -1274,7 +1294,9 @@
       <p:sp>
         <p:nvSpPr>
           <p:cNvPr id="16" name="Google Shape;16;p2"/>
-          <p:cNvSpPr txBox="1"/>
+          <p:cNvSpPr txBox="1">
+            <a:spLocks noGrp="1"/>
+          </p:cNvSpPr>
           <p:nvPr>
             <p:ph type="ctrTitle"/>
           </p:nvPr>
@@ -1289,7 +1311,7 @@
           </a:prstGeom>
         </p:spPr>
         <p:txBody>
-          <a:bodyPr anchorCtr="0" anchor="t" bIns="91425" lIns="91425" spcFirstLastPara="1" rIns="91425" wrap="square" tIns="91425">
+          <a:bodyPr spcFirstLastPara="1" wrap="square" lIns="91425" tIns="91425" rIns="91425" bIns="91425" anchor="t" anchorCtr="0">
             <a:noAutofit/>
           </a:bodyPr>
           <a:lstStyle>
@@ -1393,15 +1415,19 @@
               <a:defRPr sz="4000"/>
             </a:lvl9pPr>
           </a:lstStyle>
-          <a:p/>
+          <a:p>
+            <a:endParaRPr/>
+          </a:p>
         </p:txBody>
       </p:sp>
       <p:sp>
         <p:nvSpPr>
           <p:cNvPr id="17" name="Google Shape;17;p2"/>
-          <p:cNvSpPr txBox="1"/>
+          <p:cNvSpPr txBox="1">
+            <a:spLocks noGrp="1"/>
+          </p:cNvSpPr>
           <p:nvPr>
-            <p:ph idx="1" type="subTitle"/>
+            <p:ph type="subTitle" idx="1"/>
           </p:nvPr>
         </p:nvSpPr>
         <p:spPr>
@@ -1414,7 +1440,7 @@
           </a:prstGeom>
         </p:spPr>
         <p:txBody>
-          <a:bodyPr anchorCtr="0" anchor="t" bIns="91425" lIns="91425" spcFirstLastPara="1" rIns="91425" wrap="square" tIns="91425">
+          <a:bodyPr spcFirstLastPara="1" wrap="square" lIns="91425" tIns="91425" rIns="91425" bIns="91425" anchor="t" anchorCtr="0">
             <a:noAutofit/>
           </a:bodyPr>
           <a:lstStyle>
@@ -1545,15 +1571,19 @@
               <a:defRPr sz="1300"/>
             </a:lvl9pPr>
           </a:lstStyle>
-          <a:p/>
+          <a:p>
+            <a:endParaRPr/>
+          </a:p>
         </p:txBody>
       </p:sp>
       <p:sp>
         <p:nvSpPr>
           <p:cNvPr id="18" name="Google Shape;18;p2"/>
-          <p:cNvSpPr txBox="1"/>
+          <p:cNvSpPr txBox="1">
+            <a:spLocks noGrp="1"/>
+          </p:cNvSpPr>
           <p:nvPr>
-            <p:ph idx="12" type="sldNum"/>
+            <p:ph type="sldNum" idx="12"/>
           </p:nvPr>
         </p:nvSpPr>
         <p:spPr>
@@ -1566,7 +1596,7 @@
           </a:prstGeom>
         </p:spPr>
         <p:txBody>
-          <a:bodyPr anchorCtr="0" anchor="ctr" bIns="91425" lIns="91425" spcFirstLastPara="1" rIns="91425" wrap="square" tIns="91425">
+          <a:bodyPr spcFirstLastPara="1" wrap="square" lIns="91425" tIns="91425" rIns="91425" bIns="91425" anchor="ctr" anchorCtr="0">
             <a:noAutofit/>
           </a:bodyPr>
           <a:lstStyle>
@@ -1608,7 +1638,7 @@
             </a:lvl9pPr>
           </a:lstStyle>
           <a:p>
-            <a:pPr indent="0" lvl="0" marL="0" rtl="0" algn="r">
+            <a:pPr marL="0" lvl="0" indent="0" algn="r" rtl="0">
               <a:spcBef>
                 <a:spcPts val="0"/>
               </a:spcBef>
@@ -1634,11 +1664,11 @@
 </file>
 
 <file path=ppt/slideLayouts/slideLayout10.xml><?xml version="1.0" encoding="utf-8"?>
-<p:sldLayout xmlns:a="http://schemas.openxmlformats.org/drawingml/2006/main" xmlns:r="http://schemas.openxmlformats.org/officeDocument/2006/relationships" xmlns:mc="http://schemas.openxmlformats.org/markup-compatibility/2006" xmlns:mv="urn:schemas-microsoft-com:mac:vml" xmlns:p="http://schemas.openxmlformats.org/presentationml/2006/main" xmlns:c="http://schemas.openxmlformats.org/drawingml/2006/chart" xmlns:dgm="http://schemas.openxmlformats.org/drawingml/2006/diagram" xmlns:o="urn:schemas-microsoft-com:office:office" xmlns:v="urn:schemas-microsoft-com:vml" xmlns:pvml="urn:schemas-microsoft-com:office:powerpoint" xmlns:com="http://schemas.openxmlformats.org/drawingml/2006/compatibility" xmlns:p14="http://schemas.microsoft.com/office/powerpoint/2010/main" xmlns:p15="http://schemas.microsoft.com/office/powerpoint/2012/main" matchingName="Big number">
+<p:sldLayout xmlns:a="http://schemas.openxmlformats.org/drawingml/2006/main" xmlns:r="http://schemas.openxmlformats.org/officeDocument/2006/relationships" xmlns:p="http://schemas.openxmlformats.org/presentationml/2006/main" matchingName="Big number">
   <p:cSld name="BIG_NUMBER">
     <p:spTree>
       <p:nvGrpSpPr>
-        <p:cNvPr id="105" name="Shape 105"/>
+        <p:cNvPr id="1" name="Shape 105"/>
         <p:cNvGrpSpPr/>
         <p:nvPr/>
       </p:nvGrpSpPr>
@@ -1677,7 +1707,7 @@
             </a:xfrm>
             <a:prstGeom prst="diagStripe">
               <a:avLst>
-                <a:gd fmla="val 49469" name="adj"/>
+                <a:gd name="adj" fmla="val 49469"/>
               </a:avLst>
             </a:prstGeom>
             <a:solidFill>
@@ -1690,12 +1720,12 @@
             </a:ln>
           </p:spPr>
           <p:txBody>
-            <a:bodyPr anchorCtr="0" anchor="ctr" bIns="91425" lIns="91425" spcFirstLastPara="1" rIns="91425" wrap="square" tIns="91425">
+            <a:bodyPr spcFirstLastPara="1" wrap="square" lIns="91425" tIns="91425" rIns="91425" bIns="91425" anchor="ctr" anchorCtr="0">
               <a:noAutofit/>
             </a:bodyPr>
             <a:lstStyle/>
             <a:p>
-              <a:pPr indent="0" lvl="0" marL="0" rtl="0" algn="l">
+              <a:pPr marL="0" lvl="0" indent="0" algn="l" rtl="0">
                 <a:spcBef>
                   <a:spcPts val="0"/>
                 </a:spcBef>
@@ -1704,9 +1734,6 @@
                 </a:spcAft>
                 <a:buNone/>
               </a:pPr>
-              <a:r>
-                <a:t/>
-              </a:r>
               <a:endParaRPr/>
             </a:p>
           </p:txBody>
@@ -1724,7 +1751,7 @@
             </a:xfrm>
             <a:prstGeom prst="diagStripe">
               <a:avLst>
-                <a:gd fmla="val 0" name="adj"/>
+                <a:gd name="adj" fmla="val 0"/>
               </a:avLst>
             </a:prstGeom>
             <a:solidFill>
@@ -1737,12 +1764,12 @@
             </a:ln>
           </p:spPr>
           <p:txBody>
-            <a:bodyPr anchorCtr="0" anchor="ctr" bIns="91425" lIns="91425" spcFirstLastPara="1" rIns="91425" wrap="square" tIns="91425">
+            <a:bodyPr spcFirstLastPara="1" wrap="square" lIns="91425" tIns="91425" rIns="91425" bIns="91425" anchor="ctr" anchorCtr="0">
               <a:noAutofit/>
             </a:bodyPr>
             <a:lstStyle/>
             <a:p>
-              <a:pPr indent="0" lvl="0" marL="0" rtl="0" algn="l">
+              <a:pPr marL="0" lvl="0" indent="0" algn="l" rtl="0">
                 <a:spcBef>
                   <a:spcPts val="0"/>
                 </a:spcBef>
@@ -1751,9 +1778,6 @@
                 </a:spcAft>
                 <a:buNone/>
               </a:pPr>
-              <a:r>
-                <a:t/>
-              </a:r>
               <a:endParaRPr/>
             </a:p>
           </p:txBody>
@@ -1771,7 +1795,7 @@
             </a:xfrm>
             <a:prstGeom prst="diagStripe">
               <a:avLst>
-                <a:gd fmla="val 50000" name="adj"/>
+                <a:gd name="adj" fmla="val 50000"/>
               </a:avLst>
             </a:prstGeom>
             <a:solidFill>
@@ -1784,12 +1808,12 @@
             </a:ln>
           </p:spPr>
           <p:txBody>
-            <a:bodyPr anchorCtr="0" anchor="ctr" bIns="91425" lIns="91425" spcFirstLastPara="1" rIns="91425" wrap="square" tIns="91425">
+            <a:bodyPr spcFirstLastPara="1" wrap="square" lIns="91425" tIns="91425" rIns="91425" bIns="91425" anchor="ctr" anchorCtr="0">
               <a:noAutofit/>
             </a:bodyPr>
             <a:lstStyle/>
             <a:p>
-              <a:pPr indent="0" lvl="0" marL="0" rtl="0" algn="l">
+              <a:pPr marL="0" lvl="0" indent="0" algn="l" rtl="0">
                 <a:spcBef>
                   <a:spcPts val="0"/>
                 </a:spcBef>
@@ -1798,9 +1822,6 @@
                 </a:spcAft>
                 <a:buNone/>
               </a:pPr>
-              <a:r>
-                <a:t/>
-              </a:r>
               <a:endParaRPr/>
             </a:p>
           </p:txBody>
@@ -1818,7 +1839,7 @@
             </a:xfrm>
             <a:prstGeom prst="diagStripe">
               <a:avLst>
-                <a:gd fmla="val 50000" name="adj"/>
+                <a:gd name="adj" fmla="val 50000"/>
               </a:avLst>
             </a:prstGeom>
             <a:solidFill>
@@ -1831,12 +1852,12 @@
             </a:ln>
           </p:spPr>
           <p:txBody>
-            <a:bodyPr anchorCtr="0" anchor="ctr" bIns="91425" lIns="91425" spcFirstLastPara="1" rIns="91425" wrap="square" tIns="91425">
+            <a:bodyPr spcFirstLastPara="1" wrap="square" lIns="91425" tIns="91425" rIns="91425" bIns="91425" anchor="ctr" anchorCtr="0">
               <a:noAutofit/>
             </a:bodyPr>
             <a:lstStyle/>
             <a:p>
-              <a:pPr indent="0" lvl="0" marL="0" rtl="0" algn="l">
+              <a:pPr marL="0" lvl="0" indent="0" algn="l" rtl="0">
                 <a:spcBef>
                   <a:spcPts val="0"/>
                 </a:spcBef>
@@ -1845,9 +1866,6 @@
                 </a:spcAft>
                 <a:buNone/>
               </a:pPr>
-              <a:r>
-                <a:t/>
-              </a:r>
               <a:endParaRPr/>
             </a:p>
           </p:txBody>
@@ -1865,7 +1883,7 @@
             </a:xfrm>
             <a:prstGeom prst="diagStripe">
               <a:avLst>
-                <a:gd fmla="val 50000" name="adj"/>
+                <a:gd name="adj" fmla="val 50000"/>
               </a:avLst>
             </a:prstGeom>
             <a:solidFill>
@@ -1878,12 +1896,12 @@
             </a:ln>
           </p:spPr>
           <p:txBody>
-            <a:bodyPr anchorCtr="0" anchor="ctr" bIns="91425" lIns="91425" spcFirstLastPara="1" rIns="91425" wrap="square" tIns="91425">
+            <a:bodyPr spcFirstLastPara="1" wrap="square" lIns="91425" tIns="91425" rIns="91425" bIns="91425" anchor="ctr" anchorCtr="0">
               <a:noAutofit/>
             </a:bodyPr>
             <a:lstStyle/>
             <a:p>
-              <a:pPr indent="0" lvl="0" marL="0" rtl="0" algn="l">
+              <a:pPr marL="0" lvl="0" indent="0" algn="l" rtl="0">
                 <a:spcBef>
                   <a:spcPts val="0"/>
                 </a:spcBef>
@@ -1892,9 +1910,6 @@
                 </a:spcAft>
                 <a:buNone/>
               </a:pPr>
-              <a:r>
-                <a:t/>
-              </a:r>
               <a:endParaRPr/>
             </a:p>
           </p:txBody>
@@ -1912,7 +1927,7 @@
             </a:xfrm>
             <a:prstGeom prst="diagStripe">
               <a:avLst>
-                <a:gd fmla="val 50000" name="adj"/>
+                <a:gd name="adj" fmla="val 50000"/>
               </a:avLst>
             </a:prstGeom>
             <a:solidFill>
@@ -1925,12 +1940,12 @@
             </a:ln>
           </p:spPr>
           <p:txBody>
-            <a:bodyPr anchorCtr="0" anchor="ctr" bIns="91425" lIns="91425" spcFirstLastPara="1" rIns="91425" wrap="square" tIns="91425">
+            <a:bodyPr spcFirstLastPara="1" wrap="square" lIns="91425" tIns="91425" rIns="91425" bIns="91425" anchor="ctr" anchorCtr="0">
               <a:noAutofit/>
             </a:bodyPr>
             <a:lstStyle/>
             <a:p>
-              <a:pPr indent="0" lvl="0" marL="0" rtl="0" algn="l">
+              <a:pPr marL="0" lvl="0" indent="0" algn="l" rtl="0">
                 <a:spcBef>
                   <a:spcPts val="0"/>
                 </a:spcBef>
@@ -1939,9 +1954,6 @@
                 </a:spcAft>
                 <a:buNone/>
               </a:pPr>
-              <a:r>
-                <a:t/>
-              </a:r>
               <a:endParaRPr/>
             </a:p>
           </p:txBody>
@@ -1959,7 +1971,7 @@
             </a:xfrm>
             <a:prstGeom prst="diagStripe">
               <a:avLst>
-                <a:gd fmla="val 50000" name="adj"/>
+                <a:gd name="adj" fmla="val 50000"/>
               </a:avLst>
             </a:prstGeom>
             <a:solidFill>
@@ -1972,12 +1984,12 @@
             </a:ln>
           </p:spPr>
           <p:txBody>
-            <a:bodyPr anchorCtr="0" anchor="ctr" bIns="91425" lIns="91425" spcFirstLastPara="1" rIns="91425" wrap="square" tIns="91425">
+            <a:bodyPr spcFirstLastPara="1" wrap="square" lIns="91425" tIns="91425" rIns="91425" bIns="91425" anchor="ctr" anchorCtr="0">
               <a:noAutofit/>
             </a:bodyPr>
             <a:lstStyle/>
             <a:p>
-              <a:pPr indent="0" lvl="0" marL="0" rtl="0" algn="l">
+              <a:pPr marL="0" lvl="0" indent="0" algn="l" rtl="0">
                 <a:spcBef>
                   <a:spcPts val="0"/>
                 </a:spcBef>
@@ -1986,9 +1998,6 @@
                 </a:spcAft>
                 <a:buNone/>
               </a:pPr>
-              <a:r>
-                <a:t/>
-              </a:r>
               <a:endParaRPr/>
             </a:p>
           </p:txBody>
@@ -2006,7 +2015,7 @@
             </a:xfrm>
             <a:prstGeom prst="diagStripe">
               <a:avLst>
-                <a:gd fmla="val 50000" name="adj"/>
+                <a:gd name="adj" fmla="val 50000"/>
               </a:avLst>
             </a:prstGeom>
             <a:solidFill>
@@ -2017,12 +2026,12 @@
             </a:ln>
           </p:spPr>
           <p:txBody>
-            <a:bodyPr anchorCtr="0" anchor="ctr" bIns="91425" lIns="91425" spcFirstLastPara="1" rIns="91425" wrap="square" tIns="91425">
+            <a:bodyPr spcFirstLastPara="1" wrap="square" lIns="91425" tIns="91425" rIns="91425" bIns="91425" anchor="ctr" anchorCtr="0">
               <a:noAutofit/>
             </a:bodyPr>
             <a:lstStyle/>
             <a:p>
-              <a:pPr indent="0" lvl="0" marL="0" rtl="0" algn="l">
+              <a:pPr marL="0" lvl="0" indent="0" algn="l" rtl="0">
                 <a:spcBef>
                   <a:spcPts val="0"/>
                 </a:spcBef>
@@ -2031,9 +2040,6 @@
                 </a:spcAft>
                 <a:buNone/>
               </a:pPr>
-              <a:r>
-                <a:t/>
-              </a:r>
               <a:endParaRPr/>
             </a:p>
           </p:txBody>
@@ -2051,7 +2057,7 @@
             </a:xfrm>
             <a:prstGeom prst="diagStripe">
               <a:avLst>
-                <a:gd fmla="val 50000" name="adj"/>
+                <a:gd name="adj" fmla="val 50000"/>
               </a:avLst>
             </a:prstGeom>
             <a:solidFill>
@@ -2064,12 +2070,12 @@
             </a:ln>
           </p:spPr>
           <p:txBody>
-            <a:bodyPr anchorCtr="0" anchor="ctr" bIns="91425" lIns="91425" spcFirstLastPara="1" rIns="91425" wrap="square" tIns="91425">
+            <a:bodyPr spcFirstLastPara="1" wrap="square" lIns="91425" tIns="91425" rIns="91425" bIns="91425" anchor="ctr" anchorCtr="0">
               <a:noAutofit/>
             </a:bodyPr>
             <a:lstStyle/>
             <a:p>
-              <a:pPr indent="0" lvl="0" marL="0" rtl="0" algn="l">
+              <a:pPr marL="0" lvl="0" indent="0" algn="l" rtl="0">
                 <a:spcBef>
                   <a:spcPts val="0"/>
                 </a:spcBef>
@@ -2078,9 +2084,6 @@
                 </a:spcAft>
                 <a:buNone/>
               </a:pPr>
-              <a:r>
-                <a:t/>
-              </a:r>
               <a:endParaRPr/>
             </a:p>
           </p:txBody>
@@ -2098,7 +2101,7 @@
             </a:xfrm>
             <a:prstGeom prst="diagStripe">
               <a:avLst>
-                <a:gd fmla="val 50000" name="adj"/>
+                <a:gd name="adj" fmla="val 50000"/>
               </a:avLst>
             </a:prstGeom>
             <a:solidFill>
@@ -2111,12 +2114,12 @@
             </a:ln>
           </p:spPr>
           <p:txBody>
-            <a:bodyPr anchorCtr="0" anchor="ctr" bIns="91425" lIns="91425" spcFirstLastPara="1" rIns="91425" wrap="square" tIns="91425">
+            <a:bodyPr spcFirstLastPara="1" wrap="square" lIns="91425" tIns="91425" rIns="91425" bIns="91425" anchor="ctr" anchorCtr="0">
               <a:noAutofit/>
             </a:bodyPr>
             <a:lstStyle/>
             <a:p>
-              <a:pPr indent="0" lvl="0" marL="0" rtl="0" algn="l">
+              <a:pPr marL="0" lvl="0" indent="0" algn="l" rtl="0">
                 <a:spcBef>
                   <a:spcPts val="0"/>
                 </a:spcBef>
@@ -2125,9 +2128,6 @@
                 </a:spcAft>
                 <a:buNone/>
               </a:pPr>
-              <a:r>
-                <a:t/>
-              </a:r>
               <a:endParaRPr/>
             </a:p>
           </p:txBody>
@@ -2145,7 +2145,7 @@
             </a:xfrm>
             <a:prstGeom prst="diagStripe">
               <a:avLst>
-                <a:gd fmla="val 50000" name="adj"/>
+                <a:gd name="adj" fmla="val 50000"/>
               </a:avLst>
             </a:prstGeom>
             <a:solidFill>
@@ -2158,12 +2158,12 @@
             </a:ln>
           </p:spPr>
           <p:txBody>
-            <a:bodyPr anchorCtr="0" anchor="ctr" bIns="91425" lIns="91425" spcFirstLastPara="1" rIns="91425" wrap="square" tIns="91425">
+            <a:bodyPr spcFirstLastPara="1" wrap="square" lIns="91425" tIns="91425" rIns="91425" bIns="91425" anchor="ctr" anchorCtr="0">
               <a:noAutofit/>
             </a:bodyPr>
             <a:lstStyle/>
             <a:p>
-              <a:pPr indent="0" lvl="0" marL="0" rtl="0" algn="l">
+              <a:pPr marL="0" lvl="0" indent="0" algn="l" rtl="0">
                 <a:spcBef>
                   <a:spcPts val="0"/>
                 </a:spcBef>
@@ -2172,9 +2172,6 @@
                 </a:spcAft>
                 <a:buNone/>
               </a:pPr>
-              <a:r>
-                <a:t/>
-              </a:r>
               <a:endParaRPr/>
             </a:p>
           </p:txBody>
@@ -2192,7 +2189,7 @@
             </a:xfrm>
             <a:prstGeom prst="diagStripe">
               <a:avLst>
-                <a:gd fmla="val 50000" name="adj"/>
+                <a:gd name="adj" fmla="val 50000"/>
               </a:avLst>
             </a:prstGeom>
             <a:solidFill>
@@ -2205,12 +2202,12 @@
             </a:ln>
           </p:spPr>
           <p:txBody>
-            <a:bodyPr anchorCtr="0" anchor="ctr" bIns="91425" lIns="91425" spcFirstLastPara="1" rIns="91425" wrap="square" tIns="91425">
+            <a:bodyPr spcFirstLastPara="1" wrap="square" lIns="91425" tIns="91425" rIns="91425" bIns="91425" anchor="ctr" anchorCtr="0">
               <a:noAutofit/>
             </a:bodyPr>
             <a:lstStyle/>
             <a:p>
-              <a:pPr indent="0" lvl="0" marL="0" rtl="0" algn="l">
+              <a:pPr marL="0" lvl="0" indent="0" algn="l" rtl="0">
                 <a:spcBef>
                   <a:spcPts val="0"/>
                 </a:spcBef>
@@ -2219,9 +2216,6 @@
                 </a:spcAft>
                 <a:buNone/>
               </a:pPr>
-              <a:r>
-                <a:t/>
-              </a:r>
               <a:endParaRPr/>
             </a:p>
           </p:txBody>
@@ -2239,7 +2233,7 @@
             </a:xfrm>
             <a:prstGeom prst="diagStripe">
               <a:avLst>
-                <a:gd fmla="val 50000" name="adj"/>
+                <a:gd name="adj" fmla="val 50000"/>
               </a:avLst>
             </a:prstGeom>
             <a:solidFill>
@@ -2252,12 +2246,12 @@
             </a:ln>
           </p:spPr>
           <p:txBody>
-            <a:bodyPr anchorCtr="0" anchor="ctr" bIns="91425" lIns="91425" spcFirstLastPara="1" rIns="91425" wrap="square" tIns="91425">
+            <a:bodyPr spcFirstLastPara="1" wrap="square" lIns="91425" tIns="91425" rIns="91425" bIns="91425" anchor="ctr" anchorCtr="0">
               <a:noAutofit/>
             </a:bodyPr>
             <a:lstStyle/>
             <a:p>
-              <a:pPr indent="0" lvl="0" marL="0" rtl="0" algn="l">
+              <a:pPr marL="0" lvl="0" indent="0" algn="l" rtl="0">
                 <a:spcBef>
                   <a:spcPts val="0"/>
                 </a:spcBef>
@@ -2266,9 +2260,6 @@
                 </a:spcAft>
                 <a:buNone/>
               </a:pPr>
-              <a:r>
-                <a:t/>
-              </a:r>
               <a:endParaRPr/>
             </a:p>
           </p:txBody>
@@ -2286,7 +2277,7 @@
             </a:xfrm>
             <a:prstGeom prst="diagStripe">
               <a:avLst>
-                <a:gd fmla="val 50000" name="adj"/>
+                <a:gd name="adj" fmla="val 50000"/>
               </a:avLst>
             </a:prstGeom>
             <a:solidFill>
@@ -2297,12 +2288,12 @@
             </a:ln>
           </p:spPr>
           <p:txBody>
-            <a:bodyPr anchorCtr="0" anchor="ctr" bIns="91425" lIns="91425" spcFirstLastPara="1" rIns="91425" wrap="square" tIns="91425">
+            <a:bodyPr spcFirstLastPara="1" wrap="square" lIns="91425" tIns="91425" rIns="91425" bIns="91425" anchor="ctr" anchorCtr="0">
               <a:noAutofit/>
             </a:bodyPr>
             <a:lstStyle/>
             <a:p>
-              <a:pPr indent="0" lvl="0" marL="0" rtl="0" algn="l">
+              <a:pPr marL="0" lvl="0" indent="0" algn="l" rtl="0">
                 <a:spcBef>
                   <a:spcPts val="0"/>
                 </a:spcBef>
@@ -2311,9 +2302,6 @@
                 </a:spcAft>
                 <a:buNone/>
               </a:pPr>
-              <a:r>
-                <a:t/>
-              </a:r>
               <a:endParaRPr/>
             </a:p>
           </p:txBody>
@@ -2331,7 +2319,7 @@
             </a:xfrm>
             <a:prstGeom prst="diagStripe">
               <a:avLst>
-                <a:gd fmla="val 50000" name="adj"/>
+                <a:gd name="adj" fmla="val 50000"/>
               </a:avLst>
             </a:prstGeom>
             <a:solidFill>
@@ -2344,12 +2332,12 @@
             </a:ln>
           </p:spPr>
           <p:txBody>
-            <a:bodyPr anchorCtr="0" anchor="ctr" bIns="91425" lIns="91425" spcFirstLastPara="1" rIns="91425" wrap="square" tIns="91425">
+            <a:bodyPr spcFirstLastPara="1" wrap="square" lIns="91425" tIns="91425" rIns="91425" bIns="91425" anchor="ctr" anchorCtr="0">
               <a:noAutofit/>
             </a:bodyPr>
             <a:lstStyle/>
             <a:p>
-              <a:pPr indent="0" lvl="0" marL="0" rtl="0" algn="l">
+              <a:pPr marL="0" lvl="0" indent="0" algn="l" rtl="0">
                 <a:spcBef>
                   <a:spcPts val="0"/>
                 </a:spcBef>
@@ -2358,9 +2346,6 @@
                 </a:spcAft>
                 <a:buNone/>
               </a:pPr>
-              <a:r>
-                <a:t/>
-              </a:r>
               <a:endParaRPr/>
             </a:p>
           </p:txBody>
@@ -2378,7 +2363,7 @@
             </a:xfrm>
             <a:prstGeom prst="diagStripe">
               <a:avLst>
-                <a:gd fmla="val 50000" name="adj"/>
+                <a:gd name="adj" fmla="val 50000"/>
               </a:avLst>
             </a:prstGeom>
             <a:solidFill>
@@ -2391,12 +2376,12 @@
             </a:ln>
           </p:spPr>
           <p:txBody>
-            <a:bodyPr anchorCtr="0" anchor="ctr" bIns="91425" lIns="91425" spcFirstLastPara="1" rIns="91425" wrap="square" tIns="91425">
+            <a:bodyPr spcFirstLastPara="1" wrap="square" lIns="91425" tIns="91425" rIns="91425" bIns="91425" anchor="ctr" anchorCtr="0">
               <a:noAutofit/>
             </a:bodyPr>
             <a:lstStyle/>
             <a:p>
-              <a:pPr indent="0" lvl="0" marL="0" rtl="0" algn="l">
+              <a:pPr marL="0" lvl="0" indent="0" algn="l" rtl="0">
                 <a:spcBef>
                   <a:spcPts val="0"/>
                 </a:spcBef>
@@ -2405,9 +2390,6 @@
                 </a:spcAft>
                 <a:buNone/>
               </a:pPr>
-              <a:r>
-                <a:t/>
-              </a:r>
               <a:endParaRPr/>
             </a:p>
           </p:txBody>
@@ -2425,7 +2407,7 @@
             </a:xfrm>
             <a:prstGeom prst="diagStripe">
               <a:avLst>
-                <a:gd fmla="val 50000" name="adj"/>
+                <a:gd name="adj" fmla="val 50000"/>
               </a:avLst>
             </a:prstGeom>
             <a:solidFill>
@@ -2438,12 +2420,12 @@
             </a:ln>
           </p:spPr>
           <p:txBody>
-            <a:bodyPr anchorCtr="0" anchor="ctr" bIns="91425" lIns="91425" spcFirstLastPara="1" rIns="91425" wrap="square" tIns="91425">
+            <a:bodyPr spcFirstLastPara="1" wrap="square" lIns="91425" tIns="91425" rIns="91425" bIns="91425" anchor="ctr" anchorCtr="0">
               <a:noAutofit/>
             </a:bodyPr>
             <a:lstStyle/>
             <a:p>
-              <a:pPr indent="0" lvl="0" marL="0" rtl="0" algn="l">
+              <a:pPr marL="0" lvl="0" indent="0" algn="l" rtl="0">
                 <a:spcBef>
                   <a:spcPts val="0"/>
                 </a:spcBef>
@@ -2452,9 +2434,6 @@
                 </a:spcAft>
                 <a:buNone/>
               </a:pPr>
-              <a:r>
-                <a:t/>
-              </a:r>
               <a:endParaRPr/>
             </a:p>
           </p:txBody>
@@ -2472,7 +2451,7 @@
             </a:xfrm>
             <a:prstGeom prst="diagStripe">
               <a:avLst>
-                <a:gd fmla="val 50000" name="adj"/>
+                <a:gd name="adj" fmla="val 50000"/>
               </a:avLst>
             </a:prstGeom>
             <a:solidFill>
@@ -2485,12 +2464,12 @@
             </a:ln>
           </p:spPr>
           <p:txBody>
-            <a:bodyPr anchorCtr="0" anchor="ctr" bIns="91425" lIns="91425" spcFirstLastPara="1" rIns="91425" wrap="square" tIns="91425">
+            <a:bodyPr spcFirstLastPara="1" wrap="square" lIns="91425" tIns="91425" rIns="91425" bIns="91425" anchor="ctr" anchorCtr="0">
               <a:noAutofit/>
             </a:bodyPr>
             <a:lstStyle/>
             <a:p>
-              <a:pPr indent="0" lvl="0" marL="0" rtl="0" algn="l">
+              <a:pPr marL="0" lvl="0" indent="0" algn="l" rtl="0">
                 <a:spcBef>
                   <a:spcPts val="0"/>
                 </a:spcBef>
@@ -2499,9 +2478,6 @@
                 </a:spcAft>
                 <a:buNone/>
               </a:pPr>
-              <a:r>
-                <a:t/>
-              </a:r>
               <a:endParaRPr/>
             </a:p>
           </p:txBody>
@@ -2510,9 +2486,11 @@
       <p:sp>
         <p:nvSpPr>
           <p:cNvPr id="125" name="Google Shape;125;p11"/>
-          <p:cNvSpPr txBox="1"/>
+          <p:cNvSpPr txBox="1">
+            <a:spLocks noGrp="1"/>
+          </p:cNvSpPr>
           <p:nvPr>
-            <p:ph hasCustomPrompt="1" type="title"/>
+            <p:ph type="title" hasCustomPrompt="1"/>
           </p:nvPr>
         </p:nvSpPr>
         <p:spPr>
@@ -2525,7 +2503,7 @@
           </a:prstGeom>
         </p:spPr>
         <p:txBody>
-          <a:bodyPr anchorCtr="0" anchor="t" bIns="91425" lIns="91425" spcFirstLastPara="1" rIns="91425" wrap="square" tIns="91425">
+          <a:bodyPr spcFirstLastPara="1" wrap="square" lIns="91425" tIns="91425" rIns="91425" bIns="91425" anchor="t" anchorCtr="0">
             <a:noAutofit/>
           </a:bodyPr>
           <a:lstStyle>
@@ -2639,9 +2617,11 @@
       <p:sp>
         <p:nvSpPr>
           <p:cNvPr id="126" name="Google Shape;126;p11"/>
-          <p:cNvSpPr txBox="1"/>
+          <p:cNvSpPr txBox="1">
+            <a:spLocks noGrp="1"/>
+          </p:cNvSpPr>
           <p:nvPr>
-            <p:ph idx="1" type="body"/>
+            <p:ph type="body" idx="1"/>
           </p:nvPr>
         </p:nvSpPr>
         <p:spPr>
@@ -2654,11 +2634,11 @@
           </a:prstGeom>
         </p:spPr>
         <p:txBody>
-          <a:bodyPr anchorCtr="0" anchor="t" bIns="91425" lIns="91425" spcFirstLastPara="1" rIns="91425" wrap="square" tIns="91425">
+          <a:bodyPr spcFirstLastPara="1" wrap="square" lIns="91425" tIns="91425" rIns="91425" bIns="91425" anchor="t" anchorCtr="0">
             <a:noAutofit/>
           </a:bodyPr>
           <a:lstStyle>
-            <a:lvl1pPr indent="-311150" lvl="0" marL="457200">
+            <a:lvl1pPr marL="457200" lvl="0" indent="-311150">
               <a:spcBef>
                 <a:spcPts val="0"/>
               </a:spcBef>
@@ -2669,7 +2649,7 @@
               <a:buChar char="●"/>
               <a:defRPr/>
             </a:lvl1pPr>
-            <a:lvl2pPr indent="-298450" lvl="1" marL="914400">
+            <a:lvl2pPr marL="914400" lvl="1" indent="-298450">
               <a:spcBef>
                 <a:spcPts val="1600"/>
               </a:spcBef>
@@ -2680,7 +2660,7 @@
               <a:buChar char="○"/>
               <a:defRPr/>
             </a:lvl2pPr>
-            <a:lvl3pPr indent="-298450" lvl="2" marL="1371600">
+            <a:lvl3pPr marL="1371600" lvl="2" indent="-298450">
               <a:spcBef>
                 <a:spcPts val="1600"/>
               </a:spcBef>
@@ -2691,7 +2671,7 @@
               <a:buChar char="■"/>
               <a:defRPr/>
             </a:lvl3pPr>
-            <a:lvl4pPr indent="-298450" lvl="3" marL="1828800">
+            <a:lvl4pPr marL="1828800" lvl="3" indent="-298450">
               <a:spcBef>
                 <a:spcPts val="1600"/>
               </a:spcBef>
@@ -2702,7 +2682,7 @@
               <a:buChar char="●"/>
               <a:defRPr/>
             </a:lvl4pPr>
-            <a:lvl5pPr indent="-298450" lvl="4" marL="2286000">
+            <a:lvl5pPr marL="2286000" lvl="4" indent="-298450">
               <a:spcBef>
                 <a:spcPts val="1600"/>
               </a:spcBef>
@@ -2713,7 +2693,7 @@
               <a:buChar char="○"/>
               <a:defRPr/>
             </a:lvl5pPr>
-            <a:lvl6pPr indent="-298450" lvl="5" marL="2743200">
+            <a:lvl6pPr marL="2743200" lvl="5" indent="-298450">
               <a:spcBef>
                 <a:spcPts val="1600"/>
               </a:spcBef>
@@ -2724,7 +2704,7 @@
               <a:buChar char="■"/>
               <a:defRPr/>
             </a:lvl6pPr>
-            <a:lvl7pPr indent="-298450" lvl="6" marL="3200400">
+            <a:lvl7pPr marL="3200400" lvl="6" indent="-298450">
               <a:spcBef>
                 <a:spcPts val="1600"/>
               </a:spcBef>
@@ -2735,7 +2715,7 @@
               <a:buChar char="●"/>
               <a:defRPr/>
             </a:lvl7pPr>
-            <a:lvl8pPr indent="-298450" lvl="7" marL="3657600">
+            <a:lvl8pPr marL="3657600" lvl="7" indent="-298450">
               <a:spcBef>
                 <a:spcPts val="1600"/>
               </a:spcBef>
@@ -2746,7 +2726,7 @@
               <a:buChar char="○"/>
               <a:defRPr/>
             </a:lvl8pPr>
-            <a:lvl9pPr indent="-298450" lvl="8" marL="4114800">
+            <a:lvl9pPr marL="4114800" lvl="8" indent="-298450">
               <a:spcBef>
                 <a:spcPts val="1600"/>
               </a:spcBef>
@@ -2758,15 +2738,19 @@
               <a:defRPr/>
             </a:lvl9pPr>
           </a:lstStyle>
-          <a:p/>
+          <a:p>
+            <a:endParaRPr/>
+          </a:p>
         </p:txBody>
       </p:sp>
       <p:sp>
         <p:nvSpPr>
           <p:cNvPr id="127" name="Google Shape;127;p11"/>
-          <p:cNvSpPr txBox="1"/>
+          <p:cNvSpPr txBox="1">
+            <a:spLocks noGrp="1"/>
+          </p:cNvSpPr>
           <p:nvPr>
-            <p:ph idx="12" type="sldNum"/>
+            <p:ph type="sldNum" idx="12"/>
           </p:nvPr>
         </p:nvSpPr>
         <p:spPr>
@@ -2779,7 +2763,7 @@
           </a:prstGeom>
         </p:spPr>
         <p:txBody>
-          <a:bodyPr anchorCtr="0" anchor="ctr" bIns="91425" lIns="91425" spcFirstLastPara="1" rIns="91425" wrap="square" tIns="91425">
+          <a:bodyPr spcFirstLastPara="1" wrap="square" lIns="91425" tIns="91425" rIns="91425" bIns="91425" anchor="ctr" anchorCtr="0">
             <a:noAutofit/>
           </a:bodyPr>
           <a:lstStyle>
@@ -2821,7 +2805,7 @@
             </a:lvl9pPr>
           </a:lstStyle>
           <a:p>
-            <a:pPr indent="0" lvl="0" marL="0" rtl="0" algn="r">
+            <a:pPr marL="0" lvl="0" indent="0" algn="r" rtl="0">
               <a:spcBef>
                 <a:spcPts val="0"/>
               </a:spcBef>
@@ -2847,11 +2831,11 @@
 </file>
 
 <file path=ppt/slideLayouts/slideLayout11.xml><?xml version="1.0" encoding="utf-8"?>
-<p:sldLayout xmlns:a="http://schemas.openxmlformats.org/drawingml/2006/main" xmlns:r="http://schemas.openxmlformats.org/officeDocument/2006/relationships" xmlns:mc="http://schemas.openxmlformats.org/markup-compatibility/2006" xmlns:mv="urn:schemas-microsoft-com:mac:vml" xmlns:p="http://schemas.openxmlformats.org/presentationml/2006/main" xmlns:c="http://schemas.openxmlformats.org/drawingml/2006/chart" xmlns:dgm="http://schemas.openxmlformats.org/drawingml/2006/diagram" xmlns:o="urn:schemas-microsoft-com:office:office" xmlns:v="urn:schemas-microsoft-com:vml" xmlns:pvml="urn:schemas-microsoft-com:office:powerpoint" xmlns:com="http://schemas.openxmlformats.org/drawingml/2006/compatibility" xmlns:p14="http://schemas.microsoft.com/office/powerpoint/2010/main" xmlns:p15="http://schemas.microsoft.com/office/powerpoint/2012/main" matchingName="Blank" type="blank">
+<p:sldLayout xmlns:a="http://schemas.openxmlformats.org/drawingml/2006/main" xmlns:r="http://schemas.openxmlformats.org/officeDocument/2006/relationships" xmlns:p="http://schemas.openxmlformats.org/presentationml/2006/main" matchingName="Blank" type="blank">
   <p:cSld name="BLANK">
     <p:spTree>
       <p:nvGrpSpPr>
-        <p:cNvPr id="128" name="Shape 128"/>
+        <p:cNvPr id="1" name="Shape 128"/>
         <p:cNvGrpSpPr/>
         <p:nvPr/>
       </p:nvGrpSpPr>
@@ -2866,9 +2850,11 @@
       <p:sp>
         <p:nvSpPr>
           <p:cNvPr id="129" name="Google Shape;129;p12"/>
-          <p:cNvSpPr txBox="1"/>
+          <p:cNvSpPr txBox="1">
+            <a:spLocks noGrp="1"/>
+          </p:cNvSpPr>
           <p:nvPr>
-            <p:ph idx="12" type="sldNum"/>
+            <p:ph type="sldNum" idx="12"/>
           </p:nvPr>
         </p:nvSpPr>
         <p:spPr>
@@ -2881,7 +2867,7 @@
           </a:prstGeom>
         </p:spPr>
         <p:txBody>
-          <a:bodyPr anchorCtr="0" anchor="ctr" bIns="91425" lIns="91425" spcFirstLastPara="1" rIns="91425" wrap="square" tIns="91425">
+          <a:bodyPr spcFirstLastPara="1" wrap="square" lIns="91425" tIns="91425" rIns="91425" bIns="91425" anchor="ctr" anchorCtr="0">
             <a:noAutofit/>
           </a:bodyPr>
           <a:lstStyle>
@@ -2923,7 +2909,7 @@
             </a:lvl9pPr>
           </a:lstStyle>
           <a:p>
-            <a:pPr indent="0" lvl="0" marL="0" rtl="0" algn="r">
+            <a:pPr marL="0" lvl="0" indent="0" algn="r" rtl="0">
               <a:spcBef>
                 <a:spcPts val="0"/>
               </a:spcBef>
@@ -2949,11 +2935,11 @@
 </file>
 
 <file path=ppt/slideLayouts/slideLayout2.xml><?xml version="1.0" encoding="utf-8"?>
-<p:sldLayout xmlns:a="http://schemas.openxmlformats.org/drawingml/2006/main" xmlns:r="http://schemas.openxmlformats.org/officeDocument/2006/relationships" xmlns:mc="http://schemas.openxmlformats.org/markup-compatibility/2006" xmlns:mv="urn:schemas-microsoft-com:mac:vml" xmlns:p="http://schemas.openxmlformats.org/presentationml/2006/main" xmlns:c="http://schemas.openxmlformats.org/drawingml/2006/chart" xmlns:dgm="http://schemas.openxmlformats.org/drawingml/2006/diagram" xmlns:o="urn:schemas-microsoft-com:office:office" xmlns:v="urn:schemas-microsoft-com:vml" xmlns:pvml="urn:schemas-microsoft-com:office:powerpoint" xmlns:com="http://schemas.openxmlformats.org/drawingml/2006/compatibility" xmlns:p14="http://schemas.microsoft.com/office/powerpoint/2010/main" xmlns:p15="http://schemas.microsoft.com/office/powerpoint/2012/main" matchingName="Section header" type="secHead">
+<p:sldLayout xmlns:a="http://schemas.openxmlformats.org/drawingml/2006/main" xmlns:r="http://schemas.openxmlformats.org/officeDocument/2006/relationships" xmlns:p="http://schemas.openxmlformats.org/presentationml/2006/main" matchingName="Section header" type="secHead">
   <p:cSld name="SECTION_HEADER">
     <p:spTree>
       <p:nvGrpSpPr>
-        <p:cNvPr id="19" name="Shape 19"/>
+        <p:cNvPr id="1" name="Shape 19"/>
         <p:cNvGrpSpPr/>
         <p:nvPr/>
       </p:nvGrpSpPr>
@@ -2992,7 +2978,7 @@
             </a:xfrm>
             <a:prstGeom prst="diagStripe">
               <a:avLst>
-                <a:gd fmla="val 49469" name="adj"/>
+                <a:gd name="adj" fmla="val 49469"/>
               </a:avLst>
             </a:prstGeom>
             <a:solidFill>
@@ -3005,12 +2991,12 @@
             </a:ln>
           </p:spPr>
           <p:txBody>
-            <a:bodyPr anchorCtr="0" anchor="ctr" bIns="91425" lIns="91425" spcFirstLastPara="1" rIns="91425" wrap="square" tIns="91425">
+            <a:bodyPr spcFirstLastPara="1" wrap="square" lIns="91425" tIns="91425" rIns="91425" bIns="91425" anchor="ctr" anchorCtr="0">
               <a:noAutofit/>
             </a:bodyPr>
             <a:lstStyle/>
             <a:p>
-              <a:pPr indent="0" lvl="0" marL="0" rtl="0" algn="l">
+              <a:pPr marL="0" lvl="0" indent="0" algn="l" rtl="0">
                 <a:spcBef>
                   <a:spcPts val="0"/>
                 </a:spcBef>
@@ -3019,9 +3005,6 @@
                 </a:spcAft>
                 <a:buNone/>
               </a:pPr>
-              <a:r>
-                <a:t/>
-              </a:r>
               <a:endParaRPr/>
             </a:p>
           </p:txBody>
@@ -3039,7 +3022,7 @@
             </a:xfrm>
             <a:prstGeom prst="diagStripe">
               <a:avLst>
-                <a:gd fmla="val 0" name="adj"/>
+                <a:gd name="adj" fmla="val 0"/>
               </a:avLst>
             </a:prstGeom>
             <a:solidFill>
@@ -3052,12 +3035,12 @@
             </a:ln>
           </p:spPr>
           <p:txBody>
-            <a:bodyPr anchorCtr="0" anchor="ctr" bIns="91425" lIns="91425" spcFirstLastPara="1" rIns="91425" wrap="square" tIns="91425">
+            <a:bodyPr spcFirstLastPara="1" wrap="square" lIns="91425" tIns="91425" rIns="91425" bIns="91425" anchor="ctr" anchorCtr="0">
               <a:noAutofit/>
             </a:bodyPr>
             <a:lstStyle/>
             <a:p>
-              <a:pPr indent="0" lvl="0" marL="0" rtl="0" algn="l">
+              <a:pPr marL="0" lvl="0" indent="0" algn="l" rtl="0">
                 <a:spcBef>
                   <a:spcPts val="0"/>
                 </a:spcBef>
@@ -3066,9 +3049,6 @@
                 </a:spcAft>
                 <a:buNone/>
               </a:pPr>
-              <a:r>
-                <a:t/>
-              </a:r>
               <a:endParaRPr/>
             </a:p>
           </p:txBody>
@@ -3086,7 +3066,7 @@
             </a:xfrm>
             <a:prstGeom prst="diagStripe">
               <a:avLst>
-                <a:gd fmla="val 50000" name="adj"/>
+                <a:gd name="adj" fmla="val 50000"/>
               </a:avLst>
             </a:prstGeom>
             <a:solidFill>
@@ -3099,12 +3079,12 @@
             </a:ln>
           </p:spPr>
           <p:txBody>
-            <a:bodyPr anchorCtr="0" anchor="ctr" bIns="91425" lIns="91425" spcFirstLastPara="1" rIns="91425" wrap="square" tIns="91425">
+            <a:bodyPr spcFirstLastPara="1" wrap="square" lIns="91425" tIns="91425" rIns="91425" bIns="91425" anchor="ctr" anchorCtr="0">
               <a:noAutofit/>
             </a:bodyPr>
             <a:lstStyle/>
             <a:p>
-              <a:pPr indent="0" lvl="0" marL="0" rtl="0" algn="l">
+              <a:pPr marL="0" lvl="0" indent="0" algn="l" rtl="0">
                 <a:spcBef>
                   <a:spcPts val="0"/>
                 </a:spcBef>
@@ -3113,9 +3093,6 @@
                 </a:spcAft>
                 <a:buNone/>
               </a:pPr>
-              <a:r>
-                <a:t/>
-              </a:r>
               <a:endParaRPr/>
             </a:p>
           </p:txBody>
@@ -3133,7 +3110,7 @@
             </a:xfrm>
             <a:prstGeom prst="diagStripe">
               <a:avLst>
-                <a:gd fmla="val 50000" name="adj"/>
+                <a:gd name="adj" fmla="val 50000"/>
               </a:avLst>
             </a:prstGeom>
             <a:solidFill>
@@ -3146,12 +3123,12 @@
             </a:ln>
           </p:spPr>
           <p:txBody>
-            <a:bodyPr anchorCtr="0" anchor="ctr" bIns="91425" lIns="91425" spcFirstLastPara="1" rIns="91425" wrap="square" tIns="91425">
+            <a:bodyPr spcFirstLastPara="1" wrap="square" lIns="91425" tIns="91425" rIns="91425" bIns="91425" anchor="ctr" anchorCtr="0">
               <a:noAutofit/>
             </a:bodyPr>
             <a:lstStyle/>
             <a:p>
-              <a:pPr indent="0" lvl="0" marL="0" rtl="0" algn="l">
+              <a:pPr marL="0" lvl="0" indent="0" algn="l" rtl="0">
                 <a:spcBef>
                   <a:spcPts val="0"/>
                 </a:spcBef>
@@ -3160,9 +3137,6 @@
                 </a:spcAft>
                 <a:buNone/>
               </a:pPr>
-              <a:r>
-                <a:t/>
-              </a:r>
               <a:endParaRPr/>
             </a:p>
           </p:txBody>
@@ -3180,7 +3154,7 @@
             </a:xfrm>
             <a:prstGeom prst="diagStripe">
               <a:avLst>
-                <a:gd fmla="val 50000" name="adj"/>
+                <a:gd name="adj" fmla="val 50000"/>
               </a:avLst>
             </a:prstGeom>
             <a:solidFill>
@@ -3193,12 +3167,12 @@
             </a:ln>
           </p:spPr>
           <p:txBody>
-            <a:bodyPr anchorCtr="0" anchor="ctr" bIns="91425" lIns="91425" spcFirstLastPara="1" rIns="91425" wrap="square" tIns="91425">
+            <a:bodyPr spcFirstLastPara="1" wrap="square" lIns="91425" tIns="91425" rIns="91425" bIns="91425" anchor="ctr" anchorCtr="0">
               <a:noAutofit/>
             </a:bodyPr>
             <a:lstStyle/>
             <a:p>
-              <a:pPr indent="0" lvl="0" marL="0" rtl="0" algn="l">
+              <a:pPr marL="0" lvl="0" indent="0" algn="l" rtl="0">
                 <a:spcBef>
                   <a:spcPts val="0"/>
                 </a:spcBef>
@@ -3207,9 +3181,6 @@
                 </a:spcAft>
                 <a:buNone/>
               </a:pPr>
-              <a:r>
-                <a:t/>
-              </a:r>
               <a:endParaRPr/>
             </a:p>
           </p:txBody>
@@ -3227,7 +3198,7 @@
             </a:xfrm>
             <a:prstGeom prst="diagStripe">
               <a:avLst>
-                <a:gd fmla="val 50000" name="adj"/>
+                <a:gd name="adj" fmla="val 50000"/>
               </a:avLst>
             </a:prstGeom>
             <a:solidFill>
@@ -3240,12 +3211,12 @@
             </a:ln>
           </p:spPr>
           <p:txBody>
-            <a:bodyPr anchorCtr="0" anchor="ctr" bIns="91425" lIns="91425" spcFirstLastPara="1" rIns="91425" wrap="square" tIns="91425">
+            <a:bodyPr spcFirstLastPara="1" wrap="square" lIns="91425" tIns="91425" rIns="91425" bIns="91425" anchor="ctr" anchorCtr="0">
               <a:noAutofit/>
             </a:bodyPr>
             <a:lstStyle/>
             <a:p>
-              <a:pPr indent="0" lvl="0" marL="0" rtl="0" algn="l">
+              <a:pPr marL="0" lvl="0" indent="0" algn="l" rtl="0">
                 <a:spcBef>
                   <a:spcPts val="0"/>
                 </a:spcBef>
@@ -3254,9 +3225,6 @@
                 </a:spcAft>
                 <a:buNone/>
               </a:pPr>
-              <a:r>
-                <a:t/>
-              </a:r>
               <a:endParaRPr/>
             </a:p>
           </p:txBody>
@@ -3274,7 +3242,7 @@
             </a:xfrm>
             <a:prstGeom prst="diagStripe">
               <a:avLst>
-                <a:gd fmla="val 50000" name="adj"/>
+                <a:gd name="adj" fmla="val 50000"/>
               </a:avLst>
             </a:prstGeom>
             <a:solidFill>
@@ -3287,12 +3255,12 @@
             </a:ln>
           </p:spPr>
           <p:txBody>
-            <a:bodyPr anchorCtr="0" anchor="ctr" bIns="91425" lIns="91425" spcFirstLastPara="1" rIns="91425" wrap="square" tIns="91425">
+            <a:bodyPr spcFirstLastPara="1" wrap="square" lIns="91425" tIns="91425" rIns="91425" bIns="91425" anchor="ctr" anchorCtr="0">
               <a:noAutofit/>
             </a:bodyPr>
             <a:lstStyle/>
             <a:p>
-              <a:pPr indent="0" lvl="0" marL="0" rtl="0" algn="l">
+              <a:pPr marL="0" lvl="0" indent="0" algn="l" rtl="0">
                 <a:spcBef>
                   <a:spcPts val="0"/>
                 </a:spcBef>
@@ -3301,9 +3269,6 @@
                 </a:spcAft>
                 <a:buNone/>
               </a:pPr>
-              <a:r>
-                <a:t/>
-              </a:r>
               <a:endParaRPr/>
             </a:p>
           </p:txBody>
@@ -3321,7 +3286,7 @@
             </a:xfrm>
             <a:prstGeom prst="diagStripe">
               <a:avLst>
-                <a:gd fmla="val 50000" name="adj"/>
+                <a:gd name="adj" fmla="val 50000"/>
               </a:avLst>
             </a:prstGeom>
             <a:solidFill>
@@ -3332,12 +3297,12 @@
             </a:ln>
           </p:spPr>
           <p:txBody>
-            <a:bodyPr anchorCtr="0" anchor="ctr" bIns="91425" lIns="91425" spcFirstLastPara="1" rIns="91425" wrap="square" tIns="91425">
+            <a:bodyPr spcFirstLastPara="1" wrap="square" lIns="91425" tIns="91425" rIns="91425" bIns="91425" anchor="ctr" anchorCtr="0">
               <a:noAutofit/>
             </a:bodyPr>
             <a:lstStyle/>
             <a:p>
-              <a:pPr indent="0" lvl="0" marL="0" rtl="0" algn="l">
+              <a:pPr marL="0" lvl="0" indent="0" algn="l" rtl="0">
                 <a:spcBef>
                   <a:spcPts val="0"/>
                 </a:spcBef>
@@ -3346,9 +3311,6 @@
                 </a:spcAft>
                 <a:buNone/>
               </a:pPr>
-              <a:r>
-                <a:t/>
-              </a:r>
               <a:endParaRPr/>
             </a:p>
           </p:txBody>
@@ -3366,7 +3328,7 @@
             </a:xfrm>
             <a:prstGeom prst="diagStripe">
               <a:avLst>
-                <a:gd fmla="val 50000" name="adj"/>
+                <a:gd name="adj" fmla="val 50000"/>
               </a:avLst>
             </a:prstGeom>
             <a:solidFill>
@@ -3379,12 +3341,12 @@
             </a:ln>
           </p:spPr>
           <p:txBody>
-            <a:bodyPr anchorCtr="0" anchor="ctr" bIns="91425" lIns="91425" spcFirstLastPara="1" rIns="91425" wrap="square" tIns="91425">
+            <a:bodyPr spcFirstLastPara="1" wrap="square" lIns="91425" tIns="91425" rIns="91425" bIns="91425" anchor="ctr" anchorCtr="0">
               <a:noAutofit/>
             </a:bodyPr>
             <a:lstStyle/>
             <a:p>
-              <a:pPr indent="0" lvl="0" marL="0" rtl="0" algn="l">
+              <a:pPr marL="0" lvl="0" indent="0" algn="l" rtl="0">
                 <a:spcBef>
                   <a:spcPts val="0"/>
                 </a:spcBef>
@@ -3393,9 +3355,6 @@
                 </a:spcAft>
                 <a:buNone/>
               </a:pPr>
-              <a:r>
-                <a:t/>
-              </a:r>
               <a:endParaRPr/>
             </a:p>
           </p:txBody>
@@ -3413,7 +3372,7 @@
             </a:xfrm>
             <a:prstGeom prst="diagStripe">
               <a:avLst>
-                <a:gd fmla="val 50000" name="adj"/>
+                <a:gd name="adj" fmla="val 50000"/>
               </a:avLst>
             </a:prstGeom>
             <a:solidFill>
@@ -3426,12 +3385,12 @@
             </a:ln>
           </p:spPr>
           <p:txBody>
-            <a:bodyPr anchorCtr="0" anchor="ctr" bIns="91425" lIns="91425" spcFirstLastPara="1" rIns="91425" wrap="square" tIns="91425">
+            <a:bodyPr spcFirstLastPara="1" wrap="square" lIns="91425" tIns="91425" rIns="91425" bIns="91425" anchor="ctr" anchorCtr="0">
               <a:noAutofit/>
             </a:bodyPr>
             <a:lstStyle/>
             <a:p>
-              <a:pPr indent="0" lvl="0" marL="0" rtl="0" algn="l">
+              <a:pPr marL="0" lvl="0" indent="0" algn="l" rtl="0">
                 <a:spcBef>
                   <a:spcPts val="0"/>
                 </a:spcBef>
@@ -3440,9 +3399,6 @@
                 </a:spcAft>
                 <a:buNone/>
               </a:pPr>
-              <a:r>
-                <a:t/>
-              </a:r>
               <a:endParaRPr/>
             </a:p>
           </p:txBody>
@@ -3460,7 +3416,7 @@
             </a:xfrm>
             <a:prstGeom prst="diagStripe">
               <a:avLst>
-                <a:gd fmla="val 50000" name="adj"/>
+                <a:gd name="adj" fmla="val 50000"/>
               </a:avLst>
             </a:prstGeom>
             <a:solidFill>
@@ -3473,12 +3429,12 @@
             </a:ln>
           </p:spPr>
           <p:txBody>
-            <a:bodyPr anchorCtr="0" anchor="ctr" bIns="91425" lIns="91425" spcFirstLastPara="1" rIns="91425" wrap="square" tIns="91425">
+            <a:bodyPr spcFirstLastPara="1" wrap="square" lIns="91425" tIns="91425" rIns="91425" bIns="91425" anchor="ctr" anchorCtr="0">
               <a:noAutofit/>
             </a:bodyPr>
             <a:lstStyle/>
             <a:p>
-              <a:pPr indent="0" lvl="0" marL="0" rtl="0" algn="l">
+              <a:pPr marL="0" lvl="0" indent="0" algn="l" rtl="0">
                 <a:spcBef>
                   <a:spcPts val="0"/>
                 </a:spcBef>
@@ -3487,9 +3443,6 @@
                 </a:spcAft>
                 <a:buNone/>
               </a:pPr>
-              <a:r>
-                <a:t/>
-              </a:r>
               <a:endParaRPr/>
             </a:p>
           </p:txBody>
@@ -3507,7 +3460,7 @@
             </a:xfrm>
             <a:prstGeom prst="diagStripe">
               <a:avLst>
-                <a:gd fmla="val 50000" name="adj"/>
+                <a:gd name="adj" fmla="val 50000"/>
               </a:avLst>
             </a:prstGeom>
             <a:solidFill>
@@ -3520,12 +3473,12 @@
             </a:ln>
           </p:spPr>
           <p:txBody>
-            <a:bodyPr anchorCtr="0" anchor="ctr" bIns="91425" lIns="91425" spcFirstLastPara="1" rIns="91425" wrap="square" tIns="91425">
+            <a:bodyPr spcFirstLastPara="1" wrap="square" lIns="91425" tIns="91425" rIns="91425" bIns="91425" anchor="ctr" anchorCtr="0">
               <a:noAutofit/>
             </a:bodyPr>
             <a:lstStyle/>
             <a:p>
-              <a:pPr indent="0" lvl="0" marL="0" rtl="0" algn="l">
+              <a:pPr marL="0" lvl="0" indent="0" algn="l" rtl="0">
                 <a:spcBef>
                   <a:spcPts val="0"/>
                 </a:spcBef>
@@ -3534,9 +3487,6 @@
                 </a:spcAft>
                 <a:buNone/>
               </a:pPr>
-              <a:r>
-                <a:t/>
-              </a:r>
               <a:endParaRPr/>
             </a:p>
           </p:txBody>
@@ -3554,7 +3504,7 @@
             </a:xfrm>
             <a:prstGeom prst="diagStripe">
               <a:avLst>
-                <a:gd fmla="val 50000" name="adj"/>
+                <a:gd name="adj" fmla="val 50000"/>
               </a:avLst>
             </a:prstGeom>
             <a:solidFill>
@@ -3567,12 +3517,12 @@
             </a:ln>
           </p:spPr>
           <p:txBody>
-            <a:bodyPr anchorCtr="0" anchor="ctr" bIns="91425" lIns="91425" spcFirstLastPara="1" rIns="91425" wrap="square" tIns="91425">
+            <a:bodyPr spcFirstLastPara="1" wrap="square" lIns="91425" tIns="91425" rIns="91425" bIns="91425" anchor="ctr" anchorCtr="0">
               <a:noAutofit/>
             </a:bodyPr>
             <a:lstStyle/>
             <a:p>
-              <a:pPr indent="0" lvl="0" marL="0" rtl="0" algn="l">
+              <a:pPr marL="0" lvl="0" indent="0" algn="l" rtl="0">
                 <a:spcBef>
                   <a:spcPts val="0"/>
                 </a:spcBef>
@@ -3581,9 +3531,6 @@
                 </a:spcAft>
                 <a:buNone/>
               </a:pPr>
-              <a:r>
-                <a:t/>
-              </a:r>
               <a:endParaRPr/>
             </a:p>
           </p:txBody>
@@ -3601,7 +3548,7 @@
             </a:xfrm>
             <a:prstGeom prst="diagStripe">
               <a:avLst>
-                <a:gd fmla="val 50000" name="adj"/>
+                <a:gd name="adj" fmla="val 50000"/>
               </a:avLst>
             </a:prstGeom>
             <a:solidFill>
@@ -3612,12 +3559,12 @@
             </a:ln>
           </p:spPr>
           <p:txBody>
-            <a:bodyPr anchorCtr="0" anchor="ctr" bIns="91425" lIns="91425" spcFirstLastPara="1" rIns="91425" wrap="square" tIns="91425">
+            <a:bodyPr spcFirstLastPara="1" wrap="square" lIns="91425" tIns="91425" rIns="91425" bIns="91425" anchor="ctr" anchorCtr="0">
               <a:noAutofit/>
             </a:bodyPr>
             <a:lstStyle/>
             <a:p>
-              <a:pPr indent="0" lvl="0" marL="0" rtl="0" algn="l">
+              <a:pPr marL="0" lvl="0" indent="0" algn="l" rtl="0">
                 <a:spcBef>
                   <a:spcPts val="0"/>
                 </a:spcBef>
@@ -3626,9 +3573,6 @@
                 </a:spcAft>
                 <a:buNone/>
               </a:pPr>
-              <a:r>
-                <a:t/>
-              </a:r>
               <a:endParaRPr/>
             </a:p>
           </p:txBody>
@@ -3646,7 +3590,7 @@
             </a:xfrm>
             <a:prstGeom prst="diagStripe">
               <a:avLst>
-                <a:gd fmla="val 50000" name="adj"/>
+                <a:gd name="adj" fmla="val 50000"/>
               </a:avLst>
             </a:prstGeom>
             <a:solidFill>
@@ -3659,12 +3603,12 @@
             </a:ln>
           </p:spPr>
           <p:txBody>
-            <a:bodyPr anchorCtr="0" anchor="ctr" bIns="91425" lIns="91425" spcFirstLastPara="1" rIns="91425" wrap="square" tIns="91425">
+            <a:bodyPr spcFirstLastPara="1" wrap="square" lIns="91425" tIns="91425" rIns="91425" bIns="91425" anchor="ctr" anchorCtr="0">
               <a:noAutofit/>
             </a:bodyPr>
             <a:lstStyle/>
             <a:p>
-              <a:pPr indent="0" lvl="0" marL="0" rtl="0" algn="l">
+              <a:pPr marL="0" lvl="0" indent="0" algn="l" rtl="0">
                 <a:spcBef>
                   <a:spcPts val="0"/>
                 </a:spcBef>
@@ -3673,9 +3617,6 @@
                 </a:spcAft>
                 <a:buNone/>
               </a:pPr>
-              <a:r>
-                <a:t/>
-              </a:r>
               <a:endParaRPr/>
             </a:p>
           </p:txBody>
@@ -3693,7 +3634,7 @@
             </a:xfrm>
             <a:prstGeom prst="diagStripe">
               <a:avLst>
-                <a:gd fmla="val 50000" name="adj"/>
+                <a:gd name="adj" fmla="val 50000"/>
               </a:avLst>
             </a:prstGeom>
             <a:solidFill>
@@ -3706,12 +3647,12 @@
             </a:ln>
           </p:spPr>
           <p:txBody>
-            <a:bodyPr anchorCtr="0" anchor="ctr" bIns="91425" lIns="91425" spcFirstLastPara="1" rIns="91425" wrap="square" tIns="91425">
+            <a:bodyPr spcFirstLastPara="1" wrap="square" lIns="91425" tIns="91425" rIns="91425" bIns="91425" anchor="ctr" anchorCtr="0">
               <a:noAutofit/>
             </a:bodyPr>
             <a:lstStyle/>
             <a:p>
-              <a:pPr indent="0" lvl="0" marL="0" rtl="0" algn="l">
+              <a:pPr marL="0" lvl="0" indent="0" algn="l" rtl="0">
                 <a:spcBef>
                   <a:spcPts val="0"/>
                 </a:spcBef>
@@ -3720,9 +3661,6 @@
                 </a:spcAft>
                 <a:buNone/>
               </a:pPr>
-              <a:r>
-                <a:t/>
-              </a:r>
               <a:endParaRPr/>
             </a:p>
           </p:txBody>
@@ -3740,7 +3678,7 @@
             </a:xfrm>
             <a:prstGeom prst="diagStripe">
               <a:avLst>
-                <a:gd fmla="val 50000" name="adj"/>
+                <a:gd name="adj" fmla="val 50000"/>
               </a:avLst>
             </a:prstGeom>
             <a:solidFill>
@@ -3753,12 +3691,12 @@
             </a:ln>
           </p:spPr>
           <p:txBody>
-            <a:bodyPr anchorCtr="0" anchor="ctr" bIns="91425" lIns="91425" spcFirstLastPara="1" rIns="91425" wrap="square" tIns="91425">
+            <a:bodyPr spcFirstLastPara="1" wrap="square" lIns="91425" tIns="91425" rIns="91425" bIns="91425" anchor="ctr" anchorCtr="0">
               <a:noAutofit/>
             </a:bodyPr>
             <a:lstStyle/>
             <a:p>
-              <a:pPr indent="0" lvl="0" marL="0" rtl="0" algn="l">
+              <a:pPr marL="0" lvl="0" indent="0" algn="l" rtl="0">
                 <a:spcBef>
                   <a:spcPts val="0"/>
                 </a:spcBef>
@@ -3767,9 +3705,6 @@
                 </a:spcAft>
                 <a:buNone/>
               </a:pPr>
-              <a:r>
-                <a:t/>
-              </a:r>
               <a:endParaRPr/>
             </a:p>
           </p:txBody>
@@ -3787,7 +3722,7 @@
             </a:xfrm>
             <a:prstGeom prst="diagStripe">
               <a:avLst>
-                <a:gd fmla="val 50000" name="adj"/>
+                <a:gd name="adj" fmla="val 50000"/>
               </a:avLst>
             </a:prstGeom>
             <a:solidFill>
@@ -3800,12 +3735,12 @@
             </a:ln>
           </p:spPr>
           <p:txBody>
-            <a:bodyPr anchorCtr="0" anchor="ctr" bIns="91425" lIns="91425" spcFirstLastPara="1" rIns="91425" wrap="square" tIns="91425">
+            <a:bodyPr spcFirstLastPara="1" wrap="square" lIns="91425" tIns="91425" rIns="91425" bIns="91425" anchor="ctr" anchorCtr="0">
               <a:noAutofit/>
             </a:bodyPr>
             <a:lstStyle/>
             <a:p>
-              <a:pPr indent="0" lvl="0" marL="0" rtl="0" algn="l">
+              <a:pPr marL="0" lvl="0" indent="0" algn="l" rtl="0">
                 <a:spcBef>
                   <a:spcPts val="0"/>
                 </a:spcBef>
@@ -3814,9 +3749,6 @@
                 </a:spcAft>
                 <a:buNone/>
               </a:pPr>
-              <a:r>
-                <a:t/>
-              </a:r>
               <a:endParaRPr/>
             </a:p>
           </p:txBody>
@@ -3825,7 +3757,9 @@
       <p:sp>
         <p:nvSpPr>
           <p:cNvPr id="39" name="Google Shape;39;p3"/>
-          <p:cNvSpPr txBox="1"/>
+          <p:cNvSpPr txBox="1">
+            <a:spLocks noGrp="1"/>
+          </p:cNvSpPr>
           <p:nvPr>
             <p:ph type="title"/>
           </p:nvPr>
@@ -3840,7 +3774,7 @@
           </a:prstGeom>
         </p:spPr>
         <p:txBody>
-          <a:bodyPr anchorCtr="0" anchor="ctr" bIns="91425" lIns="91425" spcFirstLastPara="1" rIns="91425" wrap="square" tIns="91425">
+          <a:bodyPr spcFirstLastPara="1" wrap="square" lIns="91425" tIns="91425" rIns="91425" bIns="91425" anchor="ctr" anchorCtr="0">
             <a:noAutofit/>
           </a:bodyPr>
           <a:lstStyle>
@@ -3944,15 +3878,19 @@
               <a:defRPr/>
             </a:lvl9pPr>
           </a:lstStyle>
-          <a:p/>
+          <a:p>
+            <a:endParaRPr/>
+          </a:p>
         </p:txBody>
       </p:sp>
       <p:sp>
         <p:nvSpPr>
           <p:cNvPr id="40" name="Google Shape;40;p3"/>
-          <p:cNvSpPr txBox="1"/>
+          <p:cNvSpPr txBox="1">
+            <a:spLocks noGrp="1"/>
+          </p:cNvSpPr>
           <p:nvPr>
-            <p:ph idx="12" type="sldNum"/>
+            <p:ph type="sldNum" idx="12"/>
           </p:nvPr>
         </p:nvSpPr>
         <p:spPr>
@@ -3965,7 +3903,7 @@
           </a:prstGeom>
         </p:spPr>
         <p:txBody>
-          <a:bodyPr anchorCtr="0" anchor="ctr" bIns="91425" lIns="91425" spcFirstLastPara="1" rIns="91425" wrap="square" tIns="91425">
+          <a:bodyPr spcFirstLastPara="1" wrap="square" lIns="91425" tIns="91425" rIns="91425" bIns="91425" anchor="ctr" anchorCtr="0">
             <a:noAutofit/>
           </a:bodyPr>
           <a:lstStyle>
@@ -4007,7 +3945,7 @@
             </a:lvl9pPr>
           </a:lstStyle>
           <a:p>
-            <a:pPr indent="0" lvl="0" marL="0" rtl="0" algn="r">
+            <a:pPr marL="0" lvl="0" indent="0" algn="r" rtl="0">
               <a:spcBef>
                 <a:spcPts val="0"/>
               </a:spcBef>
@@ -4033,11 +3971,11 @@
 </file>
 
 <file path=ppt/slideLayouts/slideLayout3.xml><?xml version="1.0" encoding="utf-8"?>
-<p:sldLayout xmlns:a="http://schemas.openxmlformats.org/drawingml/2006/main" xmlns:r="http://schemas.openxmlformats.org/officeDocument/2006/relationships" xmlns:mc="http://schemas.openxmlformats.org/markup-compatibility/2006" xmlns:mv="urn:schemas-microsoft-com:mac:vml" xmlns:p="http://schemas.openxmlformats.org/presentationml/2006/main" xmlns:c="http://schemas.openxmlformats.org/drawingml/2006/chart" xmlns:dgm="http://schemas.openxmlformats.org/drawingml/2006/diagram" xmlns:o="urn:schemas-microsoft-com:office:office" xmlns:v="urn:schemas-microsoft-com:vml" xmlns:pvml="urn:schemas-microsoft-com:office:powerpoint" xmlns:com="http://schemas.openxmlformats.org/drawingml/2006/compatibility" xmlns:p14="http://schemas.microsoft.com/office/powerpoint/2010/main" xmlns:p15="http://schemas.microsoft.com/office/powerpoint/2012/main" matchingName="Title and body" type="tx">
+<p:sldLayout xmlns:a="http://schemas.openxmlformats.org/drawingml/2006/main" xmlns:r="http://schemas.openxmlformats.org/officeDocument/2006/relationships" xmlns:p="http://schemas.openxmlformats.org/presentationml/2006/main" matchingName="Title and body" type="tx">
   <p:cSld name="TITLE_AND_BODY">
     <p:spTree>
       <p:nvGrpSpPr>
-        <p:cNvPr id="41" name="Shape 41"/>
+        <p:cNvPr id="1" name="Shape 41"/>
         <p:cNvGrpSpPr/>
         <p:nvPr/>
       </p:nvGrpSpPr>
@@ -4076,7 +4014,7 @@
             </a:xfrm>
             <a:prstGeom prst="diagStripe">
               <a:avLst>
-                <a:gd fmla="val 50000" name="adj"/>
+                <a:gd name="adj" fmla="val 50000"/>
               </a:avLst>
             </a:prstGeom>
             <a:solidFill>
@@ -4087,12 +4025,12 @@
             </a:ln>
           </p:spPr>
           <p:txBody>
-            <a:bodyPr anchorCtr="0" anchor="ctr" bIns="91425" lIns="91425" spcFirstLastPara="1" rIns="91425" wrap="square" tIns="91425">
+            <a:bodyPr spcFirstLastPara="1" wrap="square" lIns="91425" tIns="91425" rIns="91425" bIns="91425" anchor="ctr" anchorCtr="0">
               <a:noAutofit/>
             </a:bodyPr>
             <a:lstStyle/>
             <a:p>
-              <a:pPr indent="0" lvl="0" marL="0" rtl="0" algn="l">
+              <a:pPr marL="0" lvl="0" indent="0" algn="l" rtl="0">
                 <a:spcBef>
                   <a:spcPts val="0"/>
                 </a:spcBef>
@@ -4101,9 +4039,6 @@
                 </a:spcAft>
                 <a:buNone/>
               </a:pPr>
-              <a:r>
-                <a:t/>
-              </a:r>
               <a:endParaRPr/>
             </a:p>
           </p:txBody>
@@ -4121,7 +4056,7 @@
             </a:xfrm>
             <a:prstGeom prst="diagStripe">
               <a:avLst>
-                <a:gd fmla="val 50000" name="adj"/>
+                <a:gd name="adj" fmla="val 50000"/>
               </a:avLst>
             </a:prstGeom>
             <a:solidFill>
@@ -4132,12 +4067,12 @@
             </a:ln>
           </p:spPr>
           <p:txBody>
-            <a:bodyPr anchorCtr="0" anchor="ctr" bIns="91425" lIns="91425" spcFirstLastPara="1" rIns="91425" wrap="square" tIns="91425">
+            <a:bodyPr spcFirstLastPara="1" wrap="square" lIns="91425" tIns="91425" rIns="91425" bIns="91425" anchor="ctr" anchorCtr="0">
               <a:noAutofit/>
             </a:bodyPr>
             <a:lstStyle/>
             <a:p>
-              <a:pPr indent="0" lvl="0" marL="0" rtl="0" algn="l">
+              <a:pPr marL="0" lvl="0" indent="0" algn="l" rtl="0">
                 <a:spcBef>
                   <a:spcPts val="0"/>
                 </a:spcBef>
@@ -4146,9 +4081,6 @@
                 </a:spcAft>
                 <a:buNone/>
               </a:pPr>
-              <a:r>
-                <a:t/>
-              </a:r>
               <a:endParaRPr/>
             </a:p>
           </p:txBody>
@@ -4157,7 +4089,9 @@
       <p:sp>
         <p:nvSpPr>
           <p:cNvPr id="45" name="Google Shape;45;p4"/>
-          <p:cNvSpPr txBox="1"/>
+          <p:cNvSpPr txBox="1">
+            <a:spLocks noGrp="1"/>
+          </p:cNvSpPr>
           <p:nvPr>
             <p:ph type="title"/>
           </p:nvPr>
@@ -4172,7 +4106,7 @@
           </a:prstGeom>
         </p:spPr>
         <p:txBody>
-          <a:bodyPr anchorCtr="0" anchor="t" bIns="91425" lIns="91425" spcFirstLastPara="1" rIns="91425" wrap="square" tIns="91425">
+          <a:bodyPr spcFirstLastPara="1" wrap="square" lIns="91425" tIns="91425" rIns="91425" bIns="91425" anchor="t" anchorCtr="0">
             <a:noAutofit/>
           </a:bodyPr>
           <a:lstStyle>
@@ -4276,15 +4210,19 @@
               <a:defRPr sz="2400"/>
             </a:lvl9pPr>
           </a:lstStyle>
-          <a:p/>
+          <a:p>
+            <a:endParaRPr/>
+          </a:p>
         </p:txBody>
       </p:sp>
       <p:sp>
         <p:nvSpPr>
           <p:cNvPr id="46" name="Google Shape;46;p4"/>
-          <p:cNvSpPr txBox="1"/>
+          <p:cNvSpPr txBox="1">
+            <a:spLocks noGrp="1"/>
+          </p:cNvSpPr>
           <p:nvPr>
-            <p:ph idx="1" type="body"/>
+            <p:ph type="body" idx="1"/>
           </p:nvPr>
         </p:nvSpPr>
         <p:spPr>
@@ -4297,11 +4235,11 @@
           </a:prstGeom>
         </p:spPr>
         <p:txBody>
-          <a:bodyPr anchorCtr="0" anchor="t" bIns="91425" lIns="91425" spcFirstLastPara="1" rIns="91425" wrap="square" tIns="91425">
+          <a:bodyPr spcFirstLastPara="1" wrap="square" lIns="91425" tIns="91425" rIns="91425" bIns="91425" anchor="t" anchorCtr="0">
             <a:noAutofit/>
           </a:bodyPr>
           <a:lstStyle>
-            <a:lvl1pPr indent="-311150" lvl="0" marL="457200">
+            <a:lvl1pPr marL="457200" lvl="0" indent="-311150">
               <a:spcBef>
                 <a:spcPts val="0"/>
               </a:spcBef>
@@ -4312,7 +4250,7 @@
               <a:buChar char="●"/>
               <a:defRPr/>
             </a:lvl1pPr>
-            <a:lvl2pPr indent="-298450" lvl="1" marL="914400">
+            <a:lvl2pPr marL="914400" lvl="1" indent="-298450">
               <a:spcBef>
                 <a:spcPts val="1600"/>
               </a:spcBef>
@@ -4323,7 +4261,7 @@
               <a:buChar char="○"/>
               <a:defRPr/>
             </a:lvl2pPr>
-            <a:lvl3pPr indent="-298450" lvl="2" marL="1371600">
+            <a:lvl3pPr marL="1371600" lvl="2" indent="-298450">
               <a:spcBef>
                 <a:spcPts val="1600"/>
               </a:spcBef>
@@ -4334,7 +4272,7 @@
               <a:buChar char="■"/>
               <a:defRPr/>
             </a:lvl3pPr>
-            <a:lvl4pPr indent="-298450" lvl="3" marL="1828800">
+            <a:lvl4pPr marL="1828800" lvl="3" indent="-298450">
               <a:spcBef>
                 <a:spcPts val="1600"/>
               </a:spcBef>
@@ -4345,7 +4283,7 @@
               <a:buChar char="●"/>
               <a:defRPr/>
             </a:lvl4pPr>
-            <a:lvl5pPr indent="-298450" lvl="4" marL="2286000">
+            <a:lvl5pPr marL="2286000" lvl="4" indent="-298450">
               <a:spcBef>
                 <a:spcPts val="1600"/>
               </a:spcBef>
@@ -4356,7 +4294,7 @@
               <a:buChar char="○"/>
               <a:defRPr/>
             </a:lvl5pPr>
-            <a:lvl6pPr indent="-298450" lvl="5" marL="2743200">
+            <a:lvl6pPr marL="2743200" lvl="5" indent="-298450">
               <a:spcBef>
                 <a:spcPts val="1600"/>
               </a:spcBef>
@@ -4367,7 +4305,7 @@
               <a:buChar char="■"/>
               <a:defRPr/>
             </a:lvl6pPr>
-            <a:lvl7pPr indent="-298450" lvl="6" marL="3200400">
+            <a:lvl7pPr marL="3200400" lvl="6" indent="-298450">
               <a:spcBef>
                 <a:spcPts val="1600"/>
               </a:spcBef>
@@ -4378,7 +4316,7 @@
               <a:buChar char="●"/>
               <a:defRPr/>
             </a:lvl7pPr>
-            <a:lvl8pPr indent="-298450" lvl="7" marL="3657600">
+            <a:lvl8pPr marL="3657600" lvl="7" indent="-298450">
               <a:spcBef>
                 <a:spcPts val="1600"/>
               </a:spcBef>
@@ -4389,7 +4327,7 @@
               <a:buChar char="○"/>
               <a:defRPr/>
             </a:lvl8pPr>
-            <a:lvl9pPr indent="-298450" lvl="8" marL="4114800">
+            <a:lvl9pPr marL="4114800" lvl="8" indent="-298450">
               <a:spcBef>
                 <a:spcPts val="1600"/>
               </a:spcBef>
@@ -4401,15 +4339,19 @@
               <a:defRPr/>
             </a:lvl9pPr>
           </a:lstStyle>
-          <a:p/>
+          <a:p>
+            <a:endParaRPr/>
+          </a:p>
         </p:txBody>
       </p:sp>
       <p:sp>
         <p:nvSpPr>
           <p:cNvPr id="47" name="Google Shape;47;p4"/>
-          <p:cNvSpPr txBox="1"/>
+          <p:cNvSpPr txBox="1">
+            <a:spLocks noGrp="1"/>
+          </p:cNvSpPr>
           <p:nvPr>
-            <p:ph idx="12" type="sldNum"/>
+            <p:ph type="sldNum" idx="12"/>
           </p:nvPr>
         </p:nvSpPr>
         <p:spPr>
@@ -4422,7 +4364,7 @@
           </a:prstGeom>
         </p:spPr>
         <p:txBody>
-          <a:bodyPr anchorCtr="0" anchor="ctr" bIns="91425" lIns="91425" spcFirstLastPara="1" rIns="91425" wrap="square" tIns="91425">
+          <a:bodyPr spcFirstLastPara="1" wrap="square" lIns="91425" tIns="91425" rIns="91425" bIns="91425" anchor="ctr" anchorCtr="0">
             <a:noAutofit/>
           </a:bodyPr>
           <a:lstStyle>
@@ -4464,7 +4406,7 @@
             </a:lvl9pPr>
           </a:lstStyle>
           <a:p>
-            <a:pPr indent="0" lvl="0" marL="0" rtl="0" algn="r">
+            <a:pPr marL="0" lvl="0" indent="0" algn="r" rtl="0">
               <a:spcBef>
                 <a:spcPts val="0"/>
               </a:spcBef>
@@ -4490,11 +4432,11 @@
 </file>
 
 <file path=ppt/slideLayouts/slideLayout4.xml><?xml version="1.0" encoding="utf-8"?>
-<p:sldLayout xmlns:a="http://schemas.openxmlformats.org/drawingml/2006/main" xmlns:r="http://schemas.openxmlformats.org/officeDocument/2006/relationships" xmlns:mc="http://schemas.openxmlformats.org/markup-compatibility/2006" xmlns:mv="urn:schemas-microsoft-com:mac:vml" xmlns:p="http://schemas.openxmlformats.org/presentationml/2006/main" xmlns:c="http://schemas.openxmlformats.org/drawingml/2006/chart" xmlns:dgm="http://schemas.openxmlformats.org/drawingml/2006/diagram" xmlns:o="urn:schemas-microsoft-com:office:office" xmlns:v="urn:schemas-microsoft-com:vml" xmlns:pvml="urn:schemas-microsoft-com:office:powerpoint" xmlns:com="http://schemas.openxmlformats.org/drawingml/2006/compatibility" xmlns:p14="http://schemas.microsoft.com/office/powerpoint/2010/main" xmlns:p15="http://schemas.microsoft.com/office/powerpoint/2012/main" matchingName="Title and two columns" type="twoColTx">
+<p:sldLayout xmlns:a="http://schemas.openxmlformats.org/drawingml/2006/main" xmlns:r="http://schemas.openxmlformats.org/officeDocument/2006/relationships" xmlns:p="http://schemas.openxmlformats.org/presentationml/2006/main" matchingName="Title and two columns" type="twoColTx">
   <p:cSld name="TITLE_AND_TWO_COLUMNS">
     <p:spTree>
       <p:nvGrpSpPr>
-        <p:cNvPr id="48" name="Shape 48"/>
+        <p:cNvPr id="1" name="Shape 48"/>
         <p:cNvGrpSpPr/>
         <p:nvPr/>
       </p:nvGrpSpPr>
@@ -4533,7 +4475,7 @@
             </a:xfrm>
             <a:prstGeom prst="diagStripe">
               <a:avLst>
-                <a:gd fmla="val 50000" name="adj"/>
+                <a:gd name="adj" fmla="val 50000"/>
               </a:avLst>
             </a:prstGeom>
             <a:solidFill>
@@ -4544,12 +4486,12 @@
             </a:ln>
           </p:spPr>
           <p:txBody>
-            <a:bodyPr anchorCtr="0" anchor="ctr" bIns="91425" lIns="91425" spcFirstLastPara="1" rIns="91425" wrap="square" tIns="91425">
+            <a:bodyPr spcFirstLastPara="1" wrap="square" lIns="91425" tIns="91425" rIns="91425" bIns="91425" anchor="ctr" anchorCtr="0">
               <a:noAutofit/>
             </a:bodyPr>
             <a:lstStyle/>
             <a:p>
-              <a:pPr indent="0" lvl="0" marL="0" rtl="0" algn="l">
+              <a:pPr marL="0" lvl="0" indent="0" algn="l" rtl="0">
                 <a:spcBef>
                   <a:spcPts val="0"/>
                 </a:spcBef>
@@ -4558,9 +4500,6 @@
                 </a:spcAft>
                 <a:buNone/>
               </a:pPr>
-              <a:r>
-                <a:t/>
-              </a:r>
               <a:endParaRPr/>
             </a:p>
           </p:txBody>
@@ -4578,7 +4517,7 @@
             </a:xfrm>
             <a:prstGeom prst="diagStripe">
               <a:avLst>
-                <a:gd fmla="val 50000" name="adj"/>
+                <a:gd name="adj" fmla="val 50000"/>
               </a:avLst>
             </a:prstGeom>
             <a:solidFill>
@@ -4589,12 +4528,12 @@
             </a:ln>
           </p:spPr>
           <p:txBody>
-            <a:bodyPr anchorCtr="0" anchor="ctr" bIns="91425" lIns="91425" spcFirstLastPara="1" rIns="91425" wrap="square" tIns="91425">
+            <a:bodyPr spcFirstLastPara="1" wrap="square" lIns="91425" tIns="91425" rIns="91425" bIns="91425" anchor="ctr" anchorCtr="0">
               <a:noAutofit/>
             </a:bodyPr>
             <a:lstStyle/>
             <a:p>
-              <a:pPr indent="0" lvl="0" marL="0" rtl="0" algn="l">
+              <a:pPr marL="0" lvl="0" indent="0" algn="l" rtl="0">
                 <a:spcBef>
                   <a:spcPts val="0"/>
                 </a:spcBef>
@@ -4603,9 +4542,6 @@
                 </a:spcAft>
                 <a:buNone/>
               </a:pPr>
-              <a:r>
-                <a:t/>
-              </a:r>
               <a:endParaRPr/>
             </a:p>
           </p:txBody>
@@ -4614,7 +4550,9 @@
       <p:sp>
         <p:nvSpPr>
           <p:cNvPr id="52" name="Google Shape;52;p5"/>
-          <p:cNvSpPr txBox="1"/>
+          <p:cNvSpPr txBox="1">
+            <a:spLocks noGrp="1"/>
+          </p:cNvSpPr>
           <p:nvPr>
             <p:ph type="title"/>
           </p:nvPr>
@@ -4629,7 +4567,7 @@
           </a:prstGeom>
         </p:spPr>
         <p:txBody>
-          <a:bodyPr anchorCtr="0" anchor="t" bIns="91425" lIns="91425" spcFirstLastPara="1" rIns="91425" wrap="square" tIns="91425">
+          <a:bodyPr spcFirstLastPara="1" wrap="square" lIns="91425" tIns="91425" rIns="91425" bIns="91425" anchor="t" anchorCtr="0">
             <a:noAutofit/>
           </a:bodyPr>
           <a:lstStyle>
@@ -4733,15 +4671,19 @@
               <a:defRPr sz="2400"/>
             </a:lvl9pPr>
           </a:lstStyle>
-          <a:p/>
+          <a:p>
+            <a:endParaRPr/>
+          </a:p>
         </p:txBody>
       </p:sp>
       <p:sp>
         <p:nvSpPr>
           <p:cNvPr id="53" name="Google Shape;53;p5"/>
-          <p:cNvSpPr txBox="1"/>
+          <p:cNvSpPr txBox="1">
+            <a:spLocks noGrp="1"/>
+          </p:cNvSpPr>
           <p:nvPr>
-            <p:ph idx="1" type="body"/>
+            <p:ph type="body" idx="1"/>
           </p:nvPr>
         </p:nvSpPr>
         <p:spPr>
@@ -4754,11 +4696,11 @@
           </a:prstGeom>
         </p:spPr>
         <p:txBody>
-          <a:bodyPr anchorCtr="0" anchor="t" bIns="91425" lIns="91425" spcFirstLastPara="1" rIns="91425" wrap="square" tIns="91425">
+          <a:bodyPr spcFirstLastPara="1" wrap="square" lIns="91425" tIns="91425" rIns="91425" bIns="91425" anchor="t" anchorCtr="0">
             <a:noAutofit/>
           </a:bodyPr>
           <a:lstStyle>
-            <a:lvl1pPr indent="-311150" lvl="0" marL="457200">
+            <a:lvl1pPr marL="457200" lvl="0" indent="-311150">
               <a:spcBef>
                 <a:spcPts val="0"/>
               </a:spcBef>
@@ -4769,7 +4711,7 @@
               <a:buChar char="●"/>
               <a:defRPr/>
             </a:lvl1pPr>
-            <a:lvl2pPr indent="-298450" lvl="1" marL="914400">
+            <a:lvl2pPr marL="914400" lvl="1" indent="-298450">
               <a:spcBef>
                 <a:spcPts val="1600"/>
               </a:spcBef>
@@ -4780,7 +4722,7 @@
               <a:buChar char="○"/>
               <a:defRPr/>
             </a:lvl2pPr>
-            <a:lvl3pPr indent="-298450" lvl="2" marL="1371600">
+            <a:lvl3pPr marL="1371600" lvl="2" indent="-298450">
               <a:spcBef>
                 <a:spcPts val="1600"/>
               </a:spcBef>
@@ -4791,7 +4733,7 @@
               <a:buChar char="■"/>
               <a:defRPr/>
             </a:lvl3pPr>
-            <a:lvl4pPr indent="-298450" lvl="3" marL="1828800">
+            <a:lvl4pPr marL="1828800" lvl="3" indent="-298450">
               <a:spcBef>
                 <a:spcPts val="1600"/>
               </a:spcBef>
@@ -4802,7 +4744,7 @@
               <a:buChar char="●"/>
               <a:defRPr/>
             </a:lvl4pPr>
-            <a:lvl5pPr indent="-298450" lvl="4" marL="2286000">
+            <a:lvl5pPr marL="2286000" lvl="4" indent="-298450">
               <a:spcBef>
                 <a:spcPts val="1600"/>
               </a:spcBef>
@@ -4813,7 +4755,7 @@
               <a:buChar char="○"/>
               <a:defRPr/>
             </a:lvl5pPr>
-            <a:lvl6pPr indent="-298450" lvl="5" marL="2743200">
+            <a:lvl6pPr marL="2743200" lvl="5" indent="-298450">
               <a:spcBef>
                 <a:spcPts val="1600"/>
               </a:spcBef>
@@ -4824,7 +4766,7 @@
               <a:buChar char="■"/>
               <a:defRPr/>
             </a:lvl6pPr>
-            <a:lvl7pPr indent="-298450" lvl="6" marL="3200400">
+            <a:lvl7pPr marL="3200400" lvl="6" indent="-298450">
               <a:spcBef>
                 <a:spcPts val="1600"/>
               </a:spcBef>
@@ -4835,7 +4777,7 @@
               <a:buChar char="●"/>
               <a:defRPr/>
             </a:lvl7pPr>
-            <a:lvl8pPr indent="-298450" lvl="7" marL="3657600">
+            <a:lvl8pPr marL="3657600" lvl="7" indent="-298450">
               <a:spcBef>
                 <a:spcPts val="1600"/>
               </a:spcBef>
@@ -4846,7 +4788,7 @@
               <a:buChar char="○"/>
               <a:defRPr/>
             </a:lvl8pPr>
-            <a:lvl9pPr indent="-298450" lvl="8" marL="4114800">
+            <a:lvl9pPr marL="4114800" lvl="8" indent="-298450">
               <a:spcBef>
                 <a:spcPts val="1600"/>
               </a:spcBef>
@@ -4858,15 +4800,19 @@
               <a:defRPr/>
             </a:lvl9pPr>
           </a:lstStyle>
-          <a:p/>
+          <a:p>
+            <a:endParaRPr/>
+          </a:p>
         </p:txBody>
       </p:sp>
       <p:sp>
         <p:nvSpPr>
           <p:cNvPr id="54" name="Google Shape;54;p5"/>
-          <p:cNvSpPr txBox="1"/>
+          <p:cNvSpPr txBox="1">
+            <a:spLocks noGrp="1"/>
+          </p:cNvSpPr>
           <p:nvPr>
-            <p:ph idx="2" type="body"/>
+            <p:ph type="body" idx="2"/>
           </p:nvPr>
         </p:nvSpPr>
         <p:spPr>
@@ -4879,11 +4825,11 @@
           </a:prstGeom>
         </p:spPr>
         <p:txBody>
-          <a:bodyPr anchorCtr="0" anchor="t" bIns="91425" lIns="91425" spcFirstLastPara="1" rIns="91425" wrap="square" tIns="91425">
+          <a:bodyPr spcFirstLastPara="1" wrap="square" lIns="91425" tIns="91425" rIns="91425" bIns="91425" anchor="t" anchorCtr="0">
             <a:noAutofit/>
           </a:bodyPr>
           <a:lstStyle>
-            <a:lvl1pPr indent="-311150" lvl="0" marL="457200">
+            <a:lvl1pPr marL="457200" lvl="0" indent="-311150">
               <a:spcBef>
                 <a:spcPts val="0"/>
               </a:spcBef>
@@ -4894,7 +4840,7 @@
               <a:buChar char="●"/>
               <a:defRPr/>
             </a:lvl1pPr>
-            <a:lvl2pPr indent="-298450" lvl="1" marL="914400">
+            <a:lvl2pPr marL="914400" lvl="1" indent="-298450">
               <a:spcBef>
                 <a:spcPts val="1600"/>
               </a:spcBef>
@@ -4905,7 +4851,7 @@
               <a:buChar char="○"/>
               <a:defRPr/>
             </a:lvl2pPr>
-            <a:lvl3pPr indent="-298450" lvl="2" marL="1371600">
+            <a:lvl3pPr marL="1371600" lvl="2" indent="-298450">
               <a:spcBef>
                 <a:spcPts val="1600"/>
               </a:spcBef>
@@ -4916,7 +4862,7 @@
               <a:buChar char="■"/>
               <a:defRPr/>
             </a:lvl3pPr>
-            <a:lvl4pPr indent="-298450" lvl="3" marL="1828800">
+            <a:lvl4pPr marL="1828800" lvl="3" indent="-298450">
               <a:spcBef>
                 <a:spcPts val="1600"/>
               </a:spcBef>
@@ -4927,7 +4873,7 @@
               <a:buChar char="●"/>
               <a:defRPr/>
             </a:lvl4pPr>
-            <a:lvl5pPr indent="-298450" lvl="4" marL="2286000">
+            <a:lvl5pPr marL="2286000" lvl="4" indent="-298450">
               <a:spcBef>
                 <a:spcPts val="1600"/>
               </a:spcBef>
@@ -4938,7 +4884,7 @@
               <a:buChar char="○"/>
               <a:defRPr/>
             </a:lvl5pPr>
-            <a:lvl6pPr indent="-298450" lvl="5" marL="2743200">
+            <a:lvl6pPr marL="2743200" lvl="5" indent="-298450">
               <a:spcBef>
                 <a:spcPts val="1600"/>
               </a:spcBef>
@@ -4949,7 +4895,7 @@
               <a:buChar char="■"/>
               <a:defRPr/>
             </a:lvl6pPr>
-            <a:lvl7pPr indent="-298450" lvl="6" marL="3200400">
+            <a:lvl7pPr marL="3200400" lvl="6" indent="-298450">
               <a:spcBef>
                 <a:spcPts val="1600"/>
               </a:spcBef>
@@ -4960,7 +4906,7 @@
               <a:buChar char="●"/>
               <a:defRPr/>
             </a:lvl7pPr>
-            <a:lvl8pPr indent="-298450" lvl="7" marL="3657600">
+            <a:lvl8pPr marL="3657600" lvl="7" indent="-298450">
               <a:spcBef>
                 <a:spcPts val="1600"/>
               </a:spcBef>
@@ -4971,7 +4917,7 @@
               <a:buChar char="○"/>
               <a:defRPr/>
             </a:lvl8pPr>
-            <a:lvl9pPr indent="-298450" lvl="8" marL="4114800">
+            <a:lvl9pPr marL="4114800" lvl="8" indent="-298450">
               <a:spcBef>
                 <a:spcPts val="1600"/>
               </a:spcBef>
@@ -4983,15 +4929,19 @@
               <a:defRPr/>
             </a:lvl9pPr>
           </a:lstStyle>
-          <a:p/>
+          <a:p>
+            <a:endParaRPr/>
+          </a:p>
         </p:txBody>
       </p:sp>
       <p:sp>
         <p:nvSpPr>
           <p:cNvPr id="55" name="Google Shape;55;p5"/>
-          <p:cNvSpPr txBox="1"/>
+          <p:cNvSpPr txBox="1">
+            <a:spLocks noGrp="1"/>
+          </p:cNvSpPr>
           <p:nvPr>
-            <p:ph idx="12" type="sldNum"/>
+            <p:ph type="sldNum" idx="12"/>
           </p:nvPr>
         </p:nvSpPr>
         <p:spPr>
@@ -5004,7 +4954,7 @@
           </a:prstGeom>
         </p:spPr>
         <p:txBody>
-          <a:bodyPr anchorCtr="0" anchor="ctr" bIns="91425" lIns="91425" spcFirstLastPara="1" rIns="91425" wrap="square" tIns="91425">
+          <a:bodyPr spcFirstLastPara="1" wrap="square" lIns="91425" tIns="91425" rIns="91425" bIns="91425" anchor="ctr" anchorCtr="0">
             <a:noAutofit/>
           </a:bodyPr>
           <a:lstStyle>
@@ -5046,7 +4996,7 @@
             </a:lvl9pPr>
           </a:lstStyle>
           <a:p>
-            <a:pPr indent="0" lvl="0" marL="0" rtl="0" algn="r">
+            <a:pPr marL="0" lvl="0" indent="0" algn="r" rtl="0">
               <a:spcBef>
                 <a:spcPts val="0"/>
               </a:spcBef>
@@ -5072,11 +5022,11 @@
 </file>
 
 <file path=ppt/slideLayouts/slideLayout5.xml><?xml version="1.0" encoding="utf-8"?>
-<p:sldLayout xmlns:a="http://schemas.openxmlformats.org/drawingml/2006/main" xmlns:r="http://schemas.openxmlformats.org/officeDocument/2006/relationships" xmlns:mc="http://schemas.openxmlformats.org/markup-compatibility/2006" xmlns:mv="urn:schemas-microsoft-com:mac:vml" xmlns:p="http://schemas.openxmlformats.org/presentationml/2006/main" xmlns:c="http://schemas.openxmlformats.org/drawingml/2006/chart" xmlns:dgm="http://schemas.openxmlformats.org/drawingml/2006/diagram" xmlns:o="urn:schemas-microsoft-com:office:office" xmlns:v="urn:schemas-microsoft-com:vml" xmlns:pvml="urn:schemas-microsoft-com:office:powerpoint" xmlns:com="http://schemas.openxmlformats.org/drawingml/2006/compatibility" xmlns:p14="http://schemas.microsoft.com/office/powerpoint/2010/main" xmlns:p15="http://schemas.microsoft.com/office/powerpoint/2012/main" matchingName="Title only" type="titleOnly">
+<p:sldLayout xmlns:a="http://schemas.openxmlformats.org/drawingml/2006/main" xmlns:r="http://schemas.openxmlformats.org/officeDocument/2006/relationships" xmlns:p="http://schemas.openxmlformats.org/presentationml/2006/main" matchingName="Title only" type="titleOnly">
   <p:cSld name="TITLE_ONLY">
     <p:spTree>
       <p:nvGrpSpPr>
-        <p:cNvPr id="56" name="Shape 56"/>
+        <p:cNvPr id="1" name="Shape 56"/>
         <p:cNvGrpSpPr/>
         <p:nvPr/>
       </p:nvGrpSpPr>
@@ -5115,7 +5065,7 @@
             </a:xfrm>
             <a:prstGeom prst="diagStripe">
               <a:avLst>
-                <a:gd fmla="val 50000" name="adj"/>
+                <a:gd name="adj" fmla="val 50000"/>
               </a:avLst>
             </a:prstGeom>
             <a:solidFill>
@@ -5126,12 +5076,12 @@
             </a:ln>
           </p:spPr>
           <p:txBody>
-            <a:bodyPr anchorCtr="0" anchor="ctr" bIns="91425" lIns="91425" spcFirstLastPara="1" rIns="91425" wrap="square" tIns="91425">
+            <a:bodyPr spcFirstLastPara="1" wrap="square" lIns="91425" tIns="91425" rIns="91425" bIns="91425" anchor="ctr" anchorCtr="0">
               <a:noAutofit/>
             </a:bodyPr>
             <a:lstStyle/>
             <a:p>
-              <a:pPr indent="0" lvl="0" marL="0" rtl="0" algn="l">
+              <a:pPr marL="0" lvl="0" indent="0" algn="l" rtl="0">
                 <a:spcBef>
                   <a:spcPts val="0"/>
                 </a:spcBef>
@@ -5140,9 +5090,6 @@
                 </a:spcAft>
                 <a:buNone/>
               </a:pPr>
-              <a:r>
-                <a:t/>
-              </a:r>
               <a:endParaRPr/>
             </a:p>
           </p:txBody>
@@ -5160,7 +5107,7 @@
             </a:xfrm>
             <a:prstGeom prst="diagStripe">
               <a:avLst>
-                <a:gd fmla="val 50000" name="adj"/>
+                <a:gd name="adj" fmla="val 50000"/>
               </a:avLst>
             </a:prstGeom>
             <a:solidFill>
@@ -5171,12 +5118,12 @@
             </a:ln>
           </p:spPr>
           <p:txBody>
-            <a:bodyPr anchorCtr="0" anchor="ctr" bIns="91425" lIns="91425" spcFirstLastPara="1" rIns="91425" wrap="square" tIns="91425">
+            <a:bodyPr spcFirstLastPara="1" wrap="square" lIns="91425" tIns="91425" rIns="91425" bIns="91425" anchor="ctr" anchorCtr="0">
               <a:noAutofit/>
             </a:bodyPr>
             <a:lstStyle/>
             <a:p>
-              <a:pPr indent="0" lvl="0" marL="0" rtl="0" algn="l">
+              <a:pPr marL="0" lvl="0" indent="0" algn="l" rtl="0">
                 <a:spcBef>
                   <a:spcPts val="0"/>
                 </a:spcBef>
@@ -5185,9 +5132,6 @@
                 </a:spcAft>
                 <a:buNone/>
               </a:pPr>
-              <a:r>
-                <a:t/>
-              </a:r>
               <a:endParaRPr/>
             </a:p>
           </p:txBody>
@@ -5196,7 +5140,9 @@
       <p:sp>
         <p:nvSpPr>
           <p:cNvPr id="60" name="Google Shape;60;p6"/>
-          <p:cNvSpPr txBox="1"/>
+          <p:cNvSpPr txBox="1">
+            <a:spLocks noGrp="1"/>
+          </p:cNvSpPr>
           <p:nvPr>
             <p:ph type="title"/>
           </p:nvPr>
@@ -5211,7 +5157,7 @@
           </a:prstGeom>
         </p:spPr>
         <p:txBody>
-          <a:bodyPr anchorCtr="0" anchor="t" bIns="91425" lIns="91425" spcFirstLastPara="1" rIns="91425" wrap="square" tIns="91425">
+          <a:bodyPr spcFirstLastPara="1" wrap="square" lIns="91425" tIns="91425" rIns="91425" bIns="91425" anchor="t" anchorCtr="0">
             <a:noAutofit/>
           </a:bodyPr>
           <a:lstStyle>
@@ -5315,15 +5261,19 @@
               <a:defRPr sz="2400"/>
             </a:lvl9pPr>
           </a:lstStyle>
-          <a:p/>
+          <a:p>
+            <a:endParaRPr/>
+          </a:p>
         </p:txBody>
       </p:sp>
       <p:sp>
         <p:nvSpPr>
           <p:cNvPr id="61" name="Google Shape;61;p6"/>
-          <p:cNvSpPr txBox="1"/>
+          <p:cNvSpPr txBox="1">
+            <a:spLocks noGrp="1"/>
+          </p:cNvSpPr>
           <p:nvPr>
-            <p:ph idx="12" type="sldNum"/>
+            <p:ph type="sldNum" idx="12"/>
           </p:nvPr>
         </p:nvSpPr>
         <p:spPr>
@@ -5336,7 +5286,7 @@
           </a:prstGeom>
         </p:spPr>
         <p:txBody>
-          <a:bodyPr anchorCtr="0" anchor="ctr" bIns="91425" lIns="91425" spcFirstLastPara="1" rIns="91425" wrap="square" tIns="91425">
+          <a:bodyPr spcFirstLastPara="1" wrap="square" lIns="91425" tIns="91425" rIns="91425" bIns="91425" anchor="ctr" anchorCtr="0">
             <a:noAutofit/>
           </a:bodyPr>
           <a:lstStyle>
@@ -5378,7 +5328,7 @@
             </a:lvl9pPr>
           </a:lstStyle>
           <a:p>
-            <a:pPr indent="0" lvl="0" marL="0" rtl="0" algn="r">
+            <a:pPr marL="0" lvl="0" indent="0" algn="r" rtl="0">
               <a:spcBef>
                 <a:spcPts val="0"/>
               </a:spcBef>
@@ -5404,11 +5354,11 @@
 </file>
 
 <file path=ppt/slideLayouts/slideLayout6.xml><?xml version="1.0" encoding="utf-8"?>
-<p:sldLayout xmlns:a="http://schemas.openxmlformats.org/drawingml/2006/main" xmlns:r="http://schemas.openxmlformats.org/officeDocument/2006/relationships" xmlns:mc="http://schemas.openxmlformats.org/markup-compatibility/2006" xmlns:mv="urn:schemas-microsoft-com:mac:vml" xmlns:p="http://schemas.openxmlformats.org/presentationml/2006/main" xmlns:c="http://schemas.openxmlformats.org/drawingml/2006/chart" xmlns:dgm="http://schemas.openxmlformats.org/drawingml/2006/diagram" xmlns:o="urn:schemas-microsoft-com:office:office" xmlns:v="urn:schemas-microsoft-com:vml" xmlns:pvml="urn:schemas-microsoft-com:office:powerpoint" xmlns:com="http://schemas.openxmlformats.org/drawingml/2006/compatibility" xmlns:p14="http://schemas.microsoft.com/office/powerpoint/2010/main" xmlns:p15="http://schemas.microsoft.com/office/powerpoint/2012/main" matchingName="One column text">
+<p:sldLayout xmlns:a="http://schemas.openxmlformats.org/drawingml/2006/main" xmlns:r="http://schemas.openxmlformats.org/officeDocument/2006/relationships" xmlns:p="http://schemas.openxmlformats.org/presentationml/2006/main" matchingName="One column text">
   <p:cSld name="ONE_COLUMN_TEXT">
     <p:spTree>
       <p:nvGrpSpPr>
-        <p:cNvPr id="62" name="Shape 62"/>
+        <p:cNvPr id="1" name="Shape 62"/>
         <p:cNvGrpSpPr/>
         <p:nvPr/>
       </p:nvGrpSpPr>
@@ -5447,7 +5397,7 @@
             </a:xfrm>
             <a:prstGeom prst="diagStripe">
               <a:avLst>
-                <a:gd fmla="val 50000" name="adj"/>
+                <a:gd name="adj" fmla="val 50000"/>
               </a:avLst>
             </a:prstGeom>
             <a:solidFill>
@@ -5458,12 +5408,12 @@
             </a:ln>
           </p:spPr>
           <p:txBody>
-            <a:bodyPr anchorCtr="0" anchor="ctr" bIns="91425" lIns="91425" spcFirstLastPara="1" rIns="91425" wrap="square" tIns="91425">
+            <a:bodyPr spcFirstLastPara="1" wrap="square" lIns="91425" tIns="91425" rIns="91425" bIns="91425" anchor="ctr" anchorCtr="0">
               <a:noAutofit/>
             </a:bodyPr>
             <a:lstStyle/>
             <a:p>
-              <a:pPr indent="0" lvl="0" marL="0" rtl="0" algn="l">
+              <a:pPr marL="0" lvl="0" indent="0" algn="l" rtl="0">
                 <a:spcBef>
                   <a:spcPts val="0"/>
                 </a:spcBef>
@@ -5472,9 +5422,6 @@
                 </a:spcAft>
                 <a:buNone/>
               </a:pPr>
-              <a:r>
-                <a:t/>
-              </a:r>
               <a:endParaRPr/>
             </a:p>
           </p:txBody>
@@ -5492,7 +5439,7 @@
             </a:xfrm>
             <a:prstGeom prst="diagStripe">
               <a:avLst>
-                <a:gd fmla="val 50000" name="adj"/>
+                <a:gd name="adj" fmla="val 50000"/>
               </a:avLst>
             </a:prstGeom>
             <a:solidFill>
@@ -5503,12 +5450,12 @@
             </a:ln>
           </p:spPr>
           <p:txBody>
-            <a:bodyPr anchorCtr="0" anchor="ctr" bIns="91425" lIns="91425" spcFirstLastPara="1" rIns="91425" wrap="square" tIns="91425">
+            <a:bodyPr spcFirstLastPara="1" wrap="square" lIns="91425" tIns="91425" rIns="91425" bIns="91425" anchor="ctr" anchorCtr="0">
               <a:noAutofit/>
             </a:bodyPr>
             <a:lstStyle/>
             <a:p>
-              <a:pPr indent="0" lvl="0" marL="0" rtl="0" algn="l">
+              <a:pPr marL="0" lvl="0" indent="0" algn="l" rtl="0">
                 <a:spcBef>
                   <a:spcPts val="0"/>
                 </a:spcBef>
@@ -5517,9 +5464,6 @@
                 </a:spcAft>
                 <a:buNone/>
               </a:pPr>
-              <a:r>
-                <a:t/>
-              </a:r>
               <a:endParaRPr/>
             </a:p>
           </p:txBody>
@@ -5528,7 +5472,9 @@
       <p:sp>
         <p:nvSpPr>
           <p:cNvPr id="66" name="Google Shape;66;p7"/>
-          <p:cNvSpPr txBox="1"/>
+          <p:cNvSpPr txBox="1">
+            <a:spLocks noGrp="1"/>
+          </p:cNvSpPr>
           <p:nvPr>
             <p:ph type="title"/>
           </p:nvPr>
@@ -5543,7 +5489,7 @@
           </a:prstGeom>
         </p:spPr>
         <p:txBody>
-          <a:bodyPr anchorCtr="0" anchor="t" bIns="91425" lIns="91425" spcFirstLastPara="1" rIns="91425" wrap="square" tIns="91425">
+          <a:bodyPr spcFirstLastPara="1" wrap="square" lIns="91425" tIns="91425" rIns="91425" bIns="91425" anchor="t" anchorCtr="0">
             <a:noAutofit/>
           </a:bodyPr>
           <a:lstStyle>
@@ -5647,15 +5593,19 @@
               <a:defRPr sz="2400"/>
             </a:lvl9pPr>
           </a:lstStyle>
-          <a:p/>
+          <a:p>
+            <a:endParaRPr/>
+          </a:p>
         </p:txBody>
       </p:sp>
       <p:sp>
         <p:nvSpPr>
           <p:cNvPr id="67" name="Google Shape;67;p7"/>
-          <p:cNvSpPr txBox="1"/>
+          <p:cNvSpPr txBox="1">
+            <a:spLocks noGrp="1"/>
+          </p:cNvSpPr>
           <p:nvPr>
-            <p:ph idx="1" type="body"/>
+            <p:ph type="body" idx="1"/>
           </p:nvPr>
         </p:nvSpPr>
         <p:spPr>
@@ -5668,11 +5618,11 @@
           </a:prstGeom>
         </p:spPr>
         <p:txBody>
-          <a:bodyPr anchorCtr="0" anchor="t" bIns="91425" lIns="91425" spcFirstLastPara="1" rIns="91425" wrap="square" tIns="91425">
+          <a:bodyPr spcFirstLastPara="1" wrap="square" lIns="91425" tIns="91425" rIns="91425" bIns="91425" anchor="t" anchorCtr="0">
             <a:noAutofit/>
           </a:bodyPr>
           <a:lstStyle>
-            <a:lvl1pPr indent="-311150" lvl="0" marL="457200">
+            <a:lvl1pPr marL="457200" lvl="0" indent="-311150">
               <a:spcBef>
                 <a:spcPts val="0"/>
               </a:spcBef>
@@ -5683,7 +5633,7 @@
               <a:buChar char="●"/>
               <a:defRPr/>
             </a:lvl1pPr>
-            <a:lvl2pPr indent="-298450" lvl="1" marL="914400">
+            <a:lvl2pPr marL="914400" lvl="1" indent="-298450">
               <a:spcBef>
                 <a:spcPts val="1600"/>
               </a:spcBef>
@@ -5694,7 +5644,7 @@
               <a:buChar char="○"/>
               <a:defRPr/>
             </a:lvl2pPr>
-            <a:lvl3pPr indent="-298450" lvl="2" marL="1371600">
+            <a:lvl3pPr marL="1371600" lvl="2" indent="-298450">
               <a:spcBef>
                 <a:spcPts val="1600"/>
               </a:spcBef>
@@ -5705,7 +5655,7 @@
               <a:buChar char="■"/>
               <a:defRPr/>
             </a:lvl3pPr>
-            <a:lvl4pPr indent="-298450" lvl="3" marL="1828800">
+            <a:lvl4pPr marL="1828800" lvl="3" indent="-298450">
               <a:spcBef>
                 <a:spcPts val="1600"/>
               </a:spcBef>
@@ -5716,7 +5666,7 @@
               <a:buChar char="●"/>
               <a:defRPr/>
             </a:lvl4pPr>
-            <a:lvl5pPr indent="-298450" lvl="4" marL="2286000">
+            <a:lvl5pPr marL="2286000" lvl="4" indent="-298450">
               <a:spcBef>
                 <a:spcPts val="1600"/>
               </a:spcBef>
@@ -5727,7 +5677,7 @@
               <a:buChar char="○"/>
               <a:defRPr/>
             </a:lvl5pPr>
-            <a:lvl6pPr indent="-298450" lvl="5" marL="2743200">
+            <a:lvl6pPr marL="2743200" lvl="5" indent="-298450">
               <a:spcBef>
                 <a:spcPts val="1600"/>
               </a:spcBef>
@@ -5738,7 +5688,7 @@
               <a:buChar char="■"/>
               <a:defRPr/>
             </a:lvl6pPr>
-            <a:lvl7pPr indent="-298450" lvl="6" marL="3200400">
+            <a:lvl7pPr marL="3200400" lvl="6" indent="-298450">
               <a:spcBef>
                 <a:spcPts val="1600"/>
               </a:spcBef>
@@ -5749,7 +5699,7 @@
               <a:buChar char="●"/>
               <a:defRPr/>
             </a:lvl7pPr>
-            <a:lvl8pPr indent="-298450" lvl="7" marL="3657600">
+            <a:lvl8pPr marL="3657600" lvl="7" indent="-298450">
               <a:spcBef>
                 <a:spcPts val="1600"/>
               </a:spcBef>
@@ -5760,7 +5710,7 @@
               <a:buChar char="○"/>
               <a:defRPr/>
             </a:lvl8pPr>
-            <a:lvl9pPr indent="-298450" lvl="8" marL="4114800">
+            <a:lvl9pPr marL="4114800" lvl="8" indent="-298450">
               <a:spcBef>
                 <a:spcPts val="1600"/>
               </a:spcBef>
@@ -5772,15 +5722,19 @@
               <a:defRPr/>
             </a:lvl9pPr>
           </a:lstStyle>
-          <a:p/>
+          <a:p>
+            <a:endParaRPr/>
+          </a:p>
         </p:txBody>
       </p:sp>
       <p:sp>
         <p:nvSpPr>
           <p:cNvPr id="68" name="Google Shape;68;p7"/>
-          <p:cNvSpPr txBox="1"/>
+          <p:cNvSpPr txBox="1">
+            <a:spLocks noGrp="1"/>
+          </p:cNvSpPr>
           <p:nvPr>
-            <p:ph idx="12" type="sldNum"/>
+            <p:ph type="sldNum" idx="12"/>
           </p:nvPr>
         </p:nvSpPr>
         <p:spPr>
@@ -5793,7 +5747,7 @@
           </a:prstGeom>
         </p:spPr>
         <p:txBody>
-          <a:bodyPr anchorCtr="0" anchor="ctr" bIns="91425" lIns="91425" spcFirstLastPara="1" rIns="91425" wrap="square" tIns="91425">
+          <a:bodyPr spcFirstLastPara="1" wrap="square" lIns="91425" tIns="91425" rIns="91425" bIns="91425" anchor="ctr" anchorCtr="0">
             <a:noAutofit/>
           </a:bodyPr>
           <a:lstStyle>
@@ -5835,7 +5789,7 @@
             </a:lvl9pPr>
           </a:lstStyle>
           <a:p>
-            <a:pPr indent="0" lvl="0" marL="0" rtl="0" algn="r">
+            <a:pPr marL="0" lvl="0" indent="0" algn="r" rtl="0">
               <a:spcBef>
                 <a:spcPts val="0"/>
               </a:spcBef>
@@ -5861,11 +5815,11 @@
 </file>
 
 <file path=ppt/slideLayouts/slideLayout7.xml><?xml version="1.0" encoding="utf-8"?>
-<p:sldLayout xmlns:a="http://schemas.openxmlformats.org/drawingml/2006/main" xmlns:r="http://schemas.openxmlformats.org/officeDocument/2006/relationships" xmlns:mc="http://schemas.openxmlformats.org/markup-compatibility/2006" xmlns:mv="urn:schemas-microsoft-com:mac:vml" xmlns:p="http://schemas.openxmlformats.org/presentationml/2006/main" xmlns:c="http://schemas.openxmlformats.org/drawingml/2006/chart" xmlns:dgm="http://schemas.openxmlformats.org/drawingml/2006/diagram" xmlns:o="urn:schemas-microsoft-com:office:office" xmlns:v="urn:schemas-microsoft-com:vml" xmlns:pvml="urn:schemas-microsoft-com:office:powerpoint" xmlns:com="http://schemas.openxmlformats.org/drawingml/2006/compatibility" xmlns:p14="http://schemas.microsoft.com/office/powerpoint/2010/main" xmlns:p15="http://schemas.microsoft.com/office/powerpoint/2012/main" matchingName="Main point">
+<p:sldLayout xmlns:a="http://schemas.openxmlformats.org/drawingml/2006/main" xmlns:r="http://schemas.openxmlformats.org/officeDocument/2006/relationships" xmlns:p="http://schemas.openxmlformats.org/presentationml/2006/main" matchingName="Main point">
   <p:cSld name="MAIN_POINT">
     <p:spTree>
       <p:nvGrpSpPr>
-        <p:cNvPr id="69" name="Shape 69"/>
+        <p:cNvPr id="1" name="Shape 69"/>
         <p:cNvGrpSpPr/>
         <p:nvPr/>
       </p:nvGrpSpPr>
@@ -5904,7 +5858,7 @@
             </a:xfrm>
             <a:prstGeom prst="diagStripe">
               <a:avLst>
-                <a:gd fmla="val 49469" name="adj"/>
+                <a:gd name="adj" fmla="val 49469"/>
               </a:avLst>
             </a:prstGeom>
             <a:solidFill>
@@ -5917,12 +5871,12 @@
             </a:ln>
           </p:spPr>
           <p:txBody>
-            <a:bodyPr anchorCtr="0" anchor="ctr" bIns="91425" lIns="91425" spcFirstLastPara="1" rIns="91425" wrap="square" tIns="91425">
+            <a:bodyPr spcFirstLastPara="1" wrap="square" lIns="91425" tIns="91425" rIns="91425" bIns="91425" anchor="ctr" anchorCtr="0">
               <a:noAutofit/>
             </a:bodyPr>
             <a:lstStyle/>
             <a:p>
-              <a:pPr indent="0" lvl="0" marL="0" rtl="0" algn="l">
+              <a:pPr marL="0" lvl="0" indent="0" algn="l" rtl="0">
                 <a:spcBef>
                   <a:spcPts val="0"/>
                 </a:spcBef>
@@ -5931,9 +5885,6 @@
                 </a:spcAft>
                 <a:buNone/>
               </a:pPr>
-              <a:r>
-                <a:t/>
-              </a:r>
               <a:endParaRPr/>
             </a:p>
           </p:txBody>
@@ -5951,7 +5902,7 @@
             </a:xfrm>
             <a:prstGeom prst="diagStripe">
               <a:avLst>
-                <a:gd fmla="val 0" name="adj"/>
+                <a:gd name="adj" fmla="val 0"/>
               </a:avLst>
             </a:prstGeom>
             <a:solidFill>
@@ -5964,12 +5915,12 @@
             </a:ln>
           </p:spPr>
           <p:txBody>
-            <a:bodyPr anchorCtr="0" anchor="ctr" bIns="91425" lIns="91425" spcFirstLastPara="1" rIns="91425" wrap="square" tIns="91425">
+            <a:bodyPr spcFirstLastPara="1" wrap="square" lIns="91425" tIns="91425" rIns="91425" bIns="91425" anchor="ctr" anchorCtr="0">
               <a:noAutofit/>
             </a:bodyPr>
             <a:lstStyle/>
             <a:p>
-              <a:pPr indent="0" lvl="0" marL="0" rtl="0" algn="l">
+              <a:pPr marL="0" lvl="0" indent="0" algn="l" rtl="0">
                 <a:spcBef>
                   <a:spcPts val="0"/>
                 </a:spcBef>
@@ -5978,9 +5929,6 @@
                 </a:spcAft>
                 <a:buNone/>
               </a:pPr>
-              <a:r>
-                <a:t/>
-              </a:r>
               <a:endParaRPr/>
             </a:p>
           </p:txBody>
@@ -5998,7 +5946,7 @@
             </a:xfrm>
             <a:prstGeom prst="diagStripe">
               <a:avLst>
-                <a:gd fmla="val 50000" name="adj"/>
+                <a:gd name="adj" fmla="val 50000"/>
               </a:avLst>
             </a:prstGeom>
             <a:solidFill>
@@ -6011,12 +5959,12 @@
             </a:ln>
           </p:spPr>
           <p:txBody>
-            <a:bodyPr anchorCtr="0" anchor="ctr" bIns="91425" lIns="91425" spcFirstLastPara="1" rIns="91425" wrap="square" tIns="91425">
+            <a:bodyPr spcFirstLastPara="1" wrap="square" lIns="91425" tIns="91425" rIns="91425" bIns="91425" anchor="ctr" anchorCtr="0">
               <a:noAutofit/>
             </a:bodyPr>
             <a:lstStyle/>
             <a:p>
-              <a:pPr indent="0" lvl="0" marL="0" rtl="0" algn="l">
+              <a:pPr marL="0" lvl="0" indent="0" algn="l" rtl="0">
                 <a:spcBef>
                   <a:spcPts val="0"/>
                 </a:spcBef>
@@ -6025,9 +5973,6 @@
                 </a:spcAft>
                 <a:buNone/>
               </a:pPr>
-              <a:r>
-                <a:t/>
-              </a:r>
               <a:endParaRPr/>
             </a:p>
           </p:txBody>
@@ -6045,7 +5990,7 @@
             </a:xfrm>
             <a:prstGeom prst="diagStripe">
               <a:avLst>
-                <a:gd fmla="val 50000" name="adj"/>
+                <a:gd name="adj" fmla="val 50000"/>
               </a:avLst>
             </a:prstGeom>
             <a:solidFill>
@@ -6058,12 +6003,12 @@
             </a:ln>
           </p:spPr>
           <p:txBody>
-            <a:bodyPr anchorCtr="0" anchor="ctr" bIns="91425" lIns="91425" spcFirstLastPara="1" rIns="91425" wrap="square" tIns="91425">
+            <a:bodyPr spcFirstLastPara="1" wrap="square" lIns="91425" tIns="91425" rIns="91425" bIns="91425" anchor="ctr" anchorCtr="0">
               <a:noAutofit/>
             </a:bodyPr>
             <a:lstStyle/>
             <a:p>
-              <a:pPr indent="0" lvl="0" marL="0" rtl="0" algn="l">
+              <a:pPr marL="0" lvl="0" indent="0" algn="l" rtl="0">
                 <a:spcBef>
                   <a:spcPts val="0"/>
                 </a:spcBef>
@@ -6072,9 +6017,6 @@
                 </a:spcAft>
                 <a:buNone/>
               </a:pPr>
-              <a:r>
-                <a:t/>
-              </a:r>
               <a:endParaRPr/>
             </a:p>
           </p:txBody>
@@ -6092,7 +6034,7 @@
             </a:xfrm>
             <a:prstGeom prst="diagStripe">
               <a:avLst>
-                <a:gd fmla="val 50000" name="adj"/>
+                <a:gd name="adj" fmla="val 50000"/>
               </a:avLst>
             </a:prstGeom>
             <a:solidFill>
@@ -6105,12 +6047,12 @@
             </a:ln>
           </p:spPr>
           <p:txBody>
-            <a:bodyPr anchorCtr="0" anchor="ctr" bIns="91425" lIns="91425" spcFirstLastPara="1" rIns="91425" wrap="square" tIns="91425">
+            <a:bodyPr spcFirstLastPara="1" wrap="square" lIns="91425" tIns="91425" rIns="91425" bIns="91425" anchor="ctr" anchorCtr="0">
               <a:noAutofit/>
             </a:bodyPr>
             <a:lstStyle/>
             <a:p>
-              <a:pPr indent="0" lvl="0" marL="0" rtl="0" algn="l">
+              <a:pPr marL="0" lvl="0" indent="0" algn="l" rtl="0">
                 <a:spcBef>
                   <a:spcPts val="0"/>
                 </a:spcBef>
@@ -6119,9 +6061,6 @@
                 </a:spcAft>
                 <a:buNone/>
               </a:pPr>
-              <a:r>
-                <a:t/>
-              </a:r>
               <a:endParaRPr/>
             </a:p>
           </p:txBody>
@@ -6139,7 +6078,7 @@
             </a:xfrm>
             <a:prstGeom prst="diagStripe">
               <a:avLst>
-                <a:gd fmla="val 50000" name="adj"/>
+                <a:gd name="adj" fmla="val 50000"/>
               </a:avLst>
             </a:prstGeom>
             <a:solidFill>
@@ -6152,12 +6091,12 @@
             </a:ln>
           </p:spPr>
           <p:txBody>
-            <a:bodyPr anchorCtr="0" anchor="ctr" bIns="91425" lIns="91425" spcFirstLastPara="1" rIns="91425" wrap="square" tIns="91425">
+            <a:bodyPr spcFirstLastPara="1" wrap="square" lIns="91425" tIns="91425" rIns="91425" bIns="91425" anchor="ctr" anchorCtr="0">
               <a:noAutofit/>
             </a:bodyPr>
             <a:lstStyle/>
             <a:p>
-              <a:pPr indent="0" lvl="0" marL="0" rtl="0" algn="l">
+              <a:pPr marL="0" lvl="0" indent="0" algn="l" rtl="0">
                 <a:spcBef>
                   <a:spcPts val="0"/>
                 </a:spcBef>
@@ -6166,9 +6105,6 @@
                 </a:spcAft>
                 <a:buNone/>
               </a:pPr>
-              <a:r>
-                <a:t/>
-              </a:r>
               <a:endParaRPr/>
             </a:p>
           </p:txBody>
@@ -6186,7 +6122,7 @@
             </a:xfrm>
             <a:prstGeom prst="diagStripe">
               <a:avLst>
-                <a:gd fmla="val 50000" name="adj"/>
+                <a:gd name="adj" fmla="val 50000"/>
               </a:avLst>
             </a:prstGeom>
             <a:solidFill>
@@ -6199,12 +6135,12 @@
             </a:ln>
           </p:spPr>
           <p:txBody>
-            <a:bodyPr anchorCtr="0" anchor="ctr" bIns="91425" lIns="91425" spcFirstLastPara="1" rIns="91425" wrap="square" tIns="91425">
+            <a:bodyPr spcFirstLastPara="1" wrap="square" lIns="91425" tIns="91425" rIns="91425" bIns="91425" anchor="ctr" anchorCtr="0">
               <a:noAutofit/>
             </a:bodyPr>
             <a:lstStyle/>
             <a:p>
-              <a:pPr indent="0" lvl="0" marL="0" rtl="0" algn="l">
+              <a:pPr marL="0" lvl="0" indent="0" algn="l" rtl="0">
                 <a:spcBef>
                   <a:spcPts val="0"/>
                 </a:spcBef>
@@ -6213,9 +6149,6 @@
                 </a:spcAft>
                 <a:buNone/>
               </a:pPr>
-              <a:r>
-                <a:t/>
-              </a:r>
               <a:endParaRPr/>
             </a:p>
           </p:txBody>
@@ -6233,7 +6166,7 @@
             </a:xfrm>
             <a:prstGeom prst="diagStripe">
               <a:avLst>
-                <a:gd fmla="val 50000" name="adj"/>
+                <a:gd name="adj" fmla="val 50000"/>
               </a:avLst>
             </a:prstGeom>
             <a:solidFill>
@@ -6244,12 +6177,12 @@
             </a:ln>
           </p:spPr>
           <p:txBody>
-            <a:bodyPr anchorCtr="0" anchor="ctr" bIns="91425" lIns="91425" spcFirstLastPara="1" rIns="91425" wrap="square" tIns="91425">
+            <a:bodyPr spcFirstLastPara="1" wrap="square" lIns="91425" tIns="91425" rIns="91425" bIns="91425" anchor="ctr" anchorCtr="0">
               <a:noAutofit/>
             </a:bodyPr>
             <a:lstStyle/>
             <a:p>
-              <a:pPr indent="0" lvl="0" marL="0" rtl="0" algn="l">
+              <a:pPr marL="0" lvl="0" indent="0" algn="l" rtl="0">
                 <a:spcBef>
                   <a:spcPts val="0"/>
                 </a:spcBef>
@@ -6258,9 +6191,6 @@
                 </a:spcAft>
                 <a:buNone/>
               </a:pPr>
-              <a:r>
-                <a:t/>
-              </a:r>
               <a:endParaRPr/>
             </a:p>
           </p:txBody>
@@ -6278,7 +6208,7 @@
             </a:xfrm>
             <a:prstGeom prst="diagStripe">
               <a:avLst>
-                <a:gd fmla="val 50000" name="adj"/>
+                <a:gd name="adj" fmla="val 50000"/>
               </a:avLst>
             </a:prstGeom>
             <a:solidFill>
@@ -6291,12 +6221,12 @@
             </a:ln>
           </p:spPr>
           <p:txBody>
-            <a:bodyPr anchorCtr="0" anchor="ctr" bIns="91425" lIns="91425" spcFirstLastPara="1" rIns="91425" wrap="square" tIns="91425">
+            <a:bodyPr spcFirstLastPara="1" wrap="square" lIns="91425" tIns="91425" rIns="91425" bIns="91425" anchor="ctr" anchorCtr="0">
               <a:noAutofit/>
             </a:bodyPr>
             <a:lstStyle/>
             <a:p>
-              <a:pPr indent="0" lvl="0" marL="0" rtl="0" algn="l">
+              <a:pPr marL="0" lvl="0" indent="0" algn="l" rtl="0">
                 <a:spcBef>
                   <a:spcPts val="0"/>
                 </a:spcBef>
@@ -6305,9 +6235,6 @@
                 </a:spcAft>
                 <a:buNone/>
               </a:pPr>
-              <a:r>
-                <a:t/>
-              </a:r>
               <a:endParaRPr/>
             </a:p>
           </p:txBody>
@@ -6325,7 +6252,7 @@
             </a:xfrm>
             <a:prstGeom prst="diagStripe">
               <a:avLst>
-                <a:gd fmla="val 50000" name="adj"/>
+                <a:gd name="adj" fmla="val 50000"/>
               </a:avLst>
             </a:prstGeom>
             <a:solidFill>
@@ -6338,12 +6265,12 @@
             </a:ln>
           </p:spPr>
           <p:txBody>
-            <a:bodyPr anchorCtr="0" anchor="ctr" bIns="91425" lIns="91425" spcFirstLastPara="1" rIns="91425" wrap="square" tIns="91425">
+            <a:bodyPr spcFirstLastPara="1" wrap="square" lIns="91425" tIns="91425" rIns="91425" bIns="91425" anchor="ctr" anchorCtr="0">
               <a:noAutofit/>
             </a:bodyPr>
             <a:lstStyle/>
             <a:p>
-              <a:pPr indent="0" lvl="0" marL="0" rtl="0" algn="l">
+              <a:pPr marL="0" lvl="0" indent="0" algn="l" rtl="0">
                 <a:spcBef>
                   <a:spcPts val="0"/>
                 </a:spcBef>
@@ -6352,9 +6279,6 @@
                 </a:spcAft>
                 <a:buNone/>
               </a:pPr>
-              <a:r>
-                <a:t/>
-              </a:r>
               <a:endParaRPr/>
             </a:p>
           </p:txBody>
@@ -6372,7 +6296,7 @@
             </a:xfrm>
             <a:prstGeom prst="diagStripe">
               <a:avLst>
-                <a:gd fmla="val 50000" name="adj"/>
+                <a:gd name="adj" fmla="val 50000"/>
               </a:avLst>
             </a:prstGeom>
             <a:solidFill>
@@ -6385,12 +6309,12 @@
             </a:ln>
           </p:spPr>
           <p:txBody>
-            <a:bodyPr anchorCtr="0" anchor="ctr" bIns="91425" lIns="91425" spcFirstLastPara="1" rIns="91425" wrap="square" tIns="91425">
+            <a:bodyPr spcFirstLastPara="1" wrap="square" lIns="91425" tIns="91425" rIns="91425" bIns="91425" anchor="ctr" anchorCtr="0">
               <a:noAutofit/>
             </a:bodyPr>
             <a:lstStyle/>
             <a:p>
-              <a:pPr indent="0" lvl="0" marL="0" rtl="0" algn="l">
+              <a:pPr marL="0" lvl="0" indent="0" algn="l" rtl="0">
                 <a:spcBef>
                   <a:spcPts val="0"/>
                 </a:spcBef>
@@ -6399,9 +6323,6 @@
                 </a:spcAft>
                 <a:buNone/>
               </a:pPr>
-              <a:r>
-                <a:t/>
-              </a:r>
               <a:endParaRPr/>
             </a:p>
           </p:txBody>
@@ -6419,7 +6340,7 @@
             </a:xfrm>
             <a:prstGeom prst="diagStripe">
               <a:avLst>
-                <a:gd fmla="val 50000" name="adj"/>
+                <a:gd name="adj" fmla="val 50000"/>
               </a:avLst>
             </a:prstGeom>
             <a:solidFill>
@@ -6432,12 +6353,12 @@
             </a:ln>
           </p:spPr>
           <p:txBody>
-            <a:bodyPr anchorCtr="0" anchor="ctr" bIns="91425" lIns="91425" spcFirstLastPara="1" rIns="91425" wrap="square" tIns="91425">
+            <a:bodyPr spcFirstLastPara="1" wrap="square" lIns="91425" tIns="91425" rIns="91425" bIns="91425" anchor="ctr" anchorCtr="0">
               <a:noAutofit/>
             </a:bodyPr>
             <a:lstStyle/>
             <a:p>
-              <a:pPr indent="0" lvl="0" marL="0" rtl="0" algn="l">
+              <a:pPr marL="0" lvl="0" indent="0" algn="l" rtl="0">
                 <a:spcBef>
                   <a:spcPts val="0"/>
                 </a:spcBef>
@@ -6446,9 +6367,6 @@
                 </a:spcAft>
                 <a:buNone/>
               </a:pPr>
-              <a:r>
-                <a:t/>
-              </a:r>
               <a:endParaRPr/>
             </a:p>
           </p:txBody>
@@ -6466,7 +6384,7 @@
             </a:xfrm>
             <a:prstGeom prst="diagStripe">
               <a:avLst>
-                <a:gd fmla="val 50000" name="adj"/>
+                <a:gd name="adj" fmla="val 50000"/>
               </a:avLst>
             </a:prstGeom>
             <a:solidFill>
@@ -6479,12 +6397,12 @@
             </a:ln>
           </p:spPr>
           <p:txBody>
-            <a:bodyPr anchorCtr="0" anchor="ctr" bIns="91425" lIns="91425" spcFirstLastPara="1" rIns="91425" wrap="square" tIns="91425">
+            <a:bodyPr spcFirstLastPara="1" wrap="square" lIns="91425" tIns="91425" rIns="91425" bIns="91425" anchor="ctr" anchorCtr="0">
               <a:noAutofit/>
             </a:bodyPr>
             <a:lstStyle/>
             <a:p>
-              <a:pPr indent="0" lvl="0" marL="0" rtl="0" algn="l">
+              <a:pPr marL="0" lvl="0" indent="0" algn="l" rtl="0">
                 <a:spcBef>
                   <a:spcPts val="0"/>
                 </a:spcBef>
@@ -6493,9 +6411,6 @@
                 </a:spcAft>
                 <a:buNone/>
               </a:pPr>
-              <a:r>
-                <a:t/>
-              </a:r>
               <a:endParaRPr/>
             </a:p>
           </p:txBody>
@@ -6513,7 +6428,7 @@
             </a:xfrm>
             <a:prstGeom prst="diagStripe">
               <a:avLst>
-                <a:gd fmla="val 50000" name="adj"/>
+                <a:gd name="adj" fmla="val 50000"/>
               </a:avLst>
             </a:prstGeom>
             <a:solidFill>
@@ -6524,12 +6439,12 @@
             </a:ln>
           </p:spPr>
           <p:txBody>
-            <a:bodyPr anchorCtr="0" anchor="ctr" bIns="91425" lIns="91425" spcFirstLastPara="1" rIns="91425" wrap="square" tIns="91425">
+            <a:bodyPr spcFirstLastPara="1" wrap="square" lIns="91425" tIns="91425" rIns="91425" bIns="91425" anchor="ctr" anchorCtr="0">
               <a:noAutofit/>
             </a:bodyPr>
             <a:lstStyle/>
             <a:p>
-              <a:pPr indent="0" lvl="0" marL="0" rtl="0" algn="l">
+              <a:pPr marL="0" lvl="0" indent="0" algn="l" rtl="0">
                 <a:spcBef>
                   <a:spcPts val="0"/>
                 </a:spcBef>
@@ -6538,9 +6453,6 @@
                 </a:spcAft>
                 <a:buNone/>
               </a:pPr>
-              <a:r>
-                <a:t/>
-              </a:r>
               <a:endParaRPr/>
             </a:p>
           </p:txBody>
@@ -6558,7 +6470,7 @@
             </a:xfrm>
             <a:prstGeom prst="diagStripe">
               <a:avLst>
-                <a:gd fmla="val 50000" name="adj"/>
+                <a:gd name="adj" fmla="val 50000"/>
               </a:avLst>
             </a:prstGeom>
             <a:solidFill>
@@ -6571,12 +6483,12 @@
             </a:ln>
           </p:spPr>
           <p:txBody>
-            <a:bodyPr anchorCtr="0" anchor="ctr" bIns="91425" lIns="91425" spcFirstLastPara="1" rIns="91425" wrap="square" tIns="91425">
+            <a:bodyPr spcFirstLastPara="1" wrap="square" lIns="91425" tIns="91425" rIns="91425" bIns="91425" anchor="ctr" anchorCtr="0">
               <a:noAutofit/>
             </a:bodyPr>
             <a:lstStyle/>
             <a:p>
-              <a:pPr indent="0" lvl="0" marL="0" rtl="0" algn="l">
+              <a:pPr marL="0" lvl="0" indent="0" algn="l" rtl="0">
                 <a:spcBef>
                   <a:spcPts val="0"/>
                 </a:spcBef>
@@ -6585,9 +6497,6 @@
                 </a:spcAft>
                 <a:buNone/>
               </a:pPr>
-              <a:r>
-                <a:t/>
-              </a:r>
               <a:endParaRPr/>
             </a:p>
           </p:txBody>
@@ -6605,7 +6514,7 @@
             </a:xfrm>
             <a:prstGeom prst="diagStripe">
               <a:avLst>
-                <a:gd fmla="val 50000" name="adj"/>
+                <a:gd name="adj" fmla="val 50000"/>
               </a:avLst>
             </a:prstGeom>
             <a:solidFill>
@@ -6618,12 +6527,12 @@
             </a:ln>
           </p:spPr>
           <p:txBody>
-            <a:bodyPr anchorCtr="0" anchor="ctr" bIns="91425" lIns="91425" spcFirstLastPara="1" rIns="91425" wrap="square" tIns="91425">
+            <a:bodyPr spcFirstLastPara="1" wrap="square" lIns="91425" tIns="91425" rIns="91425" bIns="91425" anchor="ctr" anchorCtr="0">
               <a:noAutofit/>
             </a:bodyPr>
             <a:lstStyle/>
             <a:p>
-              <a:pPr indent="0" lvl="0" marL="0" rtl="0" algn="l">
+              <a:pPr marL="0" lvl="0" indent="0" algn="l" rtl="0">
                 <a:spcBef>
                   <a:spcPts val="0"/>
                 </a:spcBef>
@@ -6632,9 +6541,6 @@
                 </a:spcAft>
                 <a:buNone/>
               </a:pPr>
-              <a:r>
-                <a:t/>
-              </a:r>
               <a:endParaRPr/>
             </a:p>
           </p:txBody>
@@ -6652,7 +6558,7 @@
             </a:xfrm>
             <a:prstGeom prst="diagStripe">
               <a:avLst>
-                <a:gd fmla="val 50000" name="adj"/>
+                <a:gd name="adj" fmla="val 50000"/>
               </a:avLst>
             </a:prstGeom>
             <a:solidFill>
@@ -6665,12 +6571,12 @@
             </a:ln>
           </p:spPr>
           <p:txBody>
-            <a:bodyPr anchorCtr="0" anchor="ctr" bIns="91425" lIns="91425" spcFirstLastPara="1" rIns="91425" wrap="square" tIns="91425">
+            <a:bodyPr spcFirstLastPara="1" wrap="square" lIns="91425" tIns="91425" rIns="91425" bIns="91425" anchor="ctr" anchorCtr="0">
               <a:noAutofit/>
             </a:bodyPr>
             <a:lstStyle/>
             <a:p>
-              <a:pPr indent="0" lvl="0" marL="0" rtl="0" algn="l">
+              <a:pPr marL="0" lvl="0" indent="0" algn="l" rtl="0">
                 <a:spcBef>
                   <a:spcPts val="0"/>
                 </a:spcBef>
@@ -6679,9 +6585,6 @@
                 </a:spcAft>
                 <a:buNone/>
               </a:pPr>
-              <a:r>
-                <a:t/>
-              </a:r>
               <a:endParaRPr/>
             </a:p>
           </p:txBody>
@@ -6699,7 +6602,7 @@
             </a:xfrm>
             <a:prstGeom prst="diagStripe">
               <a:avLst>
-                <a:gd fmla="val 50000" name="adj"/>
+                <a:gd name="adj" fmla="val 50000"/>
               </a:avLst>
             </a:prstGeom>
             <a:solidFill>
@@ -6712,12 +6615,12 @@
             </a:ln>
           </p:spPr>
           <p:txBody>
-            <a:bodyPr anchorCtr="0" anchor="ctr" bIns="91425" lIns="91425" spcFirstLastPara="1" rIns="91425" wrap="square" tIns="91425">
+            <a:bodyPr spcFirstLastPara="1" wrap="square" lIns="91425" tIns="91425" rIns="91425" bIns="91425" anchor="ctr" anchorCtr="0">
               <a:noAutofit/>
             </a:bodyPr>
             <a:lstStyle/>
             <a:p>
-              <a:pPr indent="0" lvl="0" marL="0" rtl="0" algn="l">
+              <a:pPr marL="0" lvl="0" indent="0" algn="l" rtl="0">
                 <a:spcBef>
                   <a:spcPts val="0"/>
                 </a:spcBef>
@@ -6726,9 +6629,6 @@
                 </a:spcAft>
                 <a:buNone/>
               </a:pPr>
-              <a:r>
-                <a:t/>
-              </a:r>
               <a:endParaRPr/>
             </a:p>
           </p:txBody>
@@ -6737,7 +6637,9 @@
       <p:sp>
         <p:nvSpPr>
           <p:cNvPr id="89" name="Google Shape;89;p8"/>
-          <p:cNvSpPr txBox="1"/>
+          <p:cNvSpPr txBox="1">
+            <a:spLocks noGrp="1"/>
+          </p:cNvSpPr>
           <p:nvPr>
             <p:ph type="title"/>
           </p:nvPr>
@@ -6752,7 +6654,7 @@
           </a:prstGeom>
         </p:spPr>
         <p:txBody>
-          <a:bodyPr anchorCtr="0" anchor="ctr" bIns="91425" lIns="91425" spcFirstLastPara="1" rIns="91425" wrap="square" tIns="91425">
+          <a:bodyPr spcFirstLastPara="1" wrap="square" lIns="91425" tIns="91425" rIns="91425" bIns="91425" anchor="ctr" anchorCtr="0">
             <a:noAutofit/>
           </a:bodyPr>
           <a:lstStyle>
@@ -6856,15 +6758,19 @@
               <a:defRPr/>
             </a:lvl9pPr>
           </a:lstStyle>
-          <a:p/>
+          <a:p>
+            <a:endParaRPr/>
+          </a:p>
         </p:txBody>
       </p:sp>
       <p:sp>
         <p:nvSpPr>
           <p:cNvPr id="90" name="Google Shape;90;p8"/>
-          <p:cNvSpPr txBox="1"/>
+          <p:cNvSpPr txBox="1">
+            <a:spLocks noGrp="1"/>
+          </p:cNvSpPr>
           <p:nvPr>
-            <p:ph idx="12" type="sldNum"/>
+            <p:ph type="sldNum" idx="12"/>
           </p:nvPr>
         </p:nvSpPr>
         <p:spPr>
@@ -6877,7 +6783,7 @@
           </a:prstGeom>
         </p:spPr>
         <p:txBody>
-          <a:bodyPr anchorCtr="0" anchor="ctr" bIns="91425" lIns="91425" spcFirstLastPara="1" rIns="91425" wrap="square" tIns="91425">
+          <a:bodyPr spcFirstLastPara="1" wrap="square" lIns="91425" tIns="91425" rIns="91425" bIns="91425" anchor="ctr" anchorCtr="0">
             <a:noAutofit/>
           </a:bodyPr>
           <a:lstStyle>
@@ -6919,7 +6825,7 @@
             </a:lvl9pPr>
           </a:lstStyle>
           <a:p>
-            <a:pPr indent="0" lvl="0" marL="0" rtl="0" algn="r">
+            <a:pPr marL="0" lvl="0" indent="0" algn="r" rtl="0">
               <a:spcBef>
                 <a:spcPts val="0"/>
               </a:spcBef>
@@ -6945,11 +6851,11 @@
 </file>
 
 <file path=ppt/slideLayouts/slideLayout8.xml><?xml version="1.0" encoding="utf-8"?>
-<p:sldLayout xmlns:a="http://schemas.openxmlformats.org/drawingml/2006/main" xmlns:r="http://schemas.openxmlformats.org/officeDocument/2006/relationships" xmlns:mc="http://schemas.openxmlformats.org/markup-compatibility/2006" xmlns:mv="urn:schemas-microsoft-com:mac:vml" xmlns:p="http://schemas.openxmlformats.org/presentationml/2006/main" xmlns:c="http://schemas.openxmlformats.org/drawingml/2006/chart" xmlns:dgm="http://schemas.openxmlformats.org/drawingml/2006/diagram" xmlns:o="urn:schemas-microsoft-com:office:office" xmlns:v="urn:schemas-microsoft-com:vml" xmlns:pvml="urn:schemas-microsoft-com:office:powerpoint" xmlns:com="http://schemas.openxmlformats.org/drawingml/2006/compatibility" xmlns:p14="http://schemas.microsoft.com/office/powerpoint/2010/main" xmlns:p15="http://schemas.microsoft.com/office/powerpoint/2012/main" matchingName="Section title and description">
+<p:sldLayout xmlns:a="http://schemas.openxmlformats.org/drawingml/2006/main" xmlns:r="http://schemas.openxmlformats.org/officeDocument/2006/relationships" xmlns:p="http://schemas.openxmlformats.org/presentationml/2006/main" matchingName="Section title and description">
   <p:cSld name="SECTION_TITLE_AND_DESCRIPTION">
     <p:spTree>
       <p:nvGrpSpPr>
-        <p:cNvPr id="91" name="Shape 91"/>
+        <p:cNvPr id="1" name="Shape 91"/>
         <p:cNvGrpSpPr/>
         <p:nvPr/>
       </p:nvGrpSpPr>
@@ -6988,7 +6894,7 @@
             </a:xfrm>
             <a:prstGeom prst="diagStripe">
               <a:avLst>
-                <a:gd fmla="val 50000" name="adj"/>
+                <a:gd name="adj" fmla="val 50000"/>
               </a:avLst>
             </a:prstGeom>
             <a:solidFill>
@@ -6999,12 +6905,12 @@
             </a:ln>
           </p:spPr>
           <p:txBody>
-            <a:bodyPr anchorCtr="0" anchor="ctr" bIns="91425" lIns="91425" spcFirstLastPara="1" rIns="91425" wrap="square" tIns="91425">
+            <a:bodyPr spcFirstLastPara="1" wrap="square" lIns="91425" tIns="91425" rIns="91425" bIns="91425" anchor="ctr" anchorCtr="0">
               <a:noAutofit/>
             </a:bodyPr>
             <a:lstStyle/>
             <a:p>
-              <a:pPr indent="0" lvl="0" marL="0" rtl="0" algn="l">
+              <a:pPr marL="0" lvl="0" indent="0" algn="l" rtl="0">
                 <a:spcBef>
                   <a:spcPts val="0"/>
                 </a:spcBef>
@@ -7013,9 +6919,6 @@
                 </a:spcAft>
                 <a:buNone/>
               </a:pPr>
-              <a:r>
-                <a:t/>
-              </a:r>
               <a:endParaRPr/>
             </a:p>
           </p:txBody>
@@ -7033,7 +6936,7 @@
             </a:xfrm>
             <a:prstGeom prst="diagStripe">
               <a:avLst>
-                <a:gd fmla="val 50000" name="adj"/>
+                <a:gd name="adj" fmla="val 50000"/>
               </a:avLst>
             </a:prstGeom>
             <a:solidFill>
@@ -7044,12 +6947,12 @@
             </a:ln>
           </p:spPr>
           <p:txBody>
-            <a:bodyPr anchorCtr="0" anchor="ctr" bIns="91425" lIns="91425" spcFirstLastPara="1" rIns="91425" wrap="square" tIns="91425">
+            <a:bodyPr spcFirstLastPara="1" wrap="square" lIns="91425" tIns="91425" rIns="91425" bIns="91425" anchor="ctr" anchorCtr="0">
               <a:noAutofit/>
             </a:bodyPr>
             <a:lstStyle/>
             <a:p>
-              <a:pPr indent="0" lvl="0" marL="0" rtl="0" algn="l">
+              <a:pPr marL="0" lvl="0" indent="0" algn="l" rtl="0">
                 <a:spcBef>
                   <a:spcPts val="0"/>
                 </a:spcBef>
@@ -7058,9 +6961,6 @@
                 </a:spcAft>
                 <a:buNone/>
               </a:pPr>
-              <a:r>
-                <a:t/>
-              </a:r>
               <a:endParaRPr/>
             </a:p>
           </p:txBody>
@@ -7069,7 +6969,9 @@
       <p:sp>
         <p:nvSpPr>
           <p:cNvPr id="95" name="Google Shape;95;p9"/>
-          <p:cNvSpPr txBox="1"/>
+          <p:cNvSpPr txBox="1">
+            <a:spLocks noGrp="1"/>
+          </p:cNvSpPr>
           <p:nvPr>
             <p:ph type="title"/>
           </p:nvPr>
@@ -7084,7 +6986,7 @@
           </a:prstGeom>
         </p:spPr>
         <p:txBody>
-          <a:bodyPr anchorCtr="0" anchor="t" bIns="91425" lIns="91425" spcFirstLastPara="1" rIns="91425" wrap="square" tIns="91425">
+          <a:bodyPr spcFirstLastPara="1" wrap="square" lIns="91425" tIns="91425" rIns="91425" bIns="91425" anchor="t" anchorCtr="0">
             <a:noAutofit/>
           </a:bodyPr>
           <a:lstStyle>
@@ -7188,15 +7090,19 @@
               <a:defRPr sz="2400"/>
             </a:lvl9pPr>
           </a:lstStyle>
-          <a:p/>
+          <a:p>
+            <a:endParaRPr/>
+          </a:p>
         </p:txBody>
       </p:sp>
       <p:sp>
         <p:nvSpPr>
           <p:cNvPr id="96" name="Google Shape;96;p9"/>
-          <p:cNvSpPr txBox="1"/>
+          <p:cNvSpPr txBox="1">
+            <a:spLocks noGrp="1"/>
+          </p:cNvSpPr>
           <p:nvPr>
-            <p:ph idx="1" type="subTitle"/>
+            <p:ph type="subTitle" idx="1"/>
           </p:nvPr>
         </p:nvSpPr>
         <p:spPr>
@@ -7209,7 +7115,7 @@
           </a:prstGeom>
         </p:spPr>
         <p:txBody>
-          <a:bodyPr anchorCtr="0" anchor="t" bIns="91425" lIns="91425" spcFirstLastPara="1" rIns="91425" wrap="square" tIns="91425">
+          <a:bodyPr spcFirstLastPara="1" wrap="square" lIns="91425" tIns="91425" rIns="91425" bIns="91425" anchor="t" anchorCtr="0">
             <a:noAutofit/>
           </a:bodyPr>
           <a:lstStyle>
@@ -7340,15 +7246,19 @@
               <a:defRPr sz="1300"/>
             </a:lvl9pPr>
           </a:lstStyle>
-          <a:p/>
+          <a:p>
+            <a:endParaRPr/>
+          </a:p>
         </p:txBody>
       </p:sp>
       <p:sp>
         <p:nvSpPr>
           <p:cNvPr id="97" name="Google Shape;97;p9"/>
-          <p:cNvSpPr txBox="1"/>
+          <p:cNvSpPr txBox="1">
+            <a:spLocks noGrp="1"/>
+          </p:cNvSpPr>
           <p:nvPr>
-            <p:ph idx="2" type="body"/>
+            <p:ph type="body" idx="2"/>
           </p:nvPr>
         </p:nvSpPr>
         <p:spPr>
@@ -7361,11 +7271,11 @@
           </a:prstGeom>
         </p:spPr>
         <p:txBody>
-          <a:bodyPr anchorCtr="0" anchor="t" bIns="91425" lIns="91425" spcFirstLastPara="1" rIns="91425" wrap="square" tIns="91425">
+          <a:bodyPr spcFirstLastPara="1" wrap="square" lIns="91425" tIns="91425" rIns="91425" bIns="91425" anchor="t" anchorCtr="0">
             <a:noAutofit/>
           </a:bodyPr>
           <a:lstStyle>
-            <a:lvl1pPr indent="-311150" lvl="0" marL="457200">
+            <a:lvl1pPr marL="457200" lvl="0" indent="-311150">
               <a:spcBef>
                 <a:spcPts val="0"/>
               </a:spcBef>
@@ -7376,7 +7286,7 @@
               <a:buChar char="●"/>
               <a:defRPr/>
             </a:lvl1pPr>
-            <a:lvl2pPr indent="-298450" lvl="1" marL="914400">
+            <a:lvl2pPr marL="914400" lvl="1" indent="-298450">
               <a:spcBef>
                 <a:spcPts val="1600"/>
               </a:spcBef>
@@ -7387,7 +7297,7 @@
               <a:buChar char="○"/>
               <a:defRPr/>
             </a:lvl2pPr>
-            <a:lvl3pPr indent="-298450" lvl="2" marL="1371600">
+            <a:lvl3pPr marL="1371600" lvl="2" indent="-298450">
               <a:spcBef>
                 <a:spcPts val="1600"/>
               </a:spcBef>
@@ -7398,7 +7308,7 @@
               <a:buChar char="■"/>
               <a:defRPr/>
             </a:lvl3pPr>
-            <a:lvl4pPr indent="-298450" lvl="3" marL="1828800">
+            <a:lvl4pPr marL="1828800" lvl="3" indent="-298450">
               <a:spcBef>
                 <a:spcPts val="1600"/>
               </a:spcBef>
@@ -7409,7 +7319,7 @@
               <a:buChar char="●"/>
               <a:defRPr/>
             </a:lvl4pPr>
-            <a:lvl5pPr indent="-298450" lvl="4" marL="2286000">
+            <a:lvl5pPr marL="2286000" lvl="4" indent="-298450">
               <a:spcBef>
                 <a:spcPts val="1600"/>
               </a:spcBef>
@@ -7420,7 +7330,7 @@
               <a:buChar char="○"/>
               <a:defRPr/>
             </a:lvl5pPr>
-            <a:lvl6pPr indent="-298450" lvl="5" marL="2743200">
+            <a:lvl6pPr marL="2743200" lvl="5" indent="-298450">
               <a:spcBef>
                 <a:spcPts val="1600"/>
               </a:spcBef>
@@ -7431,7 +7341,7 @@
               <a:buChar char="■"/>
               <a:defRPr/>
             </a:lvl6pPr>
-            <a:lvl7pPr indent="-298450" lvl="6" marL="3200400">
+            <a:lvl7pPr marL="3200400" lvl="6" indent="-298450">
               <a:spcBef>
                 <a:spcPts val="1600"/>
               </a:spcBef>
@@ -7442,7 +7352,7 @@
               <a:buChar char="●"/>
               <a:defRPr/>
             </a:lvl7pPr>
-            <a:lvl8pPr indent="-298450" lvl="7" marL="3657600">
+            <a:lvl8pPr marL="3657600" lvl="7" indent="-298450">
               <a:spcBef>
                 <a:spcPts val="1600"/>
               </a:spcBef>
@@ -7453,7 +7363,7 @@
               <a:buChar char="○"/>
               <a:defRPr/>
             </a:lvl8pPr>
-            <a:lvl9pPr indent="-298450" lvl="8" marL="4114800">
+            <a:lvl9pPr marL="4114800" lvl="8" indent="-298450">
               <a:spcBef>
                 <a:spcPts val="1600"/>
               </a:spcBef>
@@ -7465,15 +7375,19 @@
               <a:defRPr/>
             </a:lvl9pPr>
           </a:lstStyle>
-          <a:p/>
+          <a:p>
+            <a:endParaRPr/>
+          </a:p>
         </p:txBody>
       </p:sp>
       <p:sp>
         <p:nvSpPr>
           <p:cNvPr id="98" name="Google Shape;98;p9"/>
-          <p:cNvSpPr txBox="1"/>
+          <p:cNvSpPr txBox="1">
+            <a:spLocks noGrp="1"/>
+          </p:cNvSpPr>
           <p:nvPr>
-            <p:ph idx="12" type="sldNum"/>
+            <p:ph type="sldNum" idx="12"/>
           </p:nvPr>
         </p:nvSpPr>
         <p:spPr>
@@ -7486,7 +7400,7 @@
           </a:prstGeom>
         </p:spPr>
         <p:txBody>
-          <a:bodyPr anchorCtr="0" anchor="ctr" bIns="91425" lIns="91425" spcFirstLastPara="1" rIns="91425" wrap="square" tIns="91425">
+          <a:bodyPr spcFirstLastPara="1" wrap="square" lIns="91425" tIns="91425" rIns="91425" bIns="91425" anchor="ctr" anchorCtr="0">
             <a:noAutofit/>
           </a:bodyPr>
           <a:lstStyle>
@@ -7528,7 +7442,7 @@
             </a:lvl9pPr>
           </a:lstStyle>
           <a:p>
-            <a:pPr indent="0" lvl="0" marL="0" rtl="0" algn="r">
+            <a:pPr marL="0" lvl="0" indent="0" algn="r" rtl="0">
               <a:spcBef>
                 <a:spcPts val="0"/>
               </a:spcBef>
@@ -7554,11 +7468,11 @@
 </file>
 
 <file path=ppt/slideLayouts/slideLayout9.xml><?xml version="1.0" encoding="utf-8"?>
-<p:sldLayout xmlns:a="http://schemas.openxmlformats.org/drawingml/2006/main" xmlns:r="http://schemas.openxmlformats.org/officeDocument/2006/relationships" xmlns:mc="http://schemas.openxmlformats.org/markup-compatibility/2006" xmlns:mv="urn:schemas-microsoft-com:mac:vml" xmlns:p="http://schemas.openxmlformats.org/presentationml/2006/main" xmlns:c="http://schemas.openxmlformats.org/drawingml/2006/chart" xmlns:dgm="http://schemas.openxmlformats.org/drawingml/2006/diagram" xmlns:o="urn:schemas-microsoft-com:office:office" xmlns:v="urn:schemas-microsoft-com:vml" xmlns:pvml="urn:schemas-microsoft-com:office:powerpoint" xmlns:com="http://schemas.openxmlformats.org/drawingml/2006/compatibility" xmlns:p14="http://schemas.microsoft.com/office/powerpoint/2010/main" xmlns:p15="http://schemas.microsoft.com/office/powerpoint/2012/main" matchingName="Caption">
+<p:sldLayout xmlns:a="http://schemas.openxmlformats.org/drawingml/2006/main" xmlns:r="http://schemas.openxmlformats.org/officeDocument/2006/relationships" xmlns:p="http://schemas.openxmlformats.org/presentationml/2006/main" matchingName="Caption">
   <p:cSld name="CAPTION_ONLY">
     <p:spTree>
       <p:nvGrpSpPr>
-        <p:cNvPr id="99" name="Shape 99"/>
+        <p:cNvPr id="1" name="Shape 99"/>
         <p:cNvGrpSpPr/>
         <p:nvPr/>
       </p:nvGrpSpPr>
@@ -7597,7 +7511,7 @@
             </a:xfrm>
             <a:prstGeom prst="diagStripe">
               <a:avLst>
-                <a:gd fmla="val 50000" name="adj"/>
+                <a:gd name="adj" fmla="val 50000"/>
               </a:avLst>
             </a:prstGeom>
             <a:solidFill>
@@ -7610,12 +7524,12 @@
             </a:ln>
           </p:spPr>
           <p:txBody>
-            <a:bodyPr anchorCtr="0" anchor="ctr" bIns="91425" lIns="91425" spcFirstLastPara="1" rIns="91425" wrap="square" tIns="91425">
+            <a:bodyPr spcFirstLastPara="1" wrap="square" lIns="91425" tIns="91425" rIns="91425" bIns="91425" anchor="ctr" anchorCtr="0">
               <a:noAutofit/>
             </a:bodyPr>
             <a:lstStyle/>
             <a:p>
-              <a:pPr indent="0" lvl="0" marL="0" rtl="0" algn="l">
+              <a:pPr marL="0" lvl="0" indent="0" algn="l" rtl="0">
                 <a:spcBef>
                   <a:spcPts val="0"/>
                 </a:spcBef>
@@ -7624,9 +7538,6 @@
                 </a:spcAft>
                 <a:buNone/>
               </a:pPr>
-              <a:r>
-                <a:t/>
-              </a:r>
               <a:endParaRPr/>
             </a:p>
           </p:txBody>
@@ -7644,7 +7555,7 @@
             </a:xfrm>
             <a:prstGeom prst="diagStripe">
               <a:avLst>
-                <a:gd fmla="val 50000" name="adj"/>
+                <a:gd name="adj" fmla="val 50000"/>
               </a:avLst>
             </a:prstGeom>
             <a:solidFill>
@@ -7657,12 +7568,12 @@
             </a:ln>
           </p:spPr>
           <p:txBody>
-            <a:bodyPr anchorCtr="0" anchor="ctr" bIns="91425" lIns="91425" spcFirstLastPara="1" rIns="91425" wrap="square" tIns="91425">
+            <a:bodyPr spcFirstLastPara="1" wrap="square" lIns="91425" tIns="91425" rIns="91425" bIns="91425" anchor="ctr" anchorCtr="0">
               <a:noAutofit/>
             </a:bodyPr>
             <a:lstStyle/>
             <a:p>
-              <a:pPr indent="0" lvl="0" marL="0" rtl="0" algn="l">
+              <a:pPr marL="0" lvl="0" indent="0" algn="l" rtl="0">
                 <a:spcBef>
                   <a:spcPts val="0"/>
                 </a:spcBef>
@@ -7671,9 +7582,6 @@
                 </a:spcAft>
                 <a:buNone/>
               </a:pPr>
-              <a:r>
-                <a:t/>
-              </a:r>
               <a:endParaRPr/>
             </a:p>
           </p:txBody>
@@ -7682,9 +7590,11 @@
       <p:sp>
         <p:nvSpPr>
           <p:cNvPr id="103" name="Google Shape;103;p10"/>
-          <p:cNvSpPr txBox="1"/>
+          <p:cNvSpPr txBox="1">
+            <a:spLocks noGrp="1"/>
+          </p:cNvSpPr>
           <p:nvPr>
-            <p:ph idx="1" type="body"/>
+            <p:ph type="body" idx="1"/>
           </p:nvPr>
         </p:nvSpPr>
         <p:spPr>
@@ -7697,11 +7607,11 @@
           </a:prstGeom>
         </p:spPr>
         <p:txBody>
-          <a:bodyPr anchorCtr="0" anchor="ctr" bIns="91425" lIns="91425" spcFirstLastPara="1" rIns="91425" wrap="square" tIns="91425">
+          <a:bodyPr spcFirstLastPara="1" wrap="square" lIns="91425" tIns="91425" rIns="91425" bIns="91425" anchor="ctr" anchorCtr="0">
             <a:noAutofit/>
           </a:bodyPr>
           <a:lstStyle>
-            <a:lvl1pPr indent="-228600" lvl="0" marL="457200">
+            <a:lvl1pPr marL="457200" lvl="0" indent="-228600">
               <a:lnSpc>
                 <a:spcPct val="100000"/>
               </a:lnSpc>
@@ -7716,15 +7626,19 @@
               <a:defRPr/>
             </a:lvl1pPr>
           </a:lstStyle>
-          <a:p/>
+          <a:p>
+            <a:endParaRPr/>
+          </a:p>
         </p:txBody>
       </p:sp>
       <p:sp>
         <p:nvSpPr>
           <p:cNvPr id="104" name="Google Shape;104;p10"/>
-          <p:cNvSpPr txBox="1"/>
+          <p:cNvSpPr txBox="1">
+            <a:spLocks noGrp="1"/>
+          </p:cNvSpPr>
           <p:nvPr>
-            <p:ph idx="12" type="sldNum"/>
+            <p:ph type="sldNum" idx="12"/>
           </p:nvPr>
         </p:nvSpPr>
         <p:spPr>
@@ -7737,7 +7651,7 @@
           </a:prstGeom>
         </p:spPr>
         <p:txBody>
-          <a:bodyPr anchorCtr="0" anchor="ctr" bIns="91425" lIns="91425" spcFirstLastPara="1" rIns="91425" wrap="square" tIns="91425">
+          <a:bodyPr spcFirstLastPara="1" wrap="square" lIns="91425" tIns="91425" rIns="91425" bIns="91425" anchor="ctr" anchorCtr="0">
             <a:noAutofit/>
           </a:bodyPr>
           <a:lstStyle>
@@ -7779,7 +7693,7 @@
             </a:lvl9pPr>
           </a:lstStyle>
           <a:p>
-            <a:pPr indent="0" lvl="0" marL="0" rtl="0" algn="r">
+            <a:pPr marL="0" lvl="0" indent="0" algn="r" rtl="0">
               <a:spcBef>
                 <a:spcPts val="0"/>
               </a:spcBef>
@@ -7805,18 +7719,19 @@
 </file>
 
 <file path=ppt/slideMasters/slideMaster1.xml><?xml version="1.0" encoding="utf-8"?>
-<p:sldMaster xmlns:a="http://schemas.openxmlformats.org/drawingml/2006/main" xmlns:r="http://schemas.openxmlformats.org/officeDocument/2006/relationships" xmlns:mc="http://schemas.openxmlformats.org/markup-compatibility/2006" xmlns:mv="urn:schemas-microsoft-com:mac:vml" xmlns:p="http://schemas.openxmlformats.org/presentationml/2006/main" xmlns:c="http://schemas.openxmlformats.org/drawingml/2006/chart" xmlns:dgm="http://schemas.openxmlformats.org/drawingml/2006/diagram" xmlns:o="urn:schemas-microsoft-com:office:office" xmlns:v="urn:schemas-microsoft-com:vml" xmlns:pvml="urn:schemas-microsoft-com:office:powerpoint" xmlns:com="http://schemas.openxmlformats.org/drawingml/2006/compatibility" xmlns:p14="http://schemas.microsoft.com/office/powerpoint/2010/main" xmlns:p15="http://schemas.microsoft.com/office/powerpoint/2012/main">
+<p:sldMaster xmlns:a="http://schemas.openxmlformats.org/drawingml/2006/main" xmlns:r="http://schemas.openxmlformats.org/officeDocument/2006/relationships" xmlns:p="http://schemas.openxmlformats.org/presentationml/2006/main">
   <p:cSld name="focus">
     <p:bg>
       <p:bgPr>
         <a:solidFill>
           <a:schemeClr val="dk1"/>
         </a:solidFill>
+        <a:effectLst/>
       </p:bgPr>
     </p:bg>
     <p:spTree>
       <p:nvGrpSpPr>
-        <p:cNvPr id="5" name="Shape 5"/>
+        <p:cNvPr id="1" name="Shape 5"/>
         <p:cNvGrpSpPr/>
         <p:nvPr/>
       </p:nvGrpSpPr>
@@ -7831,7 +7746,9 @@
       <p:sp>
         <p:nvSpPr>
           <p:cNvPr id="6" name="Google Shape;6;p1"/>
-          <p:cNvSpPr txBox="1"/>
+          <p:cNvSpPr txBox="1">
+            <a:spLocks noGrp="1"/>
+          </p:cNvSpPr>
           <p:nvPr>
             <p:ph type="title"/>
           </p:nvPr>
@@ -7850,7 +7767,7 @@
           </a:ln>
         </p:spPr>
         <p:txBody>
-          <a:bodyPr anchorCtr="0" anchor="t" bIns="91425" lIns="91425" spcFirstLastPara="1" rIns="91425" wrap="square" tIns="91425">
+          <a:bodyPr spcFirstLastPara="1" wrap="square" lIns="91425" tIns="91425" rIns="91425" bIns="91425" anchor="t" anchorCtr="0">
             <a:noAutofit/>
           </a:bodyPr>
           <a:lstStyle>
@@ -8062,15 +7979,19 @@
               </a:defRPr>
             </a:lvl9pPr>
           </a:lstStyle>
-          <a:p/>
+          <a:p>
+            <a:endParaRPr/>
+          </a:p>
         </p:txBody>
       </p:sp>
       <p:sp>
         <p:nvSpPr>
           <p:cNvPr id="7" name="Google Shape;7;p1"/>
-          <p:cNvSpPr txBox="1"/>
+          <p:cNvSpPr txBox="1">
+            <a:spLocks noGrp="1"/>
+          </p:cNvSpPr>
           <p:nvPr>
-            <p:ph idx="1" type="body"/>
+            <p:ph type="body" idx="1"/>
           </p:nvPr>
         </p:nvSpPr>
         <p:spPr>
@@ -8087,11 +8008,11 @@
           </a:ln>
         </p:spPr>
         <p:txBody>
-          <a:bodyPr anchorCtr="0" anchor="t" bIns="91425" lIns="91425" spcFirstLastPara="1" rIns="91425" wrap="square" tIns="91425">
+          <a:bodyPr spcFirstLastPara="1" wrap="square" lIns="91425" tIns="91425" rIns="91425" bIns="91425" anchor="t" anchorCtr="0">
             <a:noAutofit/>
           </a:bodyPr>
           <a:lstStyle>
-            <a:lvl1pPr indent="-311150" lvl="0" marL="457200">
+            <a:lvl1pPr marL="457200" lvl="0" indent="-311150">
               <a:lnSpc>
                 <a:spcPct val="115000"/>
               </a:lnSpc>
@@ -8117,7 +8038,7 @@
                 <a:sym typeface="Lato"/>
               </a:defRPr>
             </a:lvl1pPr>
-            <a:lvl2pPr indent="-298450" lvl="1" marL="914400">
+            <a:lvl2pPr marL="914400" lvl="1" indent="-298450">
               <a:lnSpc>
                 <a:spcPct val="115000"/>
               </a:lnSpc>
@@ -8143,7 +8064,7 @@
                 <a:sym typeface="Lato"/>
               </a:defRPr>
             </a:lvl2pPr>
-            <a:lvl3pPr indent="-298450" lvl="2" marL="1371600">
+            <a:lvl3pPr marL="1371600" lvl="2" indent="-298450">
               <a:lnSpc>
                 <a:spcPct val="115000"/>
               </a:lnSpc>
@@ -8169,7 +8090,7 @@
                 <a:sym typeface="Lato"/>
               </a:defRPr>
             </a:lvl3pPr>
-            <a:lvl4pPr indent="-298450" lvl="3" marL="1828800">
+            <a:lvl4pPr marL="1828800" lvl="3" indent="-298450">
               <a:lnSpc>
                 <a:spcPct val="115000"/>
               </a:lnSpc>
@@ -8195,7 +8116,7 @@
                 <a:sym typeface="Lato"/>
               </a:defRPr>
             </a:lvl4pPr>
-            <a:lvl5pPr indent="-298450" lvl="4" marL="2286000">
+            <a:lvl5pPr marL="2286000" lvl="4" indent="-298450">
               <a:lnSpc>
                 <a:spcPct val="115000"/>
               </a:lnSpc>
@@ -8221,7 +8142,7 @@
                 <a:sym typeface="Lato"/>
               </a:defRPr>
             </a:lvl5pPr>
-            <a:lvl6pPr indent="-298450" lvl="5" marL="2743200">
+            <a:lvl6pPr marL="2743200" lvl="5" indent="-298450">
               <a:lnSpc>
                 <a:spcPct val="115000"/>
               </a:lnSpc>
@@ -8247,7 +8168,7 @@
                 <a:sym typeface="Lato"/>
               </a:defRPr>
             </a:lvl6pPr>
-            <a:lvl7pPr indent="-298450" lvl="6" marL="3200400">
+            <a:lvl7pPr marL="3200400" lvl="6" indent="-298450">
               <a:lnSpc>
                 <a:spcPct val="115000"/>
               </a:lnSpc>
@@ -8273,7 +8194,7 @@
                 <a:sym typeface="Lato"/>
               </a:defRPr>
             </a:lvl7pPr>
-            <a:lvl8pPr indent="-298450" lvl="7" marL="3657600">
+            <a:lvl8pPr marL="3657600" lvl="7" indent="-298450">
               <a:lnSpc>
                 <a:spcPct val="115000"/>
               </a:lnSpc>
@@ -8299,7 +8220,7 @@
                 <a:sym typeface="Lato"/>
               </a:defRPr>
             </a:lvl8pPr>
-            <a:lvl9pPr indent="-298450" lvl="8" marL="4114800">
+            <a:lvl9pPr marL="4114800" lvl="8" indent="-298450">
               <a:lnSpc>
                 <a:spcPct val="115000"/>
               </a:lnSpc>
@@ -8326,15 +8247,19 @@
               </a:defRPr>
             </a:lvl9pPr>
           </a:lstStyle>
-          <a:p/>
+          <a:p>
+            <a:endParaRPr/>
+          </a:p>
         </p:txBody>
       </p:sp>
       <p:sp>
         <p:nvSpPr>
           <p:cNvPr id="8" name="Google Shape;8;p1"/>
-          <p:cNvSpPr txBox="1"/>
+          <p:cNvSpPr txBox="1">
+            <a:spLocks noGrp="1"/>
+          </p:cNvSpPr>
           <p:nvPr>
-            <p:ph idx="12" type="sldNum"/>
+            <p:ph type="sldNum" idx="12"/>
           </p:nvPr>
         </p:nvSpPr>
         <p:spPr>
@@ -8351,7 +8276,7 @@
           </a:ln>
         </p:spPr>
         <p:txBody>
-          <a:bodyPr anchorCtr="0" anchor="ctr" bIns="91425" lIns="91425" spcFirstLastPara="1" rIns="91425" wrap="square" tIns="91425">
+          <a:bodyPr spcFirstLastPara="1" wrap="square" lIns="91425" tIns="91425" rIns="91425" bIns="91425" anchor="ctr" anchorCtr="0">
             <a:noAutofit/>
           </a:bodyPr>
           <a:lstStyle>
@@ -8465,7 +8390,7 @@
             </a:lvl9pPr>
           </a:lstStyle>
           <a:p>
-            <a:pPr indent="0" lvl="0" marL="0" rtl="0" algn="r">
+            <a:pPr marL="0" lvl="0" indent="0" algn="r" rtl="0">
               <a:spcBef>
                 <a:spcPts val="0"/>
               </a:spcBef>
@@ -8484,7 +8409,7 @@
       </p:sp>
     </p:spTree>
   </p:cSld>
-  <p:clrMap accent1="accent1" accent2="accent2" accent3="accent3" accent4="accent4" accent5="accent5" accent6="accent6" bg1="lt1" bg2="dk2" tx1="dk1" tx2="lt2" folHlink="folHlink" hlink="hlink"/>
+  <p:clrMap bg1="lt1" tx1="dk1" bg2="dk2" tx2="lt2" accent1="accent1" accent2="accent2" accent3="accent3" accent4="accent4" accent5="accent5" accent6="accent6" hlink="hlink" folHlink="folHlink"/>
   <p:sldLayoutIdLst>
     <p:sldLayoutId id="2147483648" r:id="rId1"/>
     <p:sldLayoutId id="2147483649" r:id="rId2"/>
@@ -8498,10 +8423,10 @@
     <p:sldLayoutId id="2147483657" r:id="rId10"/>
     <p:sldLayoutId id="2147483658" r:id="rId11"/>
   </p:sldLayoutIdLst>
-  <p:hf dt="0" ftr="0" hdr="0" sldNum="0"/>
+  <p:hf sldNum="0" hdr="0" ftr="0" dt="0"/>
   <p:txStyles>
     <p:titleStyle>
-      <a:defPPr lvl="0" marR="0" rtl="0" algn="l">
+      <a:defPPr marR="0" lvl="0" algn="l" rtl="0">
         <a:lnSpc>
           <a:spcPct val="100000"/>
         </a:lnSpc>
@@ -8512,7 +8437,7 @@
           <a:spcPts val="0"/>
         </a:spcAft>
       </a:defPPr>
-      <a:lvl1pPr lvl="0" marR="0" rtl="0" algn="l">
+      <a:lvl1pPr marR="0" lvl="0" algn="l" rtl="0">
         <a:lnSpc>
           <a:spcPct val="100000"/>
         </a:lnSpc>
@@ -8526,7 +8451,7 @@
           <a:srgbClr val="000000"/>
         </a:buClr>
         <a:buFont typeface="Arial"/>
-        <a:defRPr b="0" i="0" sz="1400" u="none" cap="none" strike="noStrike">
+        <a:defRPr sz="1400" b="0" i="0" u="none" strike="noStrike" cap="none">
           <a:solidFill>
             <a:srgbClr val="000000"/>
           </a:solidFill>
@@ -8536,7 +8461,7 @@
           <a:sym typeface="Arial"/>
         </a:defRPr>
       </a:lvl1pPr>
-      <a:lvl2pPr lvl="1" marR="0" rtl="0" algn="l">
+      <a:lvl2pPr marR="0" lvl="1" algn="l" rtl="0">
         <a:lnSpc>
           <a:spcPct val="100000"/>
         </a:lnSpc>
@@ -8550,7 +8475,7 @@
           <a:srgbClr val="000000"/>
         </a:buClr>
         <a:buFont typeface="Arial"/>
-        <a:defRPr b="0" i="0" sz="1400" u="none" cap="none" strike="noStrike">
+        <a:defRPr sz="1400" b="0" i="0" u="none" strike="noStrike" cap="none">
           <a:solidFill>
             <a:srgbClr val="000000"/>
           </a:solidFill>
@@ -8560,7 +8485,7 @@
           <a:sym typeface="Arial"/>
         </a:defRPr>
       </a:lvl2pPr>
-      <a:lvl3pPr lvl="2" marR="0" rtl="0" algn="l">
+      <a:lvl3pPr marR="0" lvl="2" algn="l" rtl="0">
         <a:lnSpc>
           <a:spcPct val="100000"/>
         </a:lnSpc>
@@ -8574,7 +8499,7 @@
           <a:srgbClr val="000000"/>
         </a:buClr>
         <a:buFont typeface="Arial"/>
-        <a:defRPr b="0" i="0" sz="1400" u="none" cap="none" strike="noStrike">
+        <a:defRPr sz="1400" b="0" i="0" u="none" strike="noStrike" cap="none">
           <a:solidFill>
             <a:srgbClr val="000000"/>
           </a:solidFill>
@@ -8584,7 +8509,7 @@
           <a:sym typeface="Arial"/>
         </a:defRPr>
       </a:lvl3pPr>
-      <a:lvl4pPr lvl="3" marR="0" rtl="0" algn="l">
+      <a:lvl4pPr marR="0" lvl="3" algn="l" rtl="0">
         <a:lnSpc>
           <a:spcPct val="100000"/>
         </a:lnSpc>
@@ -8598,7 +8523,7 @@
           <a:srgbClr val="000000"/>
         </a:buClr>
         <a:buFont typeface="Arial"/>
-        <a:defRPr b="0" i="0" sz="1400" u="none" cap="none" strike="noStrike">
+        <a:defRPr sz="1400" b="0" i="0" u="none" strike="noStrike" cap="none">
           <a:solidFill>
             <a:srgbClr val="000000"/>
           </a:solidFill>
@@ -8608,7 +8533,7 @@
           <a:sym typeface="Arial"/>
         </a:defRPr>
       </a:lvl4pPr>
-      <a:lvl5pPr lvl="4" marR="0" rtl="0" algn="l">
+      <a:lvl5pPr marR="0" lvl="4" algn="l" rtl="0">
         <a:lnSpc>
           <a:spcPct val="100000"/>
         </a:lnSpc>
@@ -8622,7 +8547,7 @@
           <a:srgbClr val="000000"/>
         </a:buClr>
         <a:buFont typeface="Arial"/>
-        <a:defRPr b="0" i="0" sz="1400" u="none" cap="none" strike="noStrike">
+        <a:defRPr sz="1400" b="0" i="0" u="none" strike="noStrike" cap="none">
           <a:solidFill>
             <a:srgbClr val="000000"/>
           </a:solidFill>
@@ -8632,7 +8557,7 @@
           <a:sym typeface="Arial"/>
         </a:defRPr>
       </a:lvl5pPr>
-      <a:lvl6pPr lvl="5" marR="0" rtl="0" algn="l">
+      <a:lvl6pPr marR="0" lvl="5" algn="l" rtl="0">
         <a:lnSpc>
           <a:spcPct val="100000"/>
         </a:lnSpc>
@@ -8646,7 +8571,7 @@
           <a:srgbClr val="000000"/>
         </a:buClr>
         <a:buFont typeface="Arial"/>
-        <a:defRPr b="0" i="0" sz="1400" u="none" cap="none" strike="noStrike">
+        <a:defRPr sz="1400" b="0" i="0" u="none" strike="noStrike" cap="none">
           <a:solidFill>
             <a:srgbClr val="000000"/>
           </a:solidFill>
@@ -8656,7 +8581,7 @@
           <a:sym typeface="Arial"/>
         </a:defRPr>
       </a:lvl6pPr>
-      <a:lvl7pPr lvl="6" marR="0" rtl="0" algn="l">
+      <a:lvl7pPr marR="0" lvl="6" algn="l" rtl="0">
         <a:lnSpc>
           <a:spcPct val="100000"/>
         </a:lnSpc>
@@ -8670,7 +8595,7 @@
           <a:srgbClr val="000000"/>
         </a:buClr>
         <a:buFont typeface="Arial"/>
-        <a:defRPr b="0" i="0" sz="1400" u="none" cap="none" strike="noStrike">
+        <a:defRPr sz="1400" b="0" i="0" u="none" strike="noStrike" cap="none">
           <a:solidFill>
             <a:srgbClr val="000000"/>
           </a:solidFill>
@@ -8680,7 +8605,7 @@
           <a:sym typeface="Arial"/>
         </a:defRPr>
       </a:lvl7pPr>
-      <a:lvl8pPr lvl="7" marR="0" rtl="0" algn="l">
+      <a:lvl8pPr marR="0" lvl="7" algn="l" rtl="0">
         <a:lnSpc>
           <a:spcPct val="100000"/>
         </a:lnSpc>
@@ -8694,7 +8619,7 @@
           <a:srgbClr val="000000"/>
         </a:buClr>
         <a:buFont typeface="Arial"/>
-        <a:defRPr b="0" i="0" sz="1400" u="none" cap="none" strike="noStrike">
+        <a:defRPr sz="1400" b="0" i="0" u="none" strike="noStrike" cap="none">
           <a:solidFill>
             <a:srgbClr val="000000"/>
           </a:solidFill>
@@ -8704,7 +8629,7 @@
           <a:sym typeface="Arial"/>
         </a:defRPr>
       </a:lvl8pPr>
-      <a:lvl9pPr lvl="8" marR="0" rtl="0" algn="l">
+      <a:lvl9pPr marR="0" lvl="8" algn="l" rtl="0">
         <a:lnSpc>
           <a:spcPct val="100000"/>
         </a:lnSpc>
@@ -8718,7 +8643,7 @@
           <a:srgbClr val="000000"/>
         </a:buClr>
         <a:buFont typeface="Arial"/>
-        <a:defRPr b="0" i="0" sz="1400" u="none" cap="none" strike="noStrike">
+        <a:defRPr sz="1400" b="0" i="0" u="none" strike="noStrike" cap="none">
           <a:solidFill>
             <a:srgbClr val="000000"/>
           </a:solidFill>
@@ -8730,7 +8655,7 @@
       </a:lvl9pPr>
     </p:titleStyle>
     <p:bodyStyle>
-      <a:defPPr lvl="0" marR="0" rtl="0" algn="l">
+      <a:defPPr marR="0" lvl="0" algn="l" rtl="0">
         <a:lnSpc>
           <a:spcPct val="100000"/>
         </a:lnSpc>
@@ -8741,7 +8666,7 @@
           <a:spcPts val="0"/>
         </a:spcAft>
       </a:defPPr>
-      <a:lvl1pPr lvl="0" marR="0" rtl="0" algn="l">
+      <a:lvl1pPr marR="0" lvl="0" algn="l" rtl="0">
         <a:lnSpc>
           <a:spcPct val="100000"/>
         </a:lnSpc>
@@ -8755,7 +8680,7 @@
           <a:srgbClr val="000000"/>
         </a:buClr>
         <a:buFont typeface="Arial"/>
-        <a:defRPr b="0" i="0" sz="1400" u="none" cap="none" strike="noStrike">
+        <a:defRPr sz="1400" b="0" i="0" u="none" strike="noStrike" cap="none">
           <a:solidFill>
             <a:srgbClr val="000000"/>
           </a:solidFill>
@@ -8765,7 +8690,7 @@
           <a:sym typeface="Arial"/>
         </a:defRPr>
       </a:lvl1pPr>
-      <a:lvl2pPr lvl="1" marR="0" rtl="0" algn="l">
+      <a:lvl2pPr marR="0" lvl="1" algn="l" rtl="0">
         <a:lnSpc>
           <a:spcPct val="100000"/>
         </a:lnSpc>
@@ -8779,7 +8704,7 @@
           <a:srgbClr val="000000"/>
         </a:buClr>
         <a:buFont typeface="Arial"/>
-        <a:defRPr b="0" i="0" sz="1400" u="none" cap="none" strike="noStrike">
+        <a:defRPr sz="1400" b="0" i="0" u="none" strike="noStrike" cap="none">
           <a:solidFill>
             <a:srgbClr val="000000"/>
           </a:solidFill>
@@ -8789,7 +8714,7 @@
           <a:sym typeface="Arial"/>
         </a:defRPr>
       </a:lvl2pPr>
-      <a:lvl3pPr lvl="2" marR="0" rtl="0" algn="l">
+      <a:lvl3pPr marR="0" lvl="2" algn="l" rtl="0">
         <a:lnSpc>
           <a:spcPct val="100000"/>
         </a:lnSpc>
@@ -8803,7 +8728,7 @@
           <a:srgbClr val="000000"/>
         </a:buClr>
         <a:buFont typeface="Arial"/>
-        <a:defRPr b="0" i="0" sz="1400" u="none" cap="none" strike="noStrike">
+        <a:defRPr sz="1400" b="0" i="0" u="none" strike="noStrike" cap="none">
           <a:solidFill>
             <a:srgbClr val="000000"/>
           </a:solidFill>
@@ -8813,7 +8738,7 @@
           <a:sym typeface="Arial"/>
         </a:defRPr>
       </a:lvl3pPr>
-      <a:lvl4pPr lvl="3" marR="0" rtl="0" algn="l">
+      <a:lvl4pPr marR="0" lvl="3" algn="l" rtl="0">
         <a:lnSpc>
           <a:spcPct val="100000"/>
         </a:lnSpc>
@@ -8827,7 +8752,7 @@
           <a:srgbClr val="000000"/>
         </a:buClr>
         <a:buFont typeface="Arial"/>
-        <a:defRPr b="0" i="0" sz="1400" u="none" cap="none" strike="noStrike">
+        <a:defRPr sz="1400" b="0" i="0" u="none" strike="noStrike" cap="none">
           <a:solidFill>
             <a:srgbClr val="000000"/>
           </a:solidFill>
@@ -8837,7 +8762,7 @@
           <a:sym typeface="Arial"/>
         </a:defRPr>
       </a:lvl4pPr>
-      <a:lvl5pPr lvl="4" marR="0" rtl="0" algn="l">
+      <a:lvl5pPr marR="0" lvl="4" algn="l" rtl="0">
         <a:lnSpc>
           <a:spcPct val="100000"/>
         </a:lnSpc>
@@ -8851,7 +8776,7 @@
           <a:srgbClr val="000000"/>
         </a:buClr>
         <a:buFont typeface="Arial"/>
-        <a:defRPr b="0" i="0" sz="1400" u="none" cap="none" strike="noStrike">
+        <a:defRPr sz="1400" b="0" i="0" u="none" strike="noStrike" cap="none">
           <a:solidFill>
             <a:srgbClr val="000000"/>
           </a:solidFill>
@@ -8861,7 +8786,7 @@
           <a:sym typeface="Arial"/>
         </a:defRPr>
       </a:lvl5pPr>
-      <a:lvl6pPr lvl="5" marR="0" rtl="0" algn="l">
+      <a:lvl6pPr marR="0" lvl="5" algn="l" rtl="0">
         <a:lnSpc>
           <a:spcPct val="100000"/>
         </a:lnSpc>
@@ -8875,7 +8800,7 @@
           <a:srgbClr val="000000"/>
         </a:buClr>
         <a:buFont typeface="Arial"/>
-        <a:defRPr b="0" i="0" sz="1400" u="none" cap="none" strike="noStrike">
+        <a:defRPr sz="1400" b="0" i="0" u="none" strike="noStrike" cap="none">
           <a:solidFill>
             <a:srgbClr val="000000"/>
           </a:solidFill>
@@ -8885,7 +8810,7 @@
           <a:sym typeface="Arial"/>
         </a:defRPr>
       </a:lvl6pPr>
-      <a:lvl7pPr lvl="6" marR="0" rtl="0" algn="l">
+      <a:lvl7pPr marR="0" lvl="6" algn="l" rtl="0">
         <a:lnSpc>
           <a:spcPct val="100000"/>
         </a:lnSpc>
@@ -8899,7 +8824,7 @@
           <a:srgbClr val="000000"/>
         </a:buClr>
         <a:buFont typeface="Arial"/>
-        <a:defRPr b="0" i="0" sz="1400" u="none" cap="none" strike="noStrike">
+        <a:defRPr sz="1400" b="0" i="0" u="none" strike="noStrike" cap="none">
           <a:solidFill>
             <a:srgbClr val="000000"/>
           </a:solidFill>
@@ -8909,7 +8834,7 @@
           <a:sym typeface="Arial"/>
         </a:defRPr>
       </a:lvl7pPr>
-      <a:lvl8pPr lvl="7" marR="0" rtl="0" algn="l">
+      <a:lvl8pPr marR="0" lvl="7" algn="l" rtl="0">
         <a:lnSpc>
           <a:spcPct val="100000"/>
         </a:lnSpc>
@@ -8923,7 +8848,7 @@
           <a:srgbClr val="000000"/>
         </a:buClr>
         <a:buFont typeface="Arial"/>
-        <a:defRPr b="0" i="0" sz="1400" u="none" cap="none" strike="noStrike">
+        <a:defRPr sz="1400" b="0" i="0" u="none" strike="noStrike" cap="none">
           <a:solidFill>
             <a:srgbClr val="000000"/>
           </a:solidFill>
@@ -8933,7 +8858,7 @@
           <a:sym typeface="Arial"/>
         </a:defRPr>
       </a:lvl8pPr>
-      <a:lvl9pPr lvl="8" marR="0" rtl="0" algn="l">
+      <a:lvl9pPr marR="0" lvl="8" algn="l" rtl="0">
         <a:lnSpc>
           <a:spcPct val="100000"/>
         </a:lnSpc>
@@ -8947,7 +8872,7 @@
           <a:srgbClr val="000000"/>
         </a:buClr>
         <a:buFont typeface="Arial"/>
-        <a:defRPr b="0" i="0" sz="1400" u="none" cap="none" strike="noStrike">
+        <a:defRPr sz="1400" b="0" i="0" u="none" strike="noStrike" cap="none">
           <a:solidFill>
             <a:srgbClr val="000000"/>
           </a:solidFill>
@@ -8959,7 +8884,7 @@
       </a:lvl9pPr>
     </p:bodyStyle>
     <p:otherStyle>
-      <a:defPPr lvl="0" marR="0" rtl="0" algn="l">
+      <a:defPPr marR="0" lvl="0" algn="l" rtl="0">
         <a:lnSpc>
           <a:spcPct val="100000"/>
         </a:lnSpc>
@@ -8970,7 +8895,7 @@
           <a:spcPts val="0"/>
         </a:spcAft>
       </a:defPPr>
-      <a:lvl1pPr lvl="0" marR="0" rtl="0" algn="l">
+      <a:lvl1pPr marR="0" lvl="0" algn="l" rtl="0">
         <a:lnSpc>
           <a:spcPct val="100000"/>
         </a:lnSpc>
@@ -8984,7 +8909,7 @@
           <a:srgbClr val="000000"/>
         </a:buClr>
         <a:buFont typeface="Arial"/>
-        <a:defRPr b="0" i="0" sz="1400" u="none" cap="none" strike="noStrike">
+        <a:defRPr sz="1400" b="0" i="0" u="none" strike="noStrike" cap="none">
           <a:solidFill>
             <a:srgbClr val="000000"/>
           </a:solidFill>
@@ -8994,7 +8919,7 @@
           <a:sym typeface="Arial"/>
         </a:defRPr>
       </a:lvl1pPr>
-      <a:lvl2pPr lvl="1" marR="0" rtl="0" algn="l">
+      <a:lvl2pPr marR="0" lvl="1" algn="l" rtl="0">
         <a:lnSpc>
           <a:spcPct val="100000"/>
         </a:lnSpc>
@@ -9008,7 +8933,7 @@
           <a:srgbClr val="000000"/>
         </a:buClr>
         <a:buFont typeface="Arial"/>
-        <a:defRPr b="0" i="0" sz="1400" u="none" cap="none" strike="noStrike">
+        <a:defRPr sz="1400" b="0" i="0" u="none" strike="noStrike" cap="none">
           <a:solidFill>
             <a:srgbClr val="000000"/>
           </a:solidFill>
@@ -9018,7 +8943,7 @@
           <a:sym typeface="Arial"/>
         </a:defRPr>
       </a:lvl2pPr>
-      <a:lvl3pPr lvl="2" marR="0" rtl="0" algn="l">
+      <a:lvl3pPr marR="0" lvl="2" algn="l" rtl="0">
         <a:lnSpc>
           <a:spcPct val="100000"/>
         </a:lnSpc>
@@ -9032,7 +8957,7 @@
           <a:srgbClr val="000000"/>
         </a:buClr>
         <a:buFont typeface="Arial"/>
-        <a:defRPr b="0" i="0" sz="1400" u="none" cap="none" strike="noStrike">
+        <a:defRPr sz="1400" b="0" i="0" u="none" strike="noStrike" cap="none">
           <a:solidFill>
             <a:srgbClr val="000000"/>
           </a:solidFill>
@@ -9042,7 +8967,7 @@
           <a:sym typeface="Arial"/>
         </a:defRPr>
       </a:lvl3pPr>
-      <a:lvl4pPr lvl="3" marR="0" rtl="0" algn="l">
+      <a:lvl4pPr marR="0" lvl="3" algn="l" rtl="0">
         <a:lnSpc>
           <a:spcPct val="100000"/>
         </a:lnSpc>
@@ -9056,7 +8981,7 @@
           <a:srgbClr val="000000"/>
         </a:buClr>
         <a:buFont typeface="Arial"/>
-        <a:defRPr b="0" i="0" sz="1400" u="none" cap="none" strike="noStrike">
+        <a:defRPr sz="1400" b="0" i="0" u="none" strike="noStrike" cap="none">
           <a:solidFill>
             <a:srgbClr val="000000"/>
           </a:solidFill>
@@ -9066,7 +8991,7 @@
           <a:sym typeface="Arial"/>
         </a:defRPr>
       </a:lvl4pPr>
-      <a:lvl5pPr lvl="4" marR="0" rtl="0" algn="l">
+      <a:lvl5pPr marR="0" lvl="4" algn="l" rtl="0">
         <a:lnSpc>
           <a:spcPct val="100000"/>
         </a:lnSpc>
@@ -9080,7 +9005,7 @@
           <a:srgbClr val="000000"/>
         </a:buClr>
         <a:buFont typeface="Arial"/>
-        <a:defRPr b="0" i="0" sz="1400" u="none" cap="none" strike="noStrike">
+        <a:defRPr sz="1400" b="0" i="0" u="none" strike="noStrike" cap="none">
           <a:solidFill>
             <a:srgbClr val="000000"/>
           </a:solidFill>
@@ -9090,7 +9015,7 @@
           <a:sym typeface="Arial"/>
         </a:defRPr>
       </a:lvl5pPr>
-      <a:lvl6pPr lvl="5" marR="0" rtl="0" algn="l">
+      <a:lvl6pPr marR="0" lvl="5" algn="l" rtl="0">
         <a:lnSpc>
           <a:spcPct val="100000"/>
         </a:lnSpc>
@@ -9104,7 +9029,7 @@
           <a:srgbClr val="000000"/>
         </a:buClr>
         <a:buFont typeface="Arial"/>
-        <a:defRPr b="0" i="0" sz="1400" u="none" cap="none" strike="noStrike">
+        <a:defRPr sz="1400" b="0" i="0" u="none" strike="noStrike" cap="none">
           <a:solidFill>
             <a:srgbClr val="000000"/>
           </a:solidFill>
@@ -9114,7 +9039,7 @@
           <a:sym typeface="Arial"/>
         </a:defRPr>
       </a:lvl6pPr>
-      <a:lvl7pPr lvl="6" marR="0" rtl="0" algn="l">
+      <a:lvl7pPr marR="0" lvl="6" algn="l" rtl="0">
         <a:lnSpc>
           <a:spcPct val="100000"/>
         </a:lnSpc>
@@ -9128,7 +9053,7 @@
           <a:srgbClr val="000000"/>
         </a:buClr>
         <a:buFont typeface="Arial"/>
-        <a:defRPr b="0" i="0" sz="1400" u="none" cap="none" strike="noStrike">
+        <a:defRPr sz="1400" b="0" i="0" u="none" strike="noStrike" cap="none">
           <a:solidFill>
             <a:srgbClr val="000000"/>
           </a:solidFill>
@@ -9138,7 +9063,7 @@
           <a:sym typeface="Arial"/>
         </a:defRPr>
       </a:lvl7pPr>
-      <a:lvl8pPr lvl="7" marR="0" rtl="0" algn="l">
+      <a:lvl8pPr marR="0" lvl="7" algn="l" rtl="0">
         <a:lnSpc>
           <a:spcPct val="100000"/>
         </a:lnSpc>
@@ -9152,7 +9077,7 @@
           <a:srgbClr val="000000"/>
         </a:buClr>
         <a:buFont typeface="Arial"/>
-        <a:defRPr b="0" i="0" sz="1400" u="none" cap="none" strike="noStrike">
+        <a:defRPr sz="1400" b="0" i="0" u="none" strike="noStrike" cap="none">
           <a:solidFill>
             <a:srgbClr val="000000"/>
           </a:solidFill>
@@ -9162,7 +9087,7 @@
           <a:sym typeface="Arial"/>
         </a:defRPr>
       </a:lvl8pPr>
-      <a:lvl9pPr lvl="8" marR="0" rtl="0" algn="l">
+      <a:lvl9pPr marR="0" lvl="8" algn="l" rtl="0">
         <a:lnSpc>
           <a:spcPct val="100000"/>
         </a:lnSpc>
@@ -9176,7 +9101,7 @@
           <a:srgbClr val="000000"/>
         </a:buClr>
         <a:buFont typeface="Arial"/>
-        <a:defRPr b="0" i="0" sz="1400" u="none" cap="none" strike="noStrike">
+        <a:defRPr sz="1400" b="0" i="0" u="none" strike="noStrike" cap="none">
           <a:solidFill>
             <a:srgbClr val="000000"/>
           </a:solidFill>
@@ -9192,11 +9117,11 @@
 </file>
 
 <file path=ppt/slides/slide1.xml><?xml version="1.0" encoding="utf-8"?>
-<p:sld xmlns:a="http://schemas.openxmlformats.org/drawingml/2006/main" xmlns:r="http://schemas.openxmlformats.org/officeDocument/2006/relationships" xmlns:mc="http://schemas.openxmlformats.org/markup-compatibility/2006" xmlns:mv="urn:schemas-microsoft-com:mac:vml" xmlns:p="http://schemas.openxmlformats.org/presentationml/2006/main" xmlns:c="http://schemas.openxmlformats.org/drawingml/2006/chart" xmlns:dgm="http://schemas.openxmlformats.org/drawingml/2006/diagram" xmlns:o="urn:schemas-microsoft-com:office:office" xmlns:v="urn:schemas-microsoft-com:vml" xmlns:pvml="urn:schemas-microsoft-com:office:powerpoint" xmlns:com="http://schemas.openxmlformats.org/drawingml/2006/compatibility" xmlns:p14="http://schemas.microsoft.com/office/powerpoint/2010/main" xmlns:p15="http://schemas.microsoft.com/office/powerpoint/2012/main">
+<p:sld xmlns:a="http://schemas.openxmlformats.org/drawingml/2006/main" xmlns:r="http://schemas.openxmlformats.org/officeDocument/2006/relationships" xmlns:p="http://schemas.openxmlformats.org/presentationml/2006/main">
   <p:cSld>
     <p:spTree>
       <p:nvGrpSpPr>
-        <p:cNvPr id="133" name="Shape 133"/>
+        <p:cNvPr id="1" name="Shape 133"/>
         <p:cNvGrpSpPr/>
         <p:nvPr/>
       </p:nvGrpSpPr>
@@ -9228,12 +9153,12 @@
           </a:ln>
         </p:spPr>
         <p:txBody>
-          <a:bodyPr anchorCtr="0" anchor="t" bIns="91425" lIns="91425" spcFirstLastPara="1" rIns="91425" wrap="square" tIns="91425">
+          <a:bodyPr spcFirstLastPara="1" wrap="square" lIns="91425" tIns="91425" rIns="91425" bIns="91425" anchor="t" anchorCtr="0">
             <a:noAutofit/>
           </a:bodyPr>
           <a:lstStyle/>
           <a:p>
-            <a:pPr indent="0" lvl="0" marL="0" rtl="0" algn="ctr">
+            <a:pPr marL="0" lvl="0" indent="0" algn="ctr" rtl="0">
               <a:spcBef>
                 <a:spcPts val="0"/>
               </a:spcBef>
@@ -9243,7 +9168,7 @@
               <a:buNone/>
             </a:pPr>
             <a:r>
-              <a:rPr b="1" lang="en" sz="3000">
+              <a:rPr lang="en" sz="3000" b="1">
                 <a:solidFill>
                   <a:srgbClr val="FFFFFF"/>
                 </a:solidFill>
@@ -9254,7 +9179,7 @@
               </a:rPr>
               <a:t>Team 6</a:t>
             </a:r>
-            <a:endParaRPr b="1" sz="3000">
+            <a:endParaRPr sz="3000" b="1">
               <a:solidFill>
                 <a:srgbClr val="FFFFFF"/>
               </a:solidFill>
@@ -9265,7 +9190,7 @@
             </a:endParaRPr>
           </a:p>
           <a:p>
-            <a:pPr indent="0" lvl="0" marL="0" rtl="0" algn="ctr">
+            <a:pPr marL="0" lvl="0" indent="0" algn="ctr" rtl="0">
               <a:spcBef>
                 <a:spcPts val="0"/>
               </a:spcBef>
@@ -9274,10 +9199,7 @@
               </a:spcAft>
               <a:buNone/>
             </a:pPr>
-            <a:r>
-              <a:t/>
-            </a:r>
-            <a:endParaRPr b="1" sz="3000">
+            <a:endParaRPr sz="3000" b="1">
               <a:solidFill>
                 <a:srgbClr val="FFFFFF"/>
               </a:solidFill>
@@ -9288,7 +9210,7 @@
             </a:endParaRPr>
           </a:p>
           <a:p>
-            <a:pPr indent="0" lvl="0" marL="0" rtl="0" algn="ctr">
+            <a:pPr marL="0" lvl="0" indent="0" algn="ctr" rtl="0">
               <a:spcBef>
                 <a:spcPts val="0"/>
               </a:spcBef>
@@ -9297,10 +9219,7 @@
               </a:spcAft>
               <a:buNone/>
             </a:pPr>
-            <a:r>
-              <a:t/>
-            </a:r>
-            <a:endParaRPr b="1" sz="3000">
+            <a:endParaRPr sz="3000" b="1">
               <a:solidFill>
                 <a:srgbClr val="FFFFFF"/>
               </a:solidFill>
@@ -9311,7 +9230,7 @@
             </a:endParaRPr>
           </a:p>
           <a:p>
-            <a:pPr indent="0" lvl="0" marL="0" rtl="0" algn="ctr">
+            <a:pPr marL="0" lvl="0" indent="0" algn="ctr" rtl="0">
               <a:spcBef>
                 <a:spcPts val="0"/>
               </a:spcBef>
@@ -9321,7 +9240,7 @@
               <a:buNone/>
             </a:pPr>
             <a:r>
-              <a:rPr b="1" lang="en" sz="3000">
+              <a:rPr lang="en" sz="3000" b="1">
                 <a:solidFill>
                   <a:srgbClr val="FFFFFF"/>
                 </a:solidFill>
@@ -9332,7 +9251,7 @@
               </a:rPr>
               <a:t>Project StarDust</a:t>
             </a:r>
-            <a:endParaRPr b="1" sz="3000">
+            <a:endParaRPr sz="3000" b="1">
               <a:solidFill>
                 <a:srgbClr val="FFFFFF"/>
               </a:solidFill>
@@ -9353,11 +9272,11 @@
 </file>
 
 <file path=ppt/slides/slide2.xml><?xml version="1.0" encoding="utf-8"?>
-<p:sld xmlns:a="http://schemas.openxmlformats.org/drawingml/2006/main" xmlns:r="http://schemas.openxmlformats.org/officeDocument/2006/relationships" xmlns:mc="http://schemas.openxmlformats.org/markup-compatibility/2006" xmlns:mv="urn:schemas-microsoft-com:mac:vml" xmlns:p="http://schemas.openxmlformats.org/presentationml/2006/main" xmlns:c="http://schemas.openxmlformats.org/drawingml/2006/chart" xmlns:dgm="http://schemas.openxmlformats.org/drawingml/2006/diagram" xmlns:o="urn:schemas-microsoft-com:office:office" xmlns:v="urn:schemas-microsoft-com:vml" xmlns:pvml="urn:schemas-microsoft-com:office:powerpoint" xmlns:com="http://schemas.openxmlformats.org/drawingml/2006/compatibility" xmlns:p14="http://schemas.microsoft.com/office/powerpoint/2010/main" xmlns:p15="http://schemas.microsoft.com/office/powerpoint/2012/main">
+<p:sld xmlns:a="http://schemas.openxmlformats.org/drawingml/2006/main" xmlns:r="http://schemas.openxmlformats.org/officeDocument/2006/relationships" xmlns:p="http://schemas.openxmlformats.org/presentationml/2006/main">
   <p:cSld>
     <p:spTree>
       <p:nvGrpSpPr>
-        <p:cNvPr id="138" name="Shape 138"/>
+        <p:cNvPr id="1" name="Shape 138"/>
         <p:cNvGrpSpPr/>
         <p:nvPr/>
       </p:nvGrpSpPr>
@@ -9389,12 +9308,12 @@
           </a:ln>
         </p:spPr>
         <p:txBody>
-          <a:bodyPr anchorCtr="0" anchor="t" bIns="91425" lIns="91425" spcFirstLastPara="1" rIns="91425" wrap="square" tIns="91425">
+          <a:bodyPr spcFirstLastPara="1" wrap="square" lIns="91425" tIns="91425" rIns="91425" bIns="91425" anchor="t" anchorCtr="0">
             <a:noAutofit/>
           </a:bodyPr>
           <a:lstStyle/>
           <a:p>
-            <a:pPr indent="0" lvl="0" marL="0" rtl="0" algn="l">
+            <a:pPr marL="0" lvl="0" indent="0" algn="l" rtl="0">
               <a:spcBef>
                 <a:spcPts val="0"/>
               </a:spcBef>
@@ -9442,23 +9361,23 @@
             <a:avLst/>
           </a:prstGeom>
           <a:noFill/>
-          <a:ln cap="flat" cmpd="sng" w="9525">
+          <a:ln w="9525" cap="flat" cmpd="sng">
             <a:solidFill>
               <a:srgbClr val="FFFFFF"/>
             </a:solidFill>
             <a:prstDash val="solid"/>
             <a:round/>
-            <a:headEnd len="sm" w="sm" type="none"/>
-            <a:tailEnd len="sm" w="sm" type="none"/>
+            <a:headEnd type="none" w="sm" len="sm"/>
+            <a:tailEnd type="none" w="sm" len="sm"/>
           </a:ln>
         </p:spPr>
         <p:txBody>
-          <a:bodyPr anchorCtr="0" anchor="t" bIns="91425" lIns="91425" spcFirstLastPara="1" rIns="91425" wrap="square" tIns="91425">
+          <a:bodyPr spcFirstLastPara="1" wrap="square" lIns="91425" tIns="91425" rIns="91425" bIns="91425" anchor="t" anchorCtr="0">
             <a:noAutofit/>
           </a:bodyPr>
           <a:lstStyle/>
           <a:p>
-            <a:pPr indent="0" lvl="0" marL="0" rtl="0" algn="ctr">
+            <a:pPr marL="0" lvl="0" indent="0" algn="ctr" rtl="0">
               <a:spcBef>
                 <a:spcPts val="0"/>
               </a:spcBef>
@@ -9490,7 +9409,7 @@
             </a:endParaRPr>
           </a:p>
           <a:p>
-            <a:pPr indent="0" lvl="0" marL="0" rtl="0" algn="ctr">
+            <a:pPr marL="0" lvl="0" indent="0" algn="ctr" rtl="0">
               <a:spcBef>
                 <a:spcPts val="0"/>
               </a:spcBef>
@@ -9499,9 +9418,6 @@
               </a:spcAft>
               <a:buNone/>
             </a:pPr>
-            <a:r>
-              <a:t/>
-            </a:r>
             <a:endParaRPr u="sng">
               <a:solidFill>
                 <a:srgbClr val="FFFFFF"/>
@@ -9513,7 +9429,7 @@
             </a:endParaRPr>
           </a:p>
           <a:p>
-            <a:pPr indent="0" lvl="0" marL="0" rtl="0" algn="ctr">
+            <a:pPr marL="0" lvl="0" indent="0" algn="ctr" rtl="0">
               <a:spcBef>
                 <a:spcPts val="0"/>
               </a:spcBef>
@@ -9545,7 +9461,7 @@
             </a:endParaRPr>
           </a:p>
           <a:p>
-            <a:pPr indent="0" lvl="0" marL="0" rtl="0" algn="ctr">
+            <a:pPr marL="0" lvl="0" indent="0" algn="ctr" rtl="0">
               <a:spcBef>
                 <a:spcPts val="0"/>
               </a:spcBef>
@@ -9554,9 +9470,6 @@
               </a:spcAft>
               <a:buNone/>
             </a:pPr>
-            <a:r>
-              <a:t/>
-            </a:r>
             <a:endParaRPr sz="1800">
               <a:solidFill>
                 <a:srgbClr val="FFFFFF"/>
@@ -9568,7 +9481,7 @@
             </a:endParaRPr>
           </a:p>
           <a:p>
-            <a:pPr indent="0" lvl="0" marL="0" rtl="0" algn="ctr">
+            <a:pPr marL="0" lvl="0" indent="0" algn="ctr" rtl="0">
               <a:spcBef>
                 <a:spcPts val="0"/>
               </a:spcBef>
@@ -9600,7 +9513,7 @@
             </a:endParaRPr>
           </a:p>
           <a:p>
-            <a:pPr indent="0" lvl="0" marL="0" rtl="0" algn="ctr">
+            <a:pPr marL="0" lvl="0" indent="0" algn="ctr" rtl="0">
               <a:spcBef>
                 <a:spcPts val="0"/>
               </a:spcBef>
@@ -9609,9 +9522,6 @@
               </a:spcAft>
               <a:buNone/>
             </a:pPr>
-            <a:r>
-              <a:t/>
-            </a:r>
             <a:endParaRPr sz="1800">
               <a:solidFill>
                 <a:srgbClr val="FFFFFF"/>
@@ -9623,7 +9533,7 @@
             </a:endParaRPr>
           </a:p>
           <a:p>
-            <a:pPr indent="0" lvl="0" marL="0" rtl="0" algn="ctr">
+            <a:pPr marL="0" lvl="0" indent="0" algn="ctr" rtl="0">
               <a:spcBef>
                 <a:spcPts val="0"/>
               </a:spcBef>
@@ -9671,23 +9581,23 @@
             <a:avLst/>
           </a:prstGeom>
           <a:noFill/>
-          <a:ln cap="flat" cmpd="sng" w="9525">
+          <a:ln w="9525" cap="flat" cmpd="sng">
             <a:solidFill>
               <a:srgbClr val="FFFFFF"/>
             </a:solidFill>
             <a:prstDash val="solid"/>
             <a:round/>
-            <a:headEnd len="sm" w="sm" type="none"/>
-            <a:tailEnd len="sm" w="sm" type="none"/>
+            <a:headEnd type="none" w="sm" len="sm"/>
+            <a:tailEnd type="none" w="sm" len="sm"/>
           </a:ln>
         </p:spPr>
         <p:txBody>
-          <a:bodyPr anchorCtr="0" anchor="t" bIns="91425" lIns="91425" spcFirstLastPara="1" rIns="91425" wrap="square" tIns="91425">
+          <a:bodyPr spcFirstLastPara="1" wrap="square" lIns="91425" tIns="91425" rIns="91425" bIns="91425" anchor="t" anchorCtr="0">
             <a:noAutofit/>
           </a:bodyPr>
           <a:lstStyle/>
           <a:p>
-            <a:pPr indent="0" lvl="0" marL="0" rtl="0" algn="ctr">
+            <a:pPr marL="0" lvl="0" indent="0" algn="ctr" rtl="0">
               <a:spcBef>
                 <a:spcPts val="0"/>
               </a:spcBef>
@@ -9719,7 +9629,7 @@
             </a:endParaRPr>
           </a:p>
           <a:p>
-            <a:pPr indent="0" lvl="0" marL="0" rtl="0" algn="ctr">
+            <a:pPr marL="0" lvl="0" indent="0" algn="ctr" rtl="0">
               <a:spcBef>
                 <a:spcPts val="0"/>
               </a:spcBef>
@@ -9728,9 +9638,6 @@
               </a:spcAft>
               <a:buNone/>
             </a:pPr>
-            <a:r>
-              <a:t/>
-            </a:r>
             <a:endParaRPr u="sng">
               <a:solidFill>
                 <a:srgbClr val="FFFFFF"/>
@@ -9742,7 +9649,7 @@
             </a:endParaRPr>
           </a:p>
           <a:p>
-            <a:pPr indent="0" lvl="0" marL="0" rtl="0" algn="ctr">
+            <a:pPr marL="0" lvl="0" indent="0" algn="ctr" rtl="0">
               <a:spcBef>
                 <a:spcPts val="0"/>
               </a:spcBef>
@@ -9774,7 +9681,7 @@
             </a:endParaRPr>
           </a:p>
           <a:p>
-            <a:pPr indent="0" lvl="0" marL="0" rtl="0" algn="ctr">
+            <a:pPr marL="0" lvl="0" indent="0" algn="ctr" rtl="0">
               <a:spcBef>
                 <a:spcPts val="0"/>
               </a:spcBef>
@@ -9783,9 +9690,6 @@
               </a:spcAft>
               <a:buNone/>
             </a:pPr>
-            <a:r>
-              <a:t/>
-            </a:r>
             <a:endParaRPr sz="1800">
               <a:solidFill>
                 <a:srgbClr val="FFFFFF"/>
@@ -9797,7 +9701,7 @@
             </a:endParaRPr>
           </a:p>
           <a:p>
-            <a:pPr indent="0" lvl="0" marL="0" rtl="0" algn="ctr">
+            <a:pPr marL="0" lvl="0" indent="0" algn="ctr" rtl="0">
               <a:spcBef>
                 <a:spcPts val="0"/>
               </a:spcBef>
@@ -9829,7 +9733,7 @@
             </a:endParaRPr>
           </a:p>
           <a:p>
-            <a:pPr indent="0" lvl="0" marL="0" rtl="0" algn="ctr">
+            <a:pPr marL="0" lvl="0" indent="0" algn="ctr" rtl="0">
               <a:spcBef>
                 <a:spcPts val="0"/>
               </a:spcBef>
@@ -9838,9 +9742,6 @@
               </a:spcAft>
               <a:buNone/>
             </a:pPr>
-            <a:r>
-              <a:t/>
-            </a:r>
             <a:endParaRPr sz="1800">
               <a:solidFill>
                 <a:srgbClr val="FFFFFF"/>
@@ -9852,7 +9753,7 @@
             </a:endParaRPr>
           </a:p>
           <a:p>
-            <a:pPr indent="0" lvl="0" marL="0" rtl="0" algn="ctr">
+            <a:pPr marL="0" lvl="0" indent="0" algn="ctr" rtl="0">
               <a:spcBef>
                 <a:spcPts val="0"/>
               </a:spcBef>
@@ -9894,11 +9795,11 @@
 </file>
 
 <file path=ppt/slides/slide3.xml><?xml version="1.0" encoding="utf-8"?>
-<p:sld xmlns:a="http://schemas.openxmlformats.org/drawingml/2006/main" xmlns:r="http://schemas.openxmlformats.org/officeDocument/2006/relationships" xmlns:mc="http://schemas.openxmlformats.org/markup-compatibility/2006" xmlns:mv="urn:schemas-microsoft-com:mac:vml" xmlns:p="http://schemas.openxmlformats.org/presentationml/2006/main" xmlns:c="http://schemas.openxmlformats.org/drawingml/2006/chart" xmlns:dgm="http://schemas.openxmlformats.org/drawingml/2006/diagram" xmlns:o="urn:schemas-microsoft-com:office:office" xmlns:v="urn:schemas-microsoft-com:vml" xmlns:pvml="urn:schemas-microsoft-com:office:powerpoint" xmlns:com="http://schemas.openxmlformats.org/drawingml/2006/compatibility" xmlns:p14="http://schemas.microsoft.com/office/powerpoint/2010/main" xmlns:p15="http://schemas.microsoft.com/office/powerpoint/2012/main">
+<p:sld xmlns:a="http://schemas.openxmlformats.org/drawingml/2006/main" xmlns:r="http://schemas.openxmlformats.org/officeDocument/2006/relationships" xmlns:p="http://schemas.openxmlformats.org/presentationml/2006/main">
   <p:cSld>
     <p:spTree>
       <p:nvGrpSpPr>
-        <p:cNvPr id="145" name="Shape 145"/>
+        <p:cNvPr id="1" name="Shape 138"/>
         <p:cNvGrpSpPr/>
         <p:nvPr/>
       </p:nvGrpSpPr>
@@ -9910,7 +9811,487 @@
           <a:chExt cx="0" cy="0"/>
         </a:xfrm>
       </p:grpSpPr>
+      <p:sp>
+        <p:nvSpPr>
+          <p:cNvPr id="139" name="Google Shape;139;p14"/>
+          <p:cNvSpPr txBox="1"/>
+          <p:nvPr/>
+        </p:nvSpPr>
+        <p:spPr>
+          <a:xfrm>
+            <a:off x="2518970" y="469138"/>
+            <a:ext cx="4064100" cy="474000"/>
+          </a:xfrm>
+          <a:prstGeom prst="rect">
+            <a:avLst/>
+          </a:prstGeom>
+          <a:noFill/>
+          <a:ln>
+            <a:noFill/>
+          </a:ln>
+        </p:spPr>
+        <p:txBody>
+          <a:bodyPr spcFirstLastPara="1" wrap="square" lIns="91425" tIns="91425" rIns="91425" bIns="91425" anchor="t" anchorCtr="0">
+            <a:noAutofit/>
+          </a:bodyPr>
+          <a:lstStyle/>
+          <a:p>
+            <a:pPr marL="0" lvl="0" indent="0" algn="ctr" rtl="0">
+              <a:spcBef>
+                <a:spcPts val="0"/>
+              </a:spcBef>
+              <a:spcAft>
+                <a:spcPts val="0"/>
+              </a:spcAft>
+              <a:buNone/>
+            </a:pPr>
+            <a:r>
+              <a:rPr lang="en" sz="3000" dirty="0">
+                <a:solidFill>
+                  <a:srgbClr val="FFFFFF"/>
+                </a:solidFill>
+                <a:latin typeface="Spectral"/>
+                <a:ea typeface="Spectral"/>
+                <a:cs typeface="Spectral"/>
+                <a:sym typeface="Spectral"/>
+              </a:rPr>
+              <a:t>Session 1</a:t>
+            </a:r>
+            <a:endParaRPr sz="3000" dirty="0">
+              <a:solidFill>
+                <a:srgbClr val="FFFFFF"/>
+              </a:solidFill>
+              <a:latin typeface="Spectral"/>
+              <a:ea typeface="Spectral"/>
+              <a:cs typeface="Spectral"/>
+              <a:sym typeface="Spectral"/>
+            </a:endParaRPr>
+          </a:p>
+        </p:txBody>
+      </p:sp>
+      <p:sp>
+        <p:nvSpPr>
+          <p:cNvPr id="140" name="Google Shape;140;p14"/>
+          <p:cNvSpPr txBox="1"/>
+          <p:nvPr/>
+        </p:nvSpPr>
+        <p:spPr>
+          <a:xfrm>
+            <a:off x="4587831" y="1086550"/>
+            <a:ext cx="2688300" cy="3880500"/>
+          </a:xfrm>
+          <a:prstGeom prst="rect">
+            <a:avLst/>
+          </a:prstGeom>
+          <a:noFill/>
+          <a:ln w="9525" cap="flat" cmpd="sng">
+            <a:solidFill>
+              <a:srgbClr val="FFFFFF"/>
+            </a:solidFill>
+            <a:prstDash val="solid"/>
+            <a:round/>
+            <a:headEnd type="none" w="sm" len="sm"/>
+            <a:tailEnd type="none" w="sm" len="sm"/>
+          </a:ln>
+        </p:spPr>
+        <p:txBody>
+          <a:bodyPr spcFirstLastPara="1" wrap="square" lIns="91425" tIns="91425" rIns="91425" bIns="91425" anchor="t" anchorCtr="0">
+            <a:noAutofit/>
+          </a:bodyPr>
+          <a:lstStyle/>
+          <a:p>
+            <a:pPr marL="0" lvl="0" indent="0" algn="ctr" rtl="0">
+              <a:spcBef>
+                <a:spcPts val="0"/>
+              </a:spcBef>
+              <a:spcAft>
+                <a:spcPts val="0"/>
+              </a:spcAft>
+              <a:buNone/>
+            </a:pPr>
+            <a:r>
+              <a:rPr lang="en" u="sng" dirty="0">
+                <a:solidFill>
+                  <a:srgbClr val="FFFFFF"/>
+                </a:solidFill>
+                <a:latin typeface="Lato"/>
+                <a:ea typeface="Lato"/>
+                <a:cs typeface="Lato"/>
+                <a:sym typeface="Lato"/>
+              </a:rPr>
+              <a:t>Nathan and Alexis</a:t>
+            </a:r>
+            <a:endParaRPr u="sng" dirty="0">
+              <a:solidFill>
+                <a:srgbClr val="FFFFFF"/>
+              </a:solidFill>
+              <a:latin typeface="Lato"/>
+              <a:ea typeface="Lato"/>
+              <a:cs typeface="Lato"/>
+              <a:sym typeface="Lato"/>
+            </a:endParaRPr>
+          </a:p>
+          <a:p>
+            <a:pPr marL="0" lvl="0" indent="0" algn="ctr" rtl="0">
+              <a:spcBef>
+                <a:spcPts val="0"/>
+              </a:spcBef>
+              <a:spcAft>
+                <a:spcPts val="0"/>
+              </a:spcAft>
+              <a:buNone/>
+            </a:pPr>
+            <a:endParaRPr sz="1800" dirty="0">
+              <a:solidFill>
+                <a:srgbClr val="FFFFFF"/>
+              </a:solidFill>
+              <a:latin typeface="Lato"/>
+              <a:ea typeface="Lato"/>
+              <a:cs typeface="Lato"/>
+              <a:sym typeface="Lato"/>
+            </a:endParaRPr>
+          </a:p>
+          <a:p>
+            <a:pPr marL="0" lvl="0" indent="0" algn="ctr" rtl="0">
+              <a:spcBef>
+                <a:spcPts val="0"/>
+              </a:spcBef>
+              <a:spcAft>
+                <a:spcPts val="0"/>
+              </a:spcAft>
+              <a:buNone/>
+            </a:pPr>
+            <a:r>
+              <a:rPr lang="en-US" sz="1800" dirty="0">
+                <a:solidFill>
+                  <a:srgbClr val="FFFFFF"/>
+                </a:solidFill>
+                <a:latin typeface="Lato"/>
+                <a:ea typeface="Lato"/>
+                <a:cs typeface="Lato"/>
+                <a:sym typeface="Lato"/>
+              </a:rPr>
+              <a:t>Finished Visuals in CSS</a:t>
+            </a:r>
+            <a:endParaRPr sz="1800" dirty="0">
+              <a:solidFill>
+                <a:srgbClr val="FFFFFF"/>
+              </a:solidFill>
+              <a:latin typeface="Lato"/>
+              <a:ea typeface="Lato"/>
+              <a:cs typeface="Lato"/>
+              <a:sym typeface="Lato"/>
+            </a:endParaRPr>
+          </a:p>
+          <a:p>
+            <a:pPr marL="0" lvl="0" indent="0" algn="ctr" rtl="0">
+              <a:spcBef>
+                <a:spcPts val="0"/>
+              </a:spcBef>
+              <a:spcAft>
+                <a:spcPts val="0"/>
+              </a:spcAft>
+              <a:buNone/>
+            </a:pPr>
+            <a:endParaRPr sz="1800" dirty="0">
+              <a:solidFill>
+                <a:srgbClr val="FFFFFF"/>
+              </a:solidFill>
+              <a:latin typeface="Lato"/>
+              <a:ea typeface="Lato"/>
+              <a:cs typeface="Lato"/>
+              <a:sym typeface="Lato"/>
+            </a:endParaRPr>
+          </a:p>
+          <a:p>
+            <a:pPr marL="0" lvl="0" indent="0" algn="ctr" rtl="0">
+              <a:spcBef>
+                <a:spcPts val="0"/>
+              </a:spcBef>
+              <a:spcAft>
+                <a:spcPts val="0"/>
+              </a:spcAft>
+              <a:buNone/>
+            </a:pPr>
+            <a:r>
+              <a:rPr lang="en-US" sz="1800" dirty="0">
+                <a:solidFill>
+                  <a:srgbClr val="FFFFFF"/>
+                </a:solidFill>
+                <a:latin typeface="Lato"/>
+                <a:ea typeface="Lato"/>
+                <a:cs typeface="Lato"/>
+                <a:sym typeface="Lato"/>
+              </a:rPr>
+              <a:t>Almost completed slide out shop menu</a:t>
+            </a:r>
+            <a:endParaRPr sz="1800" dirty="0">
+              <a:solidFill>
+                <a:srgbClr val="FFFFFF"/>
+              </a:solidFill>
+              <a:latin typeface="Lato"/>
+              <a:ea typeface="Lato"/>
+              <a:cs typeface="Lato"/>
+              <a:sym typeface="Lato"/>
+            </a:endParaRPr>
+          </a:p>
+        </p:txBody>
+      </p:sp>
+      <p:sp>
+        <p:nvSpPr>
+          <p:cNvPr id="141" name="Google Shape;141;p14"/>
+          <p:cNvSpPr txBox="1"/>
+          <p:nvPr/>
+        </p:nvSpPr>
+        <p:spPr>
+          <a:xfrm>
+            <a:off x="1862720" y="1086550"/>
+            <a:ext cx="2688300" cy="3880500"/>
+          </a:xfrm>
+          <a:prstGeom prst="rect">
+            <a:avLst/>
+          </a:prstGeom>
+          <a:noFill/>
+          <a:ln w="9525" cap="flat" cmpd="sng">
+            <a:solidFill>
+              <a:srgbClr val="FFFFFF"/>
+            </a:solidFill>
+            <a:prstDash val="solid"/>
+            <a:round/>
+            <a:headEnd type="none" w="sm" len="sm"/>
+            <a:tailEnd type="none" w="sm" len="sm"/>
+          </a:ln>
+        </p:spPr>
+        <p:txBody>
+          <a:bodyPr spcFirstLastPara="1" wrap="square" lIns="91425" tIns="91425" rIns="91425" bIns="91425" anchor="t" anchorCtr="0">
+            <a:noAutofit/>
+          </a:bodyPr>
+          <a:lstStyle/>
+          <a:p>
+            <a:pPr marL="0" lvl="0" indent="0" algn="ctr" rtl="0">
+              <a:spcBef>
+                <a:spcPts val="0"/>
+              </a:spcBef>
+              <a:spcAft>
+                <a:spcPts val="0"/>
+              </a:spcAft>
+              <a:buNone/>
+            </a:pPr>
+            <a:r>
+              <a:rPr lang="en" u="sng" dirty="0">
+                <a:solidFill>
+                  <a:srgbClr val="FFFFFF"/>
+                </a:solidFill>
+                <a:latin typeface="Lato"/>
+                <a:ea typeface="Lato"/>
+                <a:cs typeface="Lato"/>
+                <a:sym typeface="Lato"/>
+              </a:rPr>
+              <a:t>Kevin and Lawrence</a:t>
+            </a:r>
+            <a:endParaRPr u="sng" dirty="0">
+              <a:solidFill>
+                <a:srgbClr val="FFFFFF"/>
+              </a:solidFill>
+              <a:latin typeface="Lato"/>
+              <a:ea typeface="Lato"/>
+              <a:cs typeface="Lato"/>
+              <a:sym typeface="Lato"/>
+            </a:endParaRPr>
+          </a:p>
+          <a:p>
+            <a:pPr marL="0" lvl="0" indent="0" algn="ctr" rtl="0">
+              <a:spcBef>
+                <a:spcPts val="0"/>
+              </a:spcBef>
+              <a:spcAft>
+                <a:spcPts val="0"/>
+              </a:spcAft>
+              <a:buNone/>
+            </a:pPr>
+            <a:endParaRPr u="sng" dirty="0">
+              <a:solidFill>
+                <a:srgbClr val="FFFFFF"/>
+              </a:solidFill>
+              <a:latin typeface="Lato"/>
+              <a:ea typeface="Lato"/>
+              <a:cs typeface="Lato"/>
+              <a:sym typeface="Lato"/>
+            </a:endParaRPr>
+          </a:p>
+          <a:p>
+            <a:pPr marL="0" lvl="0" indent="0" algn="ctr" rtl="0">
+              <a:spcBef>
+                <a:spcPts val="0"/>
+              </a:spcBef>
+              <a:spcAft>
+                <a:spcPts val="0"/>
+              </a:spcAft>
+              <a:buNone/>
+            </a:pPr>
+            <a:r>
+              <a:rPr lang="en-US" sz="1800" dirty="0">
+                <a:solidFill>
+                  <a:srgbClr val="FFFFFF"/>
+                </a:solidFill>
+                <a:latin typeface="Lato"/>
+                <a:ea typeface="Lato"/>
+                <a:cs typeface="Lato"/>
+                <a:sym typeface="Lato"/>
+              </a:rPr>
+              <a:t>Linked Login Page and Game Page</a:t>
+            </a:r>
+          </a:p>
+          <a:p>
+            <a:pPr marL="0" lvl="0" indent="0" algn="ctr" rtl="0">
+              <a:spcBef>
+                <a:spcPts val="0"/>
+              </a:spcBef>
+              <a:spcAft>
+                <a:spcPts val="0"/>
+              </a:spcAft>
+              <a:buNone/>
+            </a:pPr>
+            <a:endParaRPr lang="en-US" sz="1800" dirty="0">
+              <a:solidFill>
+                <a:srgbClr val="FFFFFF"/>
+              </a:solidFill>
+              <a:latin typeface="Lato"/>
+              <a:ea typeface="Lato"/>
+              <a:cs typeface="Lato"/>
+              <a:sym typeface="Lato"/>
+            </a:endParaRPr>
+          </a:p>
+          <a:p>
+            <a:pPr marL="0" lvl="0" indent="0" algn="ctr" rtl="0">
+              <a:spcBef>
+                <a:spcPts val="0"/>
+              </a:spcBef>
+              <a:spcAft>
+                <a:spcPts val="0"/>
+              </a:spcAft>
+              <a:buNone/>
+            </a:pPr>
+            <a:r>
+              <a:rPr lang="en-US" sz="1800" dirty="0">
+                <a:solidFill>
+                  <a:srgbClr val="FFFFFF"/>
+                </a:solidFill>
+                <a:latin typeface="Lato"/>
+                <a:ea typeface="Lato"/>
+                <a:cs typeface="Lato"/>
+                <a:sym typeface="Lato"/>
+              </a:rPr>
+              <a:t>Rewriting JavaScript to balance game and be more efficient</a:t>
+            </a:r>
+            <a:endParaRPr sz="1800" dirty="0">
+              <a:solidFill>
+                <a:srgbClr val="FFFFFF"/>
+              </a:solidFill>
+              <a:latin typeface="Lato"/>
+              <a:ea typeface="Lato"/>
+              <a:cs typeface="Lato"/>
+              <a:sym typeface="Lato"/>
+            </a:endParaRPr>
+          </a:p>
+        </p:txBody>
+      </p:sp>
+      <p:pic>
+        <p:nvPicPr>
+          <p:cNvPr id="2" name="Picture 1">
+            <a:extLst>
+              <a:ext uri="{FF2B5EF4-FFF2-40B4-BE49-F238E27FC236}">
+                <a16:creationId xmlns:a16="http://schemas.microsoft.com/office/drawing/2014/main" id="{45A900F1-B9F0-4683-8CAA-4E31CE0E384D}"/>
+              </a:ext>
+            </a:extLst>
+          </p:cNvPr>
+          <p:cNvPicPr>
+            <a:picLocks noChangeAspect="1"/>
+          </p:cNvPicPr>
+          <p:nvPr/>
+        </p:nvPicPr>
+        <p:blipFill>
+          <a:blip r:embed="rId3"/>
+          <a:stretch>
+            <a:fillRect/>
+          </a:stretch>
+        </p:blipFill>
+        <p:spPr>
+          <a:xfrm>
+            <a:off x="453239" y="1416322"/>
+            <a:ext cx="1372670" cy="3554777"/>
+          </a:xfrm>
+          <a:prstGeom prst="rect">
+            <a:avLst/>
+          </a:prstGeom>
+        </p:spPr>
+      </p:pic>
+      <p:pic>
+        <p:nvPicPr>
+          <p:cNvPr id="3" name="Picture 2">
+            <a:extLst>
+              <a:ext uri="{FF2B5EF4-FFF2-40B4-BE49-F238E27FC236}">
+                <a16:creationId xmlns:a16="http://schemas.microsoft.com/office/drawing/2014/main" id="{ADC2A715-B110-4795-838B-3A69FAA74BEB}"/>
+              </a:ext>
+            </a:extLst>
+          </p:cNvPr>
+          <p:cNvPicPr>
+            <a:picLocks noChangeAspect="1"/>
+          </p:cNvPicPr>
+          <p:nvPr/>
+        </p:nvPicPr>
+        <p:blipFill>
+          <a:blip r:embed="rId4"/>
+          <a:stretch>
+            <a:fillRect/>
+          </a:stretch>
+        </p:blipFill>
+        <p:spPr>
+          <a:xfrm>
+            <a:off x="8241423" y="1418282"/>
+            <a:ext cx="902577" cy="3548768"/>
+          </a:xfrm>
+          <a:prstGeom prst="rect">
+            <a:avLst/>
+          </a:prstGeom>
+        </p:spPr>
+      </p:pic>
+      <p:pic>
+        <p:nvPicPr>
+          <p:cNvPr id="4" name="Picture 3">
+            <a:extLst>
+              <a:ext uri="{FF2B5EF4-FFF2-40B4-BE49-F238E27FC236}">
+                <a16:creationId xmlns:a16="http://schemas.microsoft.com/office/drawing/2014/main" id="{FA2622D4-AA12-4140-8351-6219B5E6A013}"/>
+              </a:ext>
+            </a:extLst>
+          </p:cNvPr>
+          <p:cNvPicPr>
+            <a:picLocks noChangeAspect="1"/>
+          </p:cNvPicPr>
+          <p:nvPr/>
+        </p:nvPicPr>
+        <p:blipFill>
+          <a:blip r:embed="rId5"/>
+          <a:stretch>
+            <a:fillRect/>
+          </a:stretch>
+        </p:blipFill>
+        <p:spPr>
+          <a:xfrm>
+            <a:off x="7281280" y="1416322"/>
+            <a:ext cx="954994" cy="3550728"/>
+          </a:xfrm>
+          <a:prstGeom prst="rect">
+            <a:avLst/>
+          </a:prstGeom>
+        </p:spPr>
+      </p:pic>
     </p:spTree>
+    <p:extLst>
+      <p:ext uri="{BB962C8B-B14F-4D97-AF65-F5344CB8AC3E}">
+        <p14:creationId xmlns:p14="http://schemas.microsoft.com/office/powerpoint/2010/main" val="2207426937"/>
+      </p:ext>
+    </p:extLst>
   </p:cSld>
   <p:clrMapOvr>
     <a:masterClrMapping/>
@@ -9919,7 +10300,7 @@
 </file>
 
 <file path=ppt/theme/theme1.xml><?xml version="1.0" encoding="utf-8"?>
-<a:theme xmlns:a="http://schemas.openxmlformats.org/drawingml/2006/main" xmlns:r="http://schemas.openxmlformats.org/officeDocument/2006/relationships" name="Focus">
+<a:theme xmlns:a="http://schemas.openxmlformats.org/drawingml/2006/main" name="Focus">
   <a:themeElements>
     <a:clrScheme name="Focus">
       <a:dk1>
@@ -10194,11 +10575,13 @@
       </a:bgFillStyleLst>
     </a:fmtScheme>
   </a:themeElements>
+  <a:objectDefaults/>
+  <a:extraClrSchemeLst/>
 </a:theme>
 </file>
 
 <file path=ppt/theme/theme2.xml><?xml version="1.0" encoding="utf-8"?>
-<a:theme xmlns:a="http://schemas.openxmlformats.org/drawingml/2006/main" xmlns:r="http://schemas.openxmlformats.org/officeDocument/2006/relationships">
+<a:theme xmlns:a="http://schemas.openxmlformats.org/drawingml/2006/main">
   <a:themeElements>
     <a:clrScheme name="Default">
       <a:dk1>
@@ -10473,5 +10856,7 @@
       </a:bgFillStyleLst>
     </a:fmtScheme>
   </a:themeElements>
+  <a:objectDefaults/>
+  <a:extraClrSchemeLst/>
 </a:theme>
 </file>